--- a/00-Dataset_Data_Model/ERD/Untitled.pptx
+++ b/00-Dataset_Data_Model/ERD/Untitled.pptx
@@ -7,8 +7,8 @@
   <p:sldIdLst>
     <p:sldId id="257" r:id="rId2"/>
   </p:sldIdLst>
-  <p:sldSz cx="11303000" cy="20104100"/>
-  <p:notesSz cx="11303000" cy="20104100"/>
+  <p:sldSz cx="20104100" cy="11309350"/>
+  <p:notesSz cx="20104100" cy="11309350"/>
   <p:defaultTextStyle>
     <a:defPPr>
       <a:defRPr kern="0"/>
@@ -49,7 +49,7 @@
           <inkml:channelProperty channel="F" name="resolution" value="0" units="1/dev"/>
         </inkml:channelProperties>
       </inkml:inkSource>
-      <inkml:timestamp xml:id="ts0" timeString="2024-10-01T18:27:52.391"/>
+      <inkml:timestamp xml:id="ts0" timeString="2024-10-23T04:59:01.670"/>
     </inkml:context>
     <inkml:brush xml:id="br0">
       <inkml:brushProperty name="width" value="0.35" units="cm"/>
@@ -57,7 +57,91 @@
       <inkml:brushProperty name="color" value="#F7F7F7"/>
     </inkml:brush>
   </inkml:definitions>
-  <inkml:trace contextRef="#ctx0" brushRef="#br0">147 838 24575,'1435'0'0,"-2529"0"0,1076-1 0,-1-1 0,0-1 0,-21-6 0,-35-5 0,30 11 0,30 3 0,0-1 0,0 0 0,0-1 0,0-1 0,0 0 0,0-1 0,-19-9 0,17 5 0,-45-23 0,57 28 0,-1-1 0,1 0 0,0 0 0,0 0 0,0 0 0,1-1 0,0 1 0,-5-7 0,9 10 0,-1 0 0,0 0 0,1 0 0,-1 0 0,1-1 0,-1 1 0,1 0 0,0 0 0,-1-1 0,1 1 0,0 0 0,0 0 0,0-1 0,0 1 0,0 0 0,0 0 0,0-1 0,0 1 0,1 0 0,-1 0 0,0 0 0,1-1 0,-1 1 0,1 0 0,-1 0 0,1 0 0,0 0 0,-1 0 0,1 0 0,0 0 0,1-1 0,3-3 0,-1 2 0,1-1 0,0 1 0,0-1 0,9-3 0,21-9 0,0 2 0,1 1 0,58-12 0,118-12 0,-45 24 0,248 11 0,-184 5 0,-203-5 0,0-1 0,50-12 0,-17 3 0,-29 5 0,58-22 0,-21 6 0,-68 23 0,1 0 0,0-1 0,0 1 0,-1-1 0,1 1 0,0-1 0,-1 0 0,1 0 0,-1 0 0,1 1 0,-1-2 0,1 1 0,-1 0 0,0 0 0,2-2 0,-3 3 0,0-1 0,0 1 0,0-1 0,0 0 0,0 1 0,0-1 0,0 1 0,0-1 0,-1 1 0,1-1 0,0 1 0,0-1 0,0 1 0,-1 0 0,1-1 0,0 1 0,-1-1 0,1 1 0,0-1 0,-1 1 0,1 0 0,0-1 0,-1 1 0,1 0 0,-1-1 0,1 1 0,-1 0 0,1 0 0,-1-1 0,1 1 0,-1 0 0,-9-4 0,0 0 0,1 1 0,-1 0 0,-14-1 0,-87-10 0,-219 3 0,40 4 0,231 2 0,0-2 0,-108-28 0,101 15 0,28 7 0,-1 1 0,0 3 0,-1 1 0,0 2 0,-53-2 0,52 9 0,28-1 0,31 1 0,867-1 0,-777 5 0,132 23 0,72 4 0,-2-32 0,-160-1 0,-117-1 0,0-2 0,0-2 0,0-1 0,-1-1 0,45-18 0,-5 3 0,-56 18 0,580-154 0,-536 149 0,118-4 0,60 18 0,-56 0 0,-178-4 0,306-14 0,-131-1 0,196 9 0,-289 7 0,-81-1 0,4 0 0,1 0 0,0 1 0,16 3 0,-25-4 0,0 0 0,0 0 0,0 0 0,0 0 0,0 0 0,-1 1 0,1-1 0,0 0 0,0 1 0,0-1 0,-1 0 0,1 1 0,0-1 0,0 1 0,-1-1 0,1 1 0,0-1 0,-1 1 0,1 0 0,0-1 0,-1 1 0,1 0 0,-1 0 0,0-1 0,1 1 0,-1 0 0,1 0 0,-1 0 0,0-1 0,0 1 0,1 0 0,-1 0 0,0 0 0,0 0 0,0 0 0,0 0 0,0 0 0,0-1 0,0 1 0,0 0 0,-1 0 0,1 0 0,0 0 0,-1 0 0,1-1 0,0 1 0,-1 0 0,1 0 0,-1-1 0,1 1 0,-1 0 0,0 0 0,-10 14 0,0-2 0,-1 0 0,-25 22 0,5-7 0,-102 87 0,40-37 0,87-69 0,0 0 0,0 0 0,1 1 0,0 0 0,1 0 0,0 0 0,0 1 0,1 0 0,1 0 0,-3 12 0,-7 18 0,-3 6 0,-39 92 0,52-134 0,0-1 0,0 1 0,0-1 0,-1 0 0,0 0 0,0 0 0,0-1 0,0 1 0,0-1 0,-1 0 0,1 0 0,-1 0 0,0-1 0,0 0 0,0 0 0,0 0 0,0-1 0,-1 1 0,1-1 0,0 0 0,-1-1 0,-6 1 0,-8 0 0,0-2 0,1 0 0,-1 0 0,-36-10 0,47 10 0,0-2 0,0 1 0,0-1 0,1 0 0,-1-1 0,1 0 0,0-1 0,0 1 0,1-1 0,-13-11 0,19 15 0,1 1 0,-1 0 0,1-1 0,-1 1 0,1-1 0,0 1 0,-1-1 0,1 1 0,0-1 0,-1 0 0,1 1 0,0-1 0,0 1 0,-1-1 0,1 0 0,0 1 0,0-1 0,0 1 0,0-1 0,0 0 0,0 1 0,0-1 0,0 0 0,0 1 0,0-1 0,0 1 0,0-1 0,1 0 0,-1 1 0,0-1 0,0 1 0,1-1 0,-1 0 0,0 1 0,1-1 0,-1 1 0,1-1 0,-1 1 0,0 0 0,1-1 0,-1 1 0,1-1 0,-1 1 0,1 0 0,0-1 0,-1 1 0,1 0 0,-1-1 0,1 1 0,-1 0 0,1 0 0,1 0 0,38-10 0,-39 10 0,103-9 0,183 8 0,-151 4 0,266-2 0,-2759-1 0,2354 0 0,-1 0 0,0 0 0,0 0 0,0 0 0,0 1 0,0-1 0,-6 3 0,9-3 0,0 1 0,0-1 0,1 1 0,-1-1 0,0 1 0,0-1 0,1 1 0,-1-1 0,1 1 0,-1 0 0,0-1 0,1 1 0,-1 0 0,1-1 0,0 1 0,-1 0 0,1 0 0,-1 0 0,1 0 0,0-1 0,0 1 0,0 0 0,-1 0 0,1 0 0,0 0 0,0 0 0,0-1 0,0 1 0,0 0 0,1 0 0,-1 0 0,0 0 0,0 0 0,0-1 0,1 1 0,-1 0 0,1 1 0,2 6 0,1-1 0,0 1 0,0-1 0,1 0 0,0 0 0,0 0 0,1-1 0,0 1 0,0-1 0,7 5 0,75 53 0,-74-55 0,12 11 0,-26-20 0,1 1 0,-1-1 0,0 0 0,0 0 0,1 0 0,-1 1 0,0-1 0,0 0 0,1 1 0,-1-1 0,0 0 0,0 1 0,0-1 0,0 0 0,1 1 0,-1-1 0,0 0 0,0 1 0,0-1 0,0 0 0,0 1 0,0-1 0,0 0 0,0 1 0,0-1 0,0 0 0,0 1 0,0-1 0,0 0 0,0 1 0,-1-1 0,1 0 0,0 1 0,0-1 0,0 0 0,0 1 0,-1-1 0,1 0 0,0 1 0,0-1 0,0 0 0,-1 0 0,1 1 0,0-1 0,-1 0 0,1 0 0,0 0 0,-1 1 0,1-1 0,0 0 0,-1 0 0,1 0 0,-1 0 0,-22 5 0,22-5 0,-66 5 0,-100-6 0,85-1 0,-69-1 0,-239-36 0,211 18 0,101 13 0,76 8 0,0 0 0,0 0 0,0 0 0,0 0 0,0-1 0,0 1 0,0-1 0,1 1 0,-1-1 0,0 0 0,0 1 0,0-1 0,0 0 0,1 0 0,-1-1 0,0 1 0,1 0 0,-1 0 0,1-1 0,-3-2 0,4 3 0,0 1 0,0-1 0,0 0 0,0 1 0,0-1 0,0 1 0,0-1 0,0 1 0,0-1 0,1 1 0,-1-1 0,0 0 0,0 1 0,1-1 0,-1 1 0,0 0 0,0-1 0,1 1 0,-1-1 0,1 1 0,-1-1 0,0 1 0,1 0 0,-1-1 0,2 0 0,26-11 0,307-60 0,-127 30 0,-74 14 0,144-14 0,-251 40 0,-1-2 0,0 0 0,0-2 0,-1-1 0,0-2 0,27-11 0,-11 5 0,1 1 0,1 3 0,53-8 0,-88 17 0,58-6 0,1 3 0,127 6 0,-70 1 0,233-2 0,-352 0 0,7 1 0,-24 6 0,-78 22 0,-154 28 0,131-33 0,-113 28 0,-286 57 0,353-95 0,155-14 0,664-6 0,-408 8 0,-222-3 0,0-2 0,0 0 0,0-2 0,0-1 0,-1-2 0,30-11 0,14-16 0,-55 26 0,0 0 0,1 1 0,0 0 0,29-6 0,206-50 0,-198 50 0,-34 8 0,0 1 0,41-3 0,-26 6 0,1 1 0,-1-2 0,55-11 0,-45 8 185,-32 4-161,0 0 1,23-7-1,-34 8-132,0 0 0,-1-1-1,1 1 1,0-1 0,-1 0 0,0 0 0,1 0-1,-1-1 1,0 1 0,0-1 0,0 0 0,0 0-1,-1 0 1,4-4 0</inkml:trace>
+  <inkml:trace contextRef="#ctx0" brushRef="#br0">0 199 24571,'231'315'0,"-460"3"0,602-440 0,-142 438 0,-232-708 0,373 270 0,-745 2 0,371-272 0,-227 710 0,-144-437 0</inkml:trace>
+</inkml:ink>
+</file>
+
+<file path=ppt/ink/ink2.xml><?xml version="1.0" encoding="utf-8"?>
+<inkml:ink xmlns:inkml="http://www.w3.org/2003/InkML">
+  <inkml:definitions>
+    <inkml:context xml:id="ctx0">
+      <inkml:inkSource xml:id="inkSrc0">
+        <inkml:traceFormat>
+          <inkml:channel name="X" type="integer" min="-2.14748E9" max="2.14748E9" units="cm"/>
+          <inkml:channel name="Y" type="integer" min="-2.14748E9" max="2.14748E9" units="cm"/>
+          <inkml:channel name="F" type="integer" max="32767" units="dev"/>
+        </inkml:traceFormat>
+        <inkml:channelProperties>
+          <inkml:channelProperty channel="X" name="resolution" value="1000" units="1/cm"/>
+          <inkml:channelProperty channel="Y" name="resolution" value="1000" units="1/cm"/>
+          <inkml:channelProperty channel="F" name="resolution" value="0" units="1/dev"/>
+        </inkml:channelProperties>
+      </inkml:inkSource>
+      <inkml:timestamp xml:id="ts0" timeString="2024-10-23T04:59:08.324"/>
+    </inkml:context>
+    <inkml:brush xml:id="br0">
+      <inkml:brushProperty name="width" value="0.35" units="cm"/>
+      <inkml:brushProperty name="height" value="0.35" units="cm"/>
+      <inkml:brushProperty name="color" value="#F7F7F7"/>
+    </inkml:brush>
+  </inkml:definitions>
+  <inkml:trace contextRef="#ctx0" brushRef="#br0">0 640 24575,'15'-1'0,"-1"-1"0,1 0 0,-1-2 0,0 0 0,0 0 0,0-1 0,13-8 0,20-5 0,165-64 0,-59 21 0,-107 43 0,0 2 0,0 3 0,1 1 0,1 3 0,0 1 0,60-1 0,1 12 0,56-3 0,-159-1 0,0 0 0,0 0 0,0 0 0,0-1 0,-1 0 0,10-3 0,-14 4 0,-1 1 0,1-1 0,0 1 0,0 0 0,0-1 0,0 0 0,-1 1 0,1-1 0,0 1 0,0-1 0,-1 0 0,1 0 0,0 1 0,-1-1 0,1 0 0,-1 0 0,1 0 0,-1 0 0,0 0 0,1 1 0,-1-1 0,0 0 0,1 0 0,-1 0 0,0 0 0,0 0 0,0 0 0,0 0 0,0 0 0,0 0 0,0 0 0,0 0 0,-1 0 0,1 0 0,0 0 0,-1 0 0,1 0 0,0 0 0,-1 0 0,1 1 0,-1-1 0,1 0 0,-1 0 0,0 0 0,1 1 0,-1-1 0,0 0 0,1 1 0,-2-1 0,-18-17 0,-1 1 0,0 1 0,-1 1 0,-1 1 0,-33-15 0,16 8 0,-37-23 0,-62-33 0,115 65 0,-2 1 0,1 1 0,-43-10 0,65 19 0,-1 0 0,1 0 0,0 0 0,-1 1 0,1 0 0,0-1 0,-1 1 0,1 0 0,0 1 0,-1-1 0,1 0 0,0 1 0,-1 0 0,1 0 0,0 0 0,0 0 0,0 0 0,0 1 0,0-1 0,0 1 0,0 0 0,0 0 0,1 0 0,-1 0 0,1 1 0,-1-1 0,1 1 0,0-1 0,0 1 0,0 0 0,0 0 0,1 0 0,-1 0 0,1 0 0,0 0 0,0 0 0,0 0 0,0 0 0,0 1 0,1-1 0,-1 0 0,1 5 0,-5 57 0,4-43 0,0 0 0,-9 38 0,9-54 0,-1 0 0,0 0 0,0 0 0,-1 0 0,0 0 0,0 0 0,0-1 0,-1 1 0,0-1 0,0 0 0,0 0 0,0-1 0,-10 8 0,13-11 0,0 0 0,0 0 0,0-1 0,0 1 0,0 0 0,0-1 0,0 1 0,0-1 0,-1 1 0,1-1 0,0 0 0,0 0 0,0 1 0,-1-1 0,1 0 0,0 0 0,0 0 0,0 0 0,-1 0 0,1 0 0,0-1 0,0 1 0,-1 0 0,1-1 0,0 1 0,0-1 0,0 1 0,0-1 0,0 1 0,0-1 0,0 0 0,0 0 0,0 1 0,0-1 0,0 0 0,0 0 0,0 0 0,1 0 0,-1 0 0,0 0 0,1 0 0,-1-2 0,-3-3 0,1 0 0,0-1 0,0 1 0,-2-13 0,4 16 0,2 263 0,2-109 0,-3-145 0,-1 6 0,2 0 0,0 1 0,0-1 0,4 16 0,-4-25 0,0 1 0,0-1 0,1 0 0,-1 0 0,1 0 0,-1 0 0,1 0 0,0 0 0,0 0 0,1-1 0,-1 1 0,0-1 0,1 0 0,-1 1 0,1-1 0,0 0 0,0-1 0,0 1 0,0 0 0,5 1 0,7 2 0,0-2 0,0 0 0,0 0 0,0-1 0,21-1 0,84-5 0,-56 0 0,754-3 0,-553 8 0,-240-3 0,0 0 0,0-2 0,35-10 0,40-5 0,-76 15-455,0 0 0,41-13 0</inkml:trace>
+</inkml:ink>
+</file>
+
+<file path=ppt/ink/ink3.xml><?xml version="1.0" encoding="utf-8"?>
+<inkml:ink xmlns:inkml="http://www.w3.org/2003/InkML">
+  <inkml:definitions>
+    <inkml:context xml:id="ctx0">
+      <inkml:inkSource xml:id="inkSrc0">
+        <inkml:traceFormat>
+          <inkml:channel name="X" type="integer" min="-2.14748E9" max="2.14748E9" units="cm"/>
+          <inkml:channel name="Y" type="integer" min="-2.14748E9" max="2.14748E9" units="cm"/>
+          <inkml:channel name="F" type="integer" max="32767" units="dev"/>
+        </inkml:traceFormat>
+        <inkml:channelProperties>
+          <inkml:channelProperty channel="X" name="resolution" value="1000" units="1/cm"/>
+          <inkml:channelProperty channel="Y" name="resolution" value="1000" units="1/cm"/>
+          <inkml:channelProperty channel="F" name="resolution" value="0" units="1/dev"/>
+        </inkml:channelProperties>
+      </inkml:inkSource>
+      <inkml:timestamp xml:id="ts0" timeString="2024-10-23T04:59:11.915"/>
+    </inkml:context>
+    <inkml:brush xml:id="br0">
+      <inkml:brushProperty name="width" value="0.35" units="cm"/>
+      <inkml:brushProperty name="height" value="0.35" units="cm"/>
+      <inkml:brushProperty name="color" value="#F7F7F7"/>
+    </inkml:brush>
+  </inkml:definitions>
+  <inkml:trace contextRef="#ctx0" brushRef="#br0">107 511 24575,'294'-22'0,"12"-3"0,66 26 0,-367-1 0,3 1 0,-1-1 0,0-1 0,1 1 0,-1-1 0,0 0 0,0-1 0,10-2 0,-16 4 0,-1-1 0,1 1 0,-1 0 0,1 0 0,-1-1 0,1 1 0,-1 0 0,0 0 0,1-1 0,-1 1 0,1 0 0,-1-1 0,0 1 0,1-1 0,-1 1 0,1-1 0,-1 1 0,0 0 0,0-1 0,1 1 0,-1-1 0,0 1 0,0-1 0,0 0 0,0 1 0,1-1 0,-1 1 0,0-1 0,0 1 0,0-1 0,0 0 0,-1 0 0,1 0 0,-1 0 0,0 0 0,1 0 0,-1 0 0,0 0 0,1 0 0,-1 0 0,0 0 0,0 0 0,0 0 0,0 1 0,0-1 0,0 0 0,-1 0 0,-13-6 0,1 1 0,-1 0 0,-1 1 0,1 0 0,-20-2 0,3 0 0,-611-124 0,416 110 0,133 15 0,91 6 0,0 0 0,0-1 0,0 1 0,0-1 0,1 0 0,-1 0 0,0 0 0,0 0 0,1 0 0,-1 0 0,-2-3 0,4 4 0,1-1 0,0 1 0,-1 0 0,1-1 0,-1 1 0,1-1 0,0 1 0,-1-1 0,1 1 0,0-1 0,0 1 0,0-1 0,-1 1 0,1-1 0,0 1 0,0-1 0,0 1 0,0-1 0,0 1 0,0-1 0,0 1 0,0-1 0,0 1 0,0-2 0,1 1 0,-1 0 0,1-1 0,-1 1 0,1 0 0,0 0 0,0 0 0,0 0 0,0 0 0,0 0 0,0 0 0,0 0 0,0 0 0,0 0 0,2 0 0,12-8 0,1 1 0,0 1 0,0 1 0,0 0 0,1 2 0,0-1 0,21-1 0,4-3 0,372-61 0,-405 69 0,119-22 0,-74 11 0,0 3 0,72-2 0,467 14 0,-579-3-341,0 0 0,0 1-1,27 6 1</inkml:trace>
+</inkml:ink>
+</file>
+
+<file path=ppt/ink/ink4.xml><?xml version="1.0" encoding="utf-8"?>
+<inkml:ink xmlns:inkml="http://www.w3.org/2003/InkML">
+  <inkml:definitions>
+    <inkml:context xml:id="ctx0">
+      <inkml:inkSource xml:id="inkSrc0">
+        <inkml:traceFormat>
+          <inkml:channel name="X" type="integer" min="-2.14748E9" max="2.14748E9" units="cm"/>
+          <inkml:channel name="Y" type="integer" min="-2.14748E9" max="2.14748E9" units="cm"/>
+          <inkml:channel name="F" type="integer" max="32767" units="dev"/>
+        </inkml:traceFormat>
+        <inkml:channelProperties>
+          <inkml:channelProperty channel="X" name="resolution" value="1000" units="1/cm"/>
+          <inkml:channelProperty channel="Y" name="resolution" value="1000" units="1/cm"/>
+          <inkml:channelProperty channel="F" name="resolution" value="0" units="1/dev"/>
+        </inkml:channelProperties>
+      </inkml:inkSource>
+      <inkml:timestamp xml:id="ts0" timeString="2024-10-23T04:59:20.043"/>
+    </inkml:context>
+    <inkml:brush xml:id="br0">
+      <inkml:brushProperty name="width" value="0.35" units="cm"/>
+      <inkml:brushProperty name="height" value="0.35" units="cm"/>
+      <inkml:brushProperty name="color" value="#F7F7F7"/>
+    </inkml:brush>
+  </inkml:definitions>
+  <inkml:trace contextRef="#ctx0" brushRef="#br0">3280 602 24575,'0'-46'0,"-2"1"0,-1 0 0,-10-45 0,-14-78 0,27 164 0,0 9 0,0 0 0,0 1 0,1-1 0,0 0 0,0 0 0,0 0 0,1 0 0,0 0 0,-1 0 0,2 0 0,-1-1 0,1 1 0,5 7 0,26 18 0,-26-24 0,0 1 0,-1 0 0,0 0 0,0 1 0,0 0 0,-1 0 0,9 14 0,-4 2 0,10 33 0,-13-34 0,16 32 0,-23-54 0,-1 1 0,1-1 0,0 1 0,0-1 0,0 1 0,0-1 0,0 0 0,0 1 0,0-1 0,0 0 0,1 0 0,-1 0 0,3 2 0,-4-3 0,1 0 0,-1 0 0,1 0 0,-1 0 0,1 0 0,-1 0 0,1 0 0,-1 0 0,1 0 0,-1 0 0,0 0 0,1-1 0,-1 1 0,1 0 0,-1 0 0,1 0 0,-1 0 0,0-1 0,1 1 0,-1 0 0,0-1 0,1 1 0,-1 0 0,0-1 0,1 1 0,-1 0 0,0-1 0,0 1 0,1 0 0,-1-2 0,2-3 0,0 0 0,0 0 0,0-1 0,-1 1 0,0 0 0,1-11 0,0-174 0,-1 9 0,-1 177 0,1-1 0,-1 1 0,1-1 0,0 1 0,0 0 0,1-1 0,-1 1 0,1 0 0,0 0 0,0 0 0,0 0 0,5-6 0,-5 9 0,-1-1 0,1 1 0,-1 0 0,1-1 0,0 1 0,0 0 0,0 0 0,-1 0 0,1 1 0,0-1 0,0 0 0,0 1 0,0-1 0,0 1 0,1 0 0,-1-1 0,0 1 0,0 0 0,0 0 0,0 1 0,0-1 0,0 0 0,0 1 0,0-1 0,0 1 0,0 0 0,0-1 0,3 3 0,3 1 0,1 0 0,-1 1 0,0 0 0,0 0 0,-1 1 0,1 0 0,-1 1 0,11 12 0,0 4 0,22 39 0,-3-5 0,-27-42 0,-1 0 0,-1 1 0,0 0 0,-1 1 0,-1 0 0,0 0 0,-2 0 0,0 1 0,0-1 0,-2 1 0,0 0 0,-1 0 0,-1 0 0,-4 28 0,4-42 0,-1 1 0,0-1 0,0 1 0,0-1 0,-1 0 0,1 0 0,-1 1 0,0-1 0,0 0 0,-1 0 0,1-1 0,-1 1 0,0 0 0,0-1 0,0 0 0,0 0 0,-1 0 0,1 0 0,-1 0 0,0-1 0,0 1 0,0-1 0,0 0 0,0 0 0,-9 2 0,1 0 0,0-2 0,-1 1 0,0-2 0,0 1 0,1-2 0,-1 0 0,-23-3 0,103-2 0,550 2 0,-361 3 0,-231-1 0,-1-2 0,1-1 0,-1-1 0,0-1 0,46-19 0,-36 13 0,62-14 0,-84 24 0,1 0 0,0-1 0,1 0 0,15-7 0,-26 9 0,-1 0 0,1 0 0,0 0 0,-1-1 0,1 1 0,-1-1 0,1 0 0,-1 0 0,0 0 0,1 0 0,-1 0 0,0-1 0,-1 1 0,1 0 0,0-1 0,-1 0 0,1 1 0,-1-1 0,0 0 0,1-4 0,-1 5 0,-1-1 0,0 0 0,-1 1 0,1-1 0,0 1 0,-1-1 0,1 1 0,-1-1 0,0 1 0,0-1 0,0 1 0,0-1 0,-1 1 0,1 0 0,0 0 0,-1-1 0,0 1 0,1 0 0,-1 1 0,0-1 0,0 0 0,0 0 0,0 1 0,-3-2 0,-7-6 0,-1 1 0,-25-11 0,-13-4 0,-1 2 0,-2 3 0,0 1 0,-69-10 0,47 16 0,1 3 0,-130 3 0,-91 9 0,1528-4 0,-1221-1 0,0 2 0,0-1 0,0 2 0,19 3 0,-27-4 0,1 1 0,-1-1 0,0 0 0,0 1 0,1 0 0,-1-1 0,0 1 0,0 1 0,-1-1 0,1 0 0,0 1 0,-1-1 0,0 1 0,1 0 0,-1 0 0,0 0 0,0 0 0,2 6 0,0 2 0,-1-1 0,0 1 0,0 0 0,-1 0 0,-1 0 0,1 13 0,-5 72 0,1-54 0,1 15 0,2-31 0,-1 0 0,-2 0 0,-10 52 0,12-77 0,0 0 0,0 0 0,-1 0 0,1 0 0,0 0 0,-1 0 0,1 0 0,-1 0 0,1 0 0,-1 0 0,1 0 0,-1 0 0,0 0 0,1-1 0,-1 1 0,0 0 0,0 0 0,1-1 0,-1 1 0,0 0 0,0-1 0,0 1 0,0-1 0,-2 1 0,1-1 0,1 0 0,-1 0 0,1 0 0,-1 0 0,1-1 0,0 1 0,-1-1 0,1 1 0,-1-1 0,1 1 0,0-1 0,-1 0 0,1 0 0,0 1 0,-2-3 0,-7-6 0,1 0 0,1 0 0,-11-16 0,17 23 0,-239-331 0,231 320 0,1 1 0,-2 0 0,0 0 0,0 1 0,-1 0 0,-18-12 0,21 18 0,0-1 0,-1 2 0,0-1 0,1 1 0,-1 1 0,-1-1 0,1 2 0,0 0 0,-1 0 0,-15-1 0,-15 3 0,-1 0 0,-57 10 0,98-10 0,-27 6 0,27-6 0,0 0 0,0 0 0,0 0 0,0 1 0,0-1 0,0 1 0,0-1 0,0 0 0,0 1 0,0-1 0,1 1 0,-1 0 0,0-1 0,0 1 0,0 0 0,1 0 0,-1-1 0,0 1 0,1 0 0,-1 0 0,0 1 0,1-1 0,1-1 0,-1 0 0,1 1 0,-1-1 0,1 1 0,-1-1 0,1 0 0,-1 0 0,1 1 0,-1-1 0,1 0 0,-1 0 0,1 1 0,-1-1 0,1 0 0,0 0 0,-1 0 0,1 0 0,-1 0 0,1 0 0,0 0 0,-1 0 0,1 0 0,-1 0 0,1-1 0,0 1 0,20-3 0,-7-1 0,0 0 0,0-1 0,-1-1 0,0 0 0,21-13 0,-26 14 0,-1 1 0,-1-1 0,1-1 0,-1 1 0,0-1 0,0 0 0,-1-1 0,1 1 0,-1-1 0,-1 0 0,5-9 0,-8 14 0,0 1 0,0-1 0,-1 0 0,1 1 0,-1-1 0,1 0 0,-1 1 0,0-1 0,0 0 0,0 0 0,0 1 0,0-1 0,0 0 0,0 0 0,0 0 0,-1 1 0,1-1 0,-1 0 0,1 1 0,-1-1 0,0 0 0,0 1 0,0-1 0,0 1 0,0-1 0,0 1 0,0 0 0,-2-2 0,-1-1 0,-1 1 0,0 0 0,0 0 0,0 0 0,0 0 0,-1 1 0,-8-3 0,-23-5 0,0 1 0,-55-7 0,-84 2 0,55 5 0,-842-29 0,925 40 0,0 1 0,0 2 0,-37 9 0,-107 38 0,31-8 0,52-18 0,-155 36 0,194-51 0,-1-3 0,-80 2 0,-734-11 0,289-2 0,491 1 0,-108 5 0,189-1 37,-1 0 1,1 1-1,-1 1 0,1 0 0,1 1 1,-18 9-1,-70 46-128,7-4-1444</inkml:trace>
 </inkml:ink>
 </file>
 
@@ -90,8 +174,8 @@
         </p:nvSpPr>
         <p:spPr>
           <a:xfrm>
-            <a:off x="848201" y="6232271"/>
-            <a:ext cx="9612948" cy="4221861"/>
+            <a:off x="1507807" y="3505898"/>
+            <a:ext cx="17088486" cy="2374963"/>
           </a:xfrm>
           <a:prstGeom prst="rect">
             <a:avLst/>
@@ -123,8 +207,8 @@
         </p:nvSpPr>
         <p:spPr>
           <a:xfrm>
-            <a:off x="1696402" y="11258296"/>
-            <a:ext cx="7916545" cy="5026025"/>
+            <a:off x="3015615" y="6333236"/>
+            <a:ext cx="14072870" cy="2827337"/>
           </a:xfrm>
           <a:prstGeom prst="rect">
             <a:avLst/>
@@ -200,7 +284,7 @@
           <a:p>
             <a:fld id="{1D8BD707-D9CF-40AE-B4C6-C98DA3205C09}" type="datetimeFigureOut">
               <a:rPr lang="en-US"/>
-              <a:t>10/1/2024</a:t>
+              <a:t>10/23/2024</a:t>
             </a:fld>
             <a:endParaRPr lang="en-US"/>
           </a:p>
@@ -365,7 +449,7 @@
           <a:p>
             <a:fld id="{1D8BD707-D9CF-40AE-B4C6-C98DA3205C09}" type="datetimeFigureOut">
               <a:rPr lang="en-US"/>
-              <a:t>10/1/2024</a:t>
+              <a:t>10/23/2024</a:t>
             </a:fld>
             <a:endParaRPr lang="en-US"/>
           </a:p>
@@ -463,8 +547,8 @@
         </p:nvSpPr>
         <p:spPr>
           <a:xfrm>
-            <a:off x="565467" y="4623943"/>
-            <a:ext cx="4919567" cy="13268707"/>
+            <a:off x="1005205" y="2601150"/>
+            <a:ext cx="8745284" cy="7464171"/>
           </a:xfrm>
           <a:prstGeom prst="rect">
             <a:avLst/>
@@ -496,8 +580,8 @@
         </p:nvSpPr>
         <p:spPr>
           <a:xfrm>
-            <a:off x="5824315" y="4623943"/>
-            <a:ext cx="4919567" cy="13268707"/>
+            <a:off x="10353611" y="2601150"/>
+            <a:ext cx="8745284" cy="7464171"/>
           </a:xfrm>
           <a:prstGeom prst="rect">
             <a:avLst/>
@@ -573,7 +657,7 @@
           <a:p>
             <a:fld id="{1D8BD707-D9CF-40AE-B4C6-C98DA3205C09}" type="datetimeFigureOut">
               <a:rPr lang="en-US"/>
-              <a:t>10/1/2024</a:t>
+              <a:t>10/23/2024</a:t>
             </a:fld>
             <a:endParaRPr lang="en-US"/>
           </a:p>
@@ -715,7 +799,7 @@
           <a:p>
             <a:fld id="{1D8BD707-D9CF-40AE-B4C6-C98DA3205C09}" type="datetimeFigureOut">
               <a:rPr lang="en-US"/>
-              <a:t>10/1/2024</a:t>
+              <a:t>10/23/2024</a:t>
             </a:fld>
             <a:endParaRPr lang="en-US"/>
           </a:p>
@@ -834,7 +918,7 @@
           <a:p>
             <a:fld id="{1D8BD707-D9CF-40AE-B4C6-C98DA3205C09}" type="datetimeFigureOut">
               <a:rPr lang="en-US"/>
-              <a:t>10/1/2024</a:t>
+              <a:t>10/23/2024</a:t>
             </a:fld>
             <a:endParaRPr lang="en-US"/>
           </a:p>
@@ -914,7 +998,7 @@
         <p:spPr>
           <a:xfrm>
             <a:off x="0" y="0"/>
-            <a:ext cx="11308715" cy="20104100"/>
+            <a:ext cx="20104100" cy="11308715"/>
           </a:xfrm>
           <a:custGeom>
             <a:avLst/>
@@ -923,21 +1007,21 @@
             <a:cxnLst/>
             <a:rect l="l" t="t" r="r" b="b"/>
             <a:pathLst>
-              <a:path w="11308715" h="20104100">
+              <a:path w="20104100" h="11308715">
                 <a:moveTo>
-                  <a:pt x="11308556" y="0"/>
+                  <a:pt x="20104099" y="0"/>
                 </a:moveTo>
                 <a:lnTo>
                   <a:pt x="0" y="0"/>
                 </a:lnTo>
                 <a:lnTo>
-                  <a:pt x="0" y="20104099"/>
-                </a:lnTo>
-                <a:lnTo>
-                  <a:pt x="11308556" y="20104099"/>
-                </a:lnTo>
-                <a:lnTo>
-                  <a:pt x="11308556" y="0"/>
+                  <a:pt x="0" y="11308556"/>
+                </a:lnTo>
+                <a:lnTo>
+                  <a:pt x="20104099" y="11308556"/>
+                </a:lnTo>
+                <a:lnTo>
+                  <a:pt x="20104099" y="0"/>
                 </a:lnTo>
                 <a:close/>
               </a:path>
@@ -969,7 +1053,7 @@
         </p:blipFill>
         <p:spPr>
           <a:xfrm>
-            <a:off x="9454581" y="19567571"/>
+            <a:off x="18250124" y="10772027"/>
             <a:ext cx="173188" cy="335068"/>
           </a:xfrm>
           <a:prstGeom prst="rect">
@@ -985,7 +1069,7 @@
         </p:nvSpPr>
         <p:spPr>
           <a:xfrm>
-            <a:off x="9293120" y="19567571"/>
+            <a:off x="18088663" y="10772027"/>
             <a:ext cx="161925" cy="335280"/>
           </a:xfrm>
           <a:custGeom>
@@ -995,7 +1079,7 @@
             <a:cxnLst/>
             <a:rect l="l" t="t" r="r" b="b"/>
             <a:pathLst>
-              <a:path w="161925" h="335280">
+              <a:path w="161925" h="335279">
                 <a:moveTo>
                   <a:pt x="161461" y="335068"/>
                 </a:moveTo>
@@ -1065,7 +1149,7 @@
         </p:blipFill>
         <p:spPr>
           <a:xfrm>
-            <a:off x="9345893" y="19617831"/>
+            <a:off x="18141436" y="10822288"/>
             <a:ext cx="220516" cy="235385"/>
           </a:xfrm>
           <a:prstGeom prst="rect">
@@ -1087,7 +1171,7 @@
         </p:blipFill>
         <p:spPr>
           <a:xfrm>
-            <a:off x="9738551" y="19646731"/>
+            <a:off x="18534095" y="10851188"/>
             <a:ext cx="1246663" cy="208161"/>
           </a:xfrm>
           <a:prstGeom prst="rect">
@@ -1097,137 +1181,6 @@
       </p:pic>
       <p:sp>
         <p:nvSpPr>
-          <p:cNvPr id="21" name="bg object 21"/>
-          <p:cNvSpPr/>
-          <p:nvPr/>
-        </p:nvSpPr>
-        <p:spPr>
-          <a:xfrm>
-            <a:off x="3956891" y="5709345"/>
-            <a:ext cx="2243455" cy="152400"/>
-          </a:xfrm>
-          <a:custGeom>
-            <a:avLst/>
-            <a:gdLst/>
-            <a:ahLst/>
-            <a:cxnLst/>
-            <a:rect l="l" t="t" r="r" b="b"/>
-            <a:pathLst>
-              <a:path w="2243454" h="152400">
-                <a:moveTo>
-                  <a:pt x="2243323" y="48486"/>
-                </a:moveTo>
-                <a:lnTo>
-                  <a:pt x="2000892" y="48486"/>
-                </a:lnTo>
-                <a:lnTo>
-                  <a:pt x="1149357" y="48486"/>
-                </a:lnTo>
-                <a:lnTo>
-                  <a:pt x="1137240" y="50217"/>
-                </a:lnTo>
-                <a:lnTo>
-                  <a:pt x="1128585" y="55410"/>
-                </a:lnTo>
-                <a:lnTo>
-                  <a:pt x="1123392" y="64065"/>
-                </a:lnTo>
-                <a:lnTo>
-                  <a:pt x="1121661" y="76181"/>
-                </a:lnTo>
-                <a:lnTo>
-                  <a:pt x="1119930" y="88298"/>
-                </a:lnTo>
-                <a:lnTo>
-                  <a:pt x="1114737" y="96953"/>
-                </a:lnTo>
-                <a:lnTo>
-                  <a:pt x="1106082" y="102146"/>
-                </a:lnTo>
-                <a:lnTo>
-                  <a:pt x="1093965" y="103877"/>
-                </a:lnTo>
-                <a:lnTo>
-                  <a:pt x="242431" y="103877"/>
-                </a:lnTo>
-                <a:lnTo>
-                  <a:pt x="0" y="103877"/>
-                </a:lnTo>
-                <a:lnTo>
-                  <a:pt x="242431" y="103877"/>
-                </a:lnTo>
-                <a:lnTo>
-                  <a:pt x="1093965" y="103877"/>
-                </a:lnTo>
-                <a:lnTo>
-                  <a:pt x="1106082" y="102146"/>
-                </a:lnTo>
-                <a:lnTo>
-                  <a:pt x="1114737" y="96953"/>
-                </a:lnTo>
-                <a:lnTo>
-                  <a:pt x="1119930" y="88298"/>
-                </a:lnTo>
-                <a:lnTo>
-                  <a:pt x="1121661" y="76181"/>
-                </a:lnTo>
-                <a:lnTo>
-                  <a:pt x="1123392" y="64065"/>
-                </a:lnTo>
-                <a:lnTo>
-                  <a:pt x="1128585" y="55410"/>
-                </a:lnTo>
-                <a:lnTo>
-                  <a:pt x="1137240" y="50217"/>
-                </a:lnTo>
-                <a:lnTo>
-                  <a:pt x="1149357" y="48486"/>
-                </a:lnTo>
-                <a:lnTo>
-                  <a:pt x="2000892" y="48486"/>
-                </a:lnTo>
-                <a:lnTo>
-                  <a:pt x="2243323" y="48486"/>
-                </a:lnTo>
-                <a:close/>
-              </a:path>
-              <a:path w="2243454" h="152400">
-                <a:moveTo>
-                  <a:pt x="2243323" y="0"/>
-                </a:moveTo>
-                <a:lnTo>
-                  <a:pt x="2122107" y="48486"/>
-                </a:lnTo>
-                <a:lnTo>
-                  <a:pt x="2243323" y="96972"/>
-                </a:lnTo>
-              </a:path>
-              <a:path w="2243454" h="152400">
-                <a:moveTo>
-                  <a:pt x="121215" y="55391"/>
-                </a:moveTo>
-                <a:lnTo>
-                  <a:pt x="121215" y="152363"/>
-                </a:lnTo>
-              </a:path>
-            </a:pathLst>
-          </a:custGeom>
-          <a:ln w="24243">
-            <a:solidFill>
-              <a:srgbClr val="609BCC"/>
-            </a:solidFill>
-          </a:ln>
-        </p:spPr>
-        <p:txBody>
-          <a:bodyPr wrap="square" lIns="0" tIns="0" rIns="0" bIns="0" rtlCol="0"/>
-          <a:lstStyle/>
-          <a:p>
-            <a:endParaRPr/>
-          </a:p>
-        </p:txBody>
-      </p:sp>
-      <p:sp>
-        <p:nvSpPr>
           <p:cNvPr id="2" name="Holder 2"/>
           <p:cNvSpPr>
             <a:spLocks noGrp="1"/>
@@ -1238,8 +1191,8 @@
         </p:nvSpPr>
         <p:spPr>
           <a:xfrm>
-            <a:off x="565467" y="804164"/>
-            <a:ext cx="10178415" cy="3216656"/>
+            <a:off x="1005205" y="452374"/>
+            <a:ext cx="18093690" cy="1809496"/>
           </a:xfrm>
           <a:prstGeom prst="rect">
             <a:avLst/>
@@ -1271,8 +1224,8 @@
         </p:nvSpPr>
         <p:spPr>
           <a:xfrm>
-            <a:off x="565467" y="4623943"/>
-            <a:ext cx="10178415" cy="13268707"/>
+            <a:off x="1005205" y="2601150"/>
+            <a:ext cx="18093690" cy="7464171"/>
           </a:xfrm>
           <a:prstGeom prst="rect">
             <a:avLst/>
@@ -1304,8 +1257,8 @@
         </p:nvSpPr>
         <p:spPr>
           <a:xfrm>
-            <a:off x="3845179" y="18696814"/>
-            <a:ext cx="3618992" cy="1005205"/>
+            <a:off x="6835394" y="10517696"/>
+            <a:ext cx="6433312" cy="565467"/>
           </a:xfrm>
           <a:prstGeom prst="rect">
             <a:avLst/>
@@ -1343,8 +1296,8 @@
         </p:nvSpPr>
         <p:spPr>
           <a:xfrm>
-            <a:off x="565467" y="18696814"/>
-            <a:ext cx="2601150" cy="1005205"/>
+            <a:off x="1005205" y="10517696"/>
+            <a:ext cx="4623943" cy="565467"/>
           </a:xfrm>
           <a:prstGeom prst="rect">
             <a:avLst/>
@@ -1368,7 +1321,7 @@
           <a:p>
             <a:fld id="{1D8BD707-D9CF-40AE-B4C6-C98DA3205C09}" type="datetimeFigureOut">
               <a:rPr lang="en-US"/>
-              <a:t>10/1/2024</a:t>
+              <a:t>10/23/2024</a:t>
             </a:fld>
             <a:endParaRPr lang="en-US"/>
           </a:p>
@@ -1386,8 +1339,8 @@
         </p:nvSpPr>
         <p:spPr>
           <a:xfrm>
-            <a:off x="8142732" y="18696814"/>
-            <a:ext cx="2601150" cy="1005205"/>
+            <a:off x="14474953" y="10517696"/>
+            <a:ext cx="4623943" cy="565467"/>
           </a:xfrm>
           <a:prstGeom prst="rect">
             <a:avLst/>
@@ -1590,99 +1543,13 @@
       <p:sp>
         <p:nvSpPr>
           <p:cNvPr id="2" name="object 2"/>
-          <p:cNvSpPr txBox="1"/>
+          <p:cNvSpPr/>
           <p:nvPr/>
         </p:nvSpPr>
         <p:spPr>
           <a:xfrm>
-            <a:off x="6054118" y="5539066"/>
-            <a:ext cx="119380" cy="229235"/>
-          </a:xfrm>
-          <a:prstGeom prst="rect">
-            <a:avLst/>
-          </a:prstGeom>
-        </p:spPr>
-        <p:txBody>
-          <a:bodyPr vert="horz" wrap="square" lIns="0" tIns="17145" rIns="0" bIns="0" rtlCol="0">
-            <a:spAutoFit/>
-          </a:bodyPr>
-          <a:lstStyle/>
-          <a:p>
-            <a:pPr marL="12700">
-              <a:lnSpc>
-                <a:spcPct val="100000"/>
-              </a:lnSpc>
-              <a:spcBef>
-                <a:spcPts val="135"/>
-              </a:spcBef>
-            </a:pPr>
-            <a:r>
-              <a:rPr sz="1300" spc="55" dirty="0">
-                <a:latin typeface="Lucida Sans Unicode"/>
-                <a:cs typeface="Lucida Sans Unicode"/>
-              </a:rPr>
-              <a:t>*</a:t>
-            </a:r>
-            <a:endParaRPr sz="1300">
-              <a:latin typeface="Lucida Sans Unicode"/>
-              <a:cs typeface="Lucida Sans Unicode"/>
-            </a:endParaRPr>
-          </a:p>
-        </p:txBody>
-      </p:sp>
-      <p:sp>
-        <p:nvSpPr>
-          <p:cNvPr id="3" name="object 3"/>
-          <p:cNvSpPr txBox="1"/>
-          <p:nvPr/>
-        </p:nvSpPr>
-        <p:spPr>
-          <a:xfrm>
-            <a:off x="3980555" y="5594456"/>
-            <a:ext cx="122555" cy="229235"/>
-          </a:xfrm>
-          <a:prstGeom prst="rect">
-            <a:avLst/>
-          </a:prstGeom>
-        </p:spPr>
-        <p:txBody>
-          <a:bodyPr vert="horz" wrap="square" lIns="0" tIns="17145" rIns="0" bIns="0" rtlCol="0">
-            <a:spAutoFit/>
-          </a:bodyPr>
-          <a:lstStyle/>
-          <a:p>
-            <a:pPr marL="12700">
-              <a:lnSpc>
-                <a:spcPct val="100000"/>
-              </a:lnSpc>
-              <a:spcBef>
-                <a:spcPts val="135"/>
-              </a:spcBef>
-            </a:pPr>
-            <a:r>
-              <a:rPr sz="1300" spc="-50" dirty="0">
-                <a:latin typeface="Lucida Sans Unicode"/>
-                <a:cs typeface="Lucida Sans Unicode"/>
-              </a:rPr>
-              <a:t>1</a:t>
-            </a:r>
-            <a:endParaRPr sz="1300">
-              <a:latin typeface="Lucida Sans Unicode"/>
-              <a:cs typeface="Lucida Sans Unicode"/>
-            </a:endParaRPr>
-          </a:p>
-        </p:txBody>
-      </p:sp>
-      <p:sp>
-        <p:nvSpPr>
-          <p:cNvPr id="4" name="object 4"/>
-          <p:cNvSpPr/>
-          <p:nvPr/>
-        </p:nvSpPr>
-        <p:spPr>
-          <a:xfrm>
-            <a:off x="10253648" y="6485125"/>
-            <a:ext cx="495300" cy="6095365"/>
+            <a:off x="8470967" y="1137397"/>
+            <a:ext cx="1875155" cy="713740"/>
           </a:xfrm>
           <a:custGeom>
             <a:avLst/>
@@ -1691,106 +1558,124 @@
             <a:cxnLst/>
             <a:rect l="l" t="t" r="r" b="b"/>
             <a:pathLst>
-              <a:path w="495300" h="6095365">
+              <a:path w="1875154" h="713739">
                 <a:moveTo>
-                  <a:pt x="0" y="48486"/>
+                  <a:pt x="1875079" y="660727"/>
                 </a:moveTo>
                 <a:lnTo>
-                  <a:pt x="242431" y="48486"/>
-                </a:lnTo>
-                <a:lnTo>
-                  <a:pt x="373782" y="48486"/>
-                </a:lnTo>
-                <a:lnTo>
-                  <a:pt x="426814" y="56062"/>
-                </a:lnTo>
-                <a:lnTo>
-                  <a:pt x="464694" y="78790"/>
-                </a:lnTo>
-                <a:lnTo>
-                  <a:pt x="487422" y="116669"/>
-                </a:lnTo>
-                <a:lnTo>
-                  <a:pt x="494998" y="169701"/>
-                </a:lnTo>
-                <a:lnTo>
-                  <a:pt x="494998" y="5925506"/>
-                </a:lnTo>
-                <a:lnTo>
-                  <a:pt x="487422" y="5978538"/>
-                </a:lnTo>
-                <a:lnTo>
-                  <a:pt x="464694" y="6016418"/>
-                </a:lnTo>
-                <a:lnTo>
-                  <a:pt x="426814" y="6039146"/>
-                </a:lnTo>
-                <a:lnTo>
-                  <a:pt x="373782" y="6046722"/>
-                </a:lnTo>
-                <a:lnTo>
-                  <a:pt x="252567" y="6046722"/>
-                </a:lnTo>
-                <a:lnTo>
-                  <a:pt x="373782" y="6046722"/>
-                </a:lnTo>
-                <a:lnTo>
-                  <a:pt x="426814" y="6039146"/>
-                </a:lnTo>
-                <a:lnTo>
-                  <a:pt x="464694" y="6016418"/>
-                </a:lnTo>
-                <a:lnTo>
-                  <a:pt x="487422" y="5978538"/>
-                </a:lnTo>
-                <a:lnTo>
-                  <a:pt x="494998" y="5925506"/>
-                </a:lnTo>
-                <a:lnTo>
-                  <a:pt x="494998" y="169701"/>
-                </a:lnTo>
-                <a:lnTo>
-                  <a:pt x="487422" y="116669"/>
-                </a:lnTo>
-                <a:lnTo>
-                  <a:pt x="464694" y="78790"/>
-                </a:lnTo>
-                <a:lnTo>
-                  <a:pt x="426814" y="56062"/>
-                </a:lnTo>
-                <a:lnTo>
-                  <a:pt x="373782" y="48486"/>
-                </a:lnTo>
-                <a:lnTo>
-                  <a:pt x="242431" y="48486"/>
-                </a:lnTo>
-                <a:lnTo>
-                  <a:pt x="0" y="48486"/>
+                  <a:pt x="1610530" y="660727"/>
+                </a:lnTo>
+                <a:lnTo>
+                  <a:pt x="1069814" y="660727"/>
+                </a:lnTo>
+                <a:lnTo>
+                  <a:pt x="1022195" y="655436"/>
+                </a:lnTo>
+                <a:lnTo>
+                  <a:pt x="985158" y="639563"/>
+                </a:lnTo>
+                <a:lnTo>
+                  <a:pt x="958703" y="613108"/>
+                </a:lnTo>
+                <a:lnTo>
+                  <a:pt x="942830" y="576071"/>
+                </a:lnTo>
+                <a:lnTo>
+                  <a:pt x="937539" y="528453"/>
+                </a:lnTo>
+                <a:lnTo>
+                  <a:pt x="937539" y="185184"/>
+                </a:lnTo>
+                <a:lnTo>
+                  <a:pt x="932248" y="137565"/>
+                </a:lnTo>
+                <a:lnTo>
+                  <a:pt x="916375" y="100528"/>
+                </a:lnTo>
+                <a:lnTo>
+                  <a:pt x="889921" y="74073"/>
+                </a:lnTo>
+                <a:lnTo>
+                  <a:pt x="852884" y="58200"/>
+                </a:lnTo>
+                <a:lnTo>
+                  <a:pt x="805265" y="52909"/>
+                </a:lnTo>
+                <a:lnTo>
+                  <a:pt x="264548" y="52909"/>
+                </a:lnTo>
+                <a:lnTo>
+                  <a:pt x="0" y="52909"/>
+                </a:lnTo>
+                <a:lnTo>
+                  <a:pt x="264548" y="52909"/>
+                </a:lnTo>
+                <a:lnTo>
+                  <a:pt x="805265" y="52909"/>
+                </a:lnTo>
+                <a:lnTo>
+                  <a:pt x="852884" y="58200"/>
+                </a:lnTo>
+                <a:lnTo>
+                  <a:pt x="889921" y="74073"/>
+                </a:lnTo>
+                <a:lnTo>
+                  <a:pt x="916375" y="100528"/>
+                </a:lnTo>
+                <a:lnTo>
+                  <a:pt x="932248" y="137565"/>
+                </a:lnTo>
+                <a:lnTo>
+                  <a:pt x="937539" y="185184"/>
+                </a:lnTo>
+                <a:lnTo>
+                  <a:pt x="937539" y="528453"/>
+                </a:lnTo>
+                <a:lnTo>
+                  <a:pt x="942830" y="576071"/>
+                </a:lnTo>
+                <a:lnTo>
+                  <a:pt x="958703" y="613108"/>
+                </a:lnTo>
+                <a:lnTo>
+                  <a:pt x="985158" y="639563"/>
+                </a:lnTo>
+                <a:lnTo>
+                  <a:pt x="1022195" y="655436"/>
+                </a:lnTo>
+                <a:lnTo>
+                  <a:pt x="1069814" y="660727"/>
+                </a:lnTo>
+                <a:lnTo>
+                  <a:pt x="1610530" y="660727"/>
+                </a:lnTo>
+                <a:lnTo>
+                  <a:pt x="1875079" y="660727"/>
                 </a:lnTo>
                 <a:close/>
               </a:path>
-              <a:path w="495300" h="6095365">
+              <a:path w="1875154" h="713739">
                 <a:moveTo>
-                  <a:pt x="0" y="0"/>
+                  <a:pt x="1875079" y="607817"/>
                 </a:moveTo>
                 <a:lnTo>
-                  <a:pt x="121215" y="48486"/>
-                </a:lnTo>
-                <a:lnTo>
-                  <a:pt x="0" y="96972"/>
+                  <a:pt x="1742805" y="660727"/>
+                </a:lnTo>
+                <a:lnTo>
+                  <a:pt x="1875079" y="713637"/>
                 </a:lnTo>
               </a:path>
-              <a:path w="495300" h="6095365">
+              <a:path w="1875154" h="713739">
                 <a:moveTo>
-                  <a:pt x="373782" y="5998235"/>
+                  <a:pt x="132274" y="0"/>
                 </a:moveTo>
                 <a:lnTo>
-                  <a:pt x="373782" y="6095208"/>
+                  <a:pt x="132274" y="105819"/>
                 </a:lnTo>
               </a:path>
             </a:pathLst>
           </a:custGeom>
-          <a:ln w="24243">
+          <a:ln w="26454">
             <a:solidFill>
               <a:srgbClr val="609BCC"/>
             </a:solidFill>
@@ -1806,21 +1691,21 @@
       </p:sp>
       <p:sp>
         <p:nvSpPr>
-          <p:cNvPr id="5" name="object 5"/>
+          <p:cNvPr id="3" name="object 3"/>
           <p:cNvSpPr txBox="1"/>
           <p:nvPr/>
         </p:nvSpPr>
         <p:spPr>
           <a:xfrm>
-            <a:off x="10277313" y="6314845"/>
-            <a:ext cx="119380" cy="229235"/>
+            <a:off x="10187781" y="1560558"/>
+            <a:ext cx="127635" cy="247650"/>
           </a:xfrm>
           <a:prstGeom prst="rect">
             <a:avLst/>
           </a:prstGeom>
         </p:spPr>
         <p:txBody>
-          <a:bodyPr vert="horz" wrap="square" lIns="0" tIns="17145" rIns="0" bIns="0" rtlCol="0">
+          <a:bodyPr vert="horz" wrap="square" lIns="0" tIns="13335" rIns="0" bIns="0" rtlCol="0">
             <a:spAutoFit/>
           </a:bodyPr>
           <a:lstStyle/>
@@ -1830,17 +1715,17 @@
                 <a:spcPct val="100000"/>
               </a:lnSpc>
               <a:spcBef>
-                <a:spcPts val="135"/>
+                <a:spcPts val="105"/>
               </a:spcBef>
             </a:pPr>
             <a:r>
-              <a:rPr sz="1300" spc="55" dirty="0">
+              <a:rPr sz="1450" spc="45" dirty="0">
                 <a:latin typeface="Lucida Sans Unicode"/>
                 <a:cs typeface="Lucida Sans Unicode"/>
               </a:rPr>
               <a:t>*</a:t>
             </a:r>
-            <a:endParaRPr sz="1300">
+            <a:endParaRPr sz="1450">
               <a:latin typeface="Lucida Sans Unicode"/>
               <a:cs typeface="Lucida Sans Unicode"/>
             </a:endParaRPr>
@@ -1849,152 +1734,21 @@
       </p:sp>
       <p:sp>
         <p:nvSpPr>
-          <p:cNvPr id="6" name="object 6"/>
-          <p:cNvSpPr/>
+          <p:cNvPr id="4" name="object 4"/>
+          <p:cNvSpPr txBox="1"/>
           <p:nvPr/>
         </p:nvSpPr>
         <p:spPr>
           <a:xfrm>
-            <a:off x="10253648" y="6873014"/>
-            <a:ext cx="495300" cy="5707380"/>
-          </a:xfrm>
-          <a:custGeom>
-            <a:avLst/>
-            <a:gdLst/>
-            <a:ahLst/>
-            <a:cxnLst/>
-            <a:rect l="l" t="t" r="r" b="b"/>
-            <a:pathLst>
-              <a:path w="495300" h="5707380">
-                <a:moveTo>
-                  <a:pt x="0" y="48486"/>
-                </a:moveTo>
-                <a:lnTo>
-                  <a:pt x="242431" y="48486"/>
-                </a:lnTo>
-                <a:lnTo>
-                  <a:pt x="373782" y="48486"/>
-                </a:lnTo>
-                <a:lnTo>
-                  <a:pt x="426814" y="56062"/>
-                </a:lnTo>
-                <a:lnTo>
-                  <a:pt x="464694" y="78790"/>
-                </a:lnTo>
-                <a:lnTo>
-                  <a:pt x="487422" y="116669"/>
-                </a:lnTo>
-                <a:lnTo>
-                  <a:pt x="494998" y="169701"/>
-                </a:lnTo>
-                <a:lnTo>
-                  <a:pt x="494998" y="5537616"/>
-                </a:lnTo>
-                <a:lnTo>
-                  <a:pt x="487422" y="5590648"/>
-                </a:lnTo>
-                <a:lnTo>
-                  <a:pt x="464694" y="5628528"/>
-                </a:lnTo>
-                <a:lnTo>
-                  <a:pt x="426814" y="5651256"/>
-                </a:lnTo>
-                <a:lnTo>
-                  <a:pt x="373782" y="5658832"/>
-                </a:lnTo>
-                <a:lnTo>
-                  <a:pt x="252567" y="5658832"/>
-                </a:lnTo>
-                <a:lnTo>
-                  <a:pt x="373782" y="5658832"/>
-                </a:lnTo>
-                <a:lnTo>
-                  <a:pt x="426814" y="5651256"/>
-                </a:lnTo>
-                <a:lnTo>
-                  <a:pt x="464694" y="5628528"/>
-                </a:lnTo>
-                <a:lnTo>
-                  <a:pt x="487422" y="5590648"/>
-                </a:lnTo>
-                <a:lnTo>
-                  <a:pt x="494998" y="5537616"/>
-                </a:lnTo>
-                <a:lnTo>
-                  <a:pt x="494998" y="169701"/>
-                </a:lnTo>
-                <a:lnTo>
-                  <a:pt x="487422" y="116669"/>
-                </a:lnTo>
-                <a:lnTo>
-                  <a:pt x="464694" y="78790"/>
-                </a:lnTo>
-                <a:lnTo>
-                  <a:pt x="426814" y="56062"/>
-                </a:lnTo>
-                <a:lnTo>
-                  <a:pt x="373782" y="48486"/>
-                </a:lnTo>
-                <a:lnTo>
-                  <a:pt x="242431" y="48486"/>
-                </a:lnTo>
-                <a:lnTo>
-                  <a:pt x="0" y="48486"/>
-                </a:lnTo>
-                <a:close/>
-              </a:path>
-              <a:path w="495300" h="5707380">
-                <a:moveTo>
-                  <a:pt x="0" y="0"/>
-                </a:moveTo>
-                <a:lnTo>
-                  <a:pt x="121215" y="48486"/>
-                </a:lnTo>
-                <a:lnTo>
-                  <a:pt x="0" y="96972"/>
-                </a:lnTo>
-              </a:path>
-              <a:path w="495300" h="5707380">
-                <a:moveTo>
-                  <a:pt x="373782" y="5610346"/>
-                </a:moveTo>
-                <a:lnTo>
-                  <a:pt x="373782" y="5707318"/>
-                </a:lnTo>
-              </a:path>
-            </a:pathLst>
-          </a:custGeom>
-          <a:ln w="24243">
-            <a:solidFill>
-              <a:srgbClr val="609BCC"/>
-            </a:solidFill>
-          </a:ln>
-        </p:spPr>
-        <p:txBody>
-          <a:bodyPr wrap="square" lIns="0" tIns="0" rIns="0" bIns="0" rtlCol="0"/>
-          <a:lstStyle/>
-          <a:p>
-            <a:endParaRPr/>
-          </a:p>
-        </p:txBody>
-      </p:sp>
-      <p:sp>
-        <p:nvSpPr>
-          <p:cNvPr id="7" name="object 7"/>
-          <p:cNvSpPr txBox="1"/>
-          <p:nvPr/>
-        </p:nvSpPr>
-        <p:spPr>
-          <a:xfrm>
-            <a:off x="10277313" y="6702734"/>
-            <a:ext cx="119380" cy="229235"/>
+            <a:off x="8497950" y="952740"/>
+            <a:ext cx="131445" cy="247650"/>
           </a:xfrm>
           <a:prstGeom prst="rect">
             <a:avLst/>
           </a:prstGeom>
         </p:spPr>
         <p:txBody>
-          <a:bodyPr vert="horz" wrap="square" lIns="0" tIns="17145" rIns="0" bIns="0" rtlCol="0">
+          <a:bodyPr vert="horz" wrap="square" lIns="0" tIns="13335" rIns="0" bIns="0" rtlCol="0">
             <a:spAutoFit/>
           </a:bodyPr>
           <a:lstStyle/>
@@ -2004,264 +1758,47 @@
                 <a:spcPct val="100000"/>
               </a:lnSpc>
               <a:spcBef>
-                <a:spcPts val="135"/>
+                <a:spcPts val="105"/>
               </a:spcBef>
             </a:pPr>
             <a:r>
-              <a:rPr sz="1300" spc="55" dirty="0">
+              <a:rPr sz="1450" spc="-50" dirty="0">
                 <a:latin typeface="Lucida Sans Unicode"/>
                 <a:cs typeface="Lucida Sans Unicode"/>
               </a:rPr>
-              <a:t>*</a:t>
-            </a:r>
-            <a:endParaRPr sz="1300">
+              <a:t>1</a:t>
+            </a:r>
+            <a:endParaRPr sz="1450">
               <a:latin typeface="Lucida Sans Unicode"/>
               <a:cs typeface="Lucida Sans Unicode"/>
             </a:endParaRPr>
           </a:p>
         </p:txBody>
       </p:sp>
-      <p:sp>
-        <p:nvSpPr>
-          <p:cNvPr id="8" name="object 8"/>
-          <p:cNvSpPr/>
-          <p:nvPr/>
-        </p:nvSpPr>
-        <p:spPr>
-          <a:xfrm>
-            <a:off x="10253648" y="7260904"/>
-            <a:ext cx="495300" cy="5320030"/>
-          </a:xfrm>
-          <a:custGeom>
-            <a:avLst/>
-            <a:gdLst/>
-            <a:ahLst/>
-            <a:cxnLst/>
-            <a:rect l="l" t="t" r="r" b="b"/>
-            <a:pathLst>
-              <a:path w="495300" h="5320030">
-                <a:moveTo>
-                  <a:pt x="0" y="48486"/>
-                </a:moveTo>
-                <a:lnTo>
-                  <a:pt x="242431" y="48486"/>
-                </a:lnTo>
-                <a:lnTo>
-                  <a:pt x="373782" y="48486"/>
-                </a:lnTo>
-                <a:lnTo>
-                  <a:pt x="426814" y="56062"/>
-                </a:lnTo>
-                <a:lnTo>
-                  <a:pt x="464694" y="78790"/>
-                </a:lnTo>
-                <a:lnTo>
-                  <a:pt x="487422" y="116669"/>
-                </a:lnTo>
-                <a:lnTo>
-                  <a:pt x="494998" y="169701"/>
-                </a:lnTo>
-                <a:lnTo>
-                  <a:pt x="494998" y="5149727"/>
-                </a:lnTo>
-                <a:lnTo>
-                  <a:pt x="487422" y="5202758"/>
-                </a:lnTo>
-                <a:lnTo>
-                  <a:pt x="464694" y="5240638"/>
-                </a:lnTo>
-                <a:lnTo>
-                  <a:pt x="426814" y="5263366"/>
-                </a:lnTo>
-                <a:lnTo>
-                  <a:pt x="373782" y="5270942"/>
-                </a:lnTo>
-                <a:lnTo>
-                  <a:pt x="252567" y="5270942"/>
-                </a:lnTo>
-                <a:lnTo>
-                  <a:pt x="373782" y="5270942"/>
-                </a:lnTo>
-                <a:lnTo>
-                  <a:pt x="426814" y="5263366"/>
-                </a:lnTo>
-                <a:lnTo>
-                  <a:pt x="464694" y="5240638"/>
-                </a:lnTo>
-                <a:lnTo>
-                  <a:pt x="487422" y="5202758"/>
-                </a:lnTo>
-                <a:lnTo>
-                  <a:pt x="494998" y="5149727"/>
-                </a:lnTo>
-                <a:lnTo>
-                  <a:pt x="494998" y="169701"/>
-                </a:lnTo>
-                <a:lnTo>
-                  <a:pt x="487422" y="116669"/>
-                </a:lnTo>
-                <a:lnTo>
-                  <a:pt x="464694" y="78790"/>
-                </a:lnTo>
-                <a:lnTo>
-                  <a:pt x="426814" y="56062"/>
-                </a:lnTo>
-                <a:lnTo>
-                  <a:pt x="373782" y="48486"/>
-                </a:lnTo>
-                <a:lnTo>
-                  <a:pt x="242431" y="48486"/>
-                </a:lnTo>
-                <a:lnTo>
-                  <a:pt x="0" y="48486"/>
-                </a:lnTo>
-                <a:close/>
-              </a:path>
-              <a:path w="495300" h="5320030">
-                <a:moveTo>
-                  <a:pt x="0" y="0"/>
-                </a:moveTo>
-                <a:lnTo>
-                  <a:pt x="121215" y="48486"/>
-                </a:lnTo>
-                <a:lnTo>
-                  <a:pt x="0" y="96972"/>
-                </a:lnTo>
-              </a:path>
-              <a:path w="495300" h="5320030">
-                <a:moveTo>
-                  <a:pt x="373782" y="5222456"/>
-                </a:moveTo>
-                <a:lnTo>
-                  <a:pt x="373782" y="5319428"/>
-                </a:lnTo>
-              </a:path>
-            </a:pathLst>
-          </a:custGeom>
-          <a:ln w="24243">
-            <a:solidFill>
-              <a:srgbClr val="609BCC"/>
-            </a:solidFill>
-          </a:ln>
-        </p:spPr>
-        <p:txBody>
-          <a:bodyPr wrap="square" lIns="0" tIns="0" rIns="0" bIns="0" rtlCol="0"/>
-          <a:lstStyle/>
-          <a:p>
-            <a:endParaRPr/>
-          </a:p>
-        </p:txBody>
-      </p:sp>
-      <p:sp>
-        <p:nvSpPr>
-          <p:cNvPr id="9" name="object 9"/>
-          <p:cNvSpPr txBox="1"/>
-          <p:nvPr/>
-        </p:nvSpPr>
-        <p:spPr>
-          <a:xfrm>
-            <a:off x="10277313" y="7090623"/>
-            <a:ext cx="119380" cy="229235"/>
-          </a:xfrm>
-          <a:prstGeom prst="rect">
-            <a:avLst/>
-          </a:prstGeom>
-        </p:spPr>
-        <p:txBody>
-          <a:bodyPr vert="horz" wrap="square" lIns="0" tIns="17145" rIns="0" bIns="0" rtlCol="0">
-            <a:spAutoFit/>
-          </a:bodyPr>
-          <a:lstStyle/>
-          <a:p>
-            <a:pPr marL="12700">
-              <a:lnSpc>
-                <a:spcPct val="100000"/>
-              </a:lnSpc>
-              <a:spcBef>
-                <a:spcPts val="135"/>
-              </a:spcBef>
-            </a:pPr>
-            <a:r>
-              <a:rPr sz="1300" spc="55" dirty="0">
-                <a:latin typeface="Lucida Sans Unicode"/>
-                <a:cs typeface="Lucida Sans Unicode"/>
-              </a:rPr>
-              <a:t>*</a:t>
-            </a:r>
-            <a:endParaRPr sz="1300">
-              <a:latin typeface="Lucida Sans Unicode"/>
-              <a:cs typeface="Lucida Sans Unicode"/>
-            </a:endParaRPr>
-          </a:p>
-        </p:txBody>
-      </p:sp>
-      <p:sp>
-        <p:nvSpPr>
-          <p:cNvPr id="10" name="object 10"/>
-          <p:cNvSpPr txBox="1"/>
-          <p:nvPr/>
-        </p:nvSpPr>
-        <p:spPr>
-          <a:xfrm>
-            <a:off x="10529881" y="12313080"/>
-            <a:ext cx="122555" cy="229235"/>
-          </a:xfrm>
-          <a:prstGeom prst="rect">
-            <a:avLst/>
-          </a:prstGeom>
-        </p:spPr>
-        <p:txBody>
-          <a:bodyPr vert="horz" wrap="square" lIns="0" tIns="17145" rIns="0" bIns="0" rtlCol="0">
-            <a:spAutoFit/>
-          </a:bodyPr>
-          <a:lstStyle/>
-          <a:p>
-            <a:pPr marL="12700">
-              <a:lnSpc>
-                <a:spcPct val="100000"/>
-              </a:lnSpc>
-              <a:spcBef>
-                <a:spcPts val="135"/>
-              </a:spcBef>
-            </a:pPr>
-            <a:r>
-              <a:rPr sz="1300" spc="-50" dirty="0">
-                <a:latin typeface="Lucida Sans Unicode"/>
-                <a:cs typeface="Lucida Sans Unicode"/>
-              </a:rPr>
-              <a:t>1</a:t>
-            </a:r>
-            <a:endParaRPr sz="1300">
-              <a:latin typeface="Lucida Sans Unicode"/>
-              <a:cs typeface="Lucida Sans Unicode"/>
-            </a:endParaRPr>
-          </a:p>
-        </p:txBody>
-      </p:sp>
       <p:grpSp>
         <p:nvGrpSpPr>
-          <p:cNvPr id="11" name="object 11"/>
+          <p:cNvPr id="5" name="object 5"/>
           <p:cNvGrpSpPr/>
           <p:nvPr/>
         </p:nvGrpSpPr>
         <p:grpSpPr>
           <a:xfrm>
-            <a:off x="10129625" y="8800080"/>
-            <a:ext cx="379095" cy="1621155"/>
-            <a:chOff x="10129625" y="8800080"/>
-            <a:chExt cx="379095" cy="1621155"/>
+            <a:off x="14755955" y="2578436"/>
+            <a:ext cx="597535" cy="5983605"/>
+            <a:chOff x="14755955" y="2578436"/>
+            <a:chExt cx="597535" cy="5983605"/>
           </a:xfrm>
         </p:grpSpPr>
         <p:sp>
           <p:nvSpPr>
-            <p:cNvPr id="12" name="object 12"/>
+            <p:cNvPr id="6" name="object 6"/>
             <p:cNvSpPr/>
             <p:nvPr/>
           </p:nvSpPr>
           <p:spPr>
             <a:xfrm>
-              <a:off x="10142007" y="8812463"/>
-              <a:ext cx="354330" cy="1596390"/>
+              <a:off x="14769290" y="2591771"/>
+              <a:ext cx="570865" cy="5956935"/>
             </a:xfrm>
             <a:custGeom>
               <a:avLst/>
@@ -2270,106 +1807,112 @@
               <a:cxnLst/>
               <a:rect l="l" t="t" r="r" b="b"/>
               <a:pathLst>
-                <a:path w="354329" h="1596390">
+                <a:path w="570865" h="5956934">
                   <a:moveTo>
-                    <a:pt x="111641" y="48486"/>
+                    <a:pt x="0" y="52909"/>
                   </a:moveTo>
                   <a:lnTo>
-                    <a:pt x="232856" y="48486"/>
-                  </a:lnTo>
-                  <a:lnTo>
-                    <a:pt x="285888" y="56062"/>
-                  </a:lnTo>
-                  <a:lnTo>
-                    <a:pt x="323768" y="78790"/>
-                  </a:lnTo>
-                  <a:lnTo>
-                    <a:pt x="346496" y="116669"/>
-                  </a:lnTo>
-                  <a:lnTo>
-                    <a:pt x="354072" y="169701"/>
-                  </a:lnTo>
-                  <a:lnTo>
-                    <a:pt x="354072" y="1491695"/>
-                  </a:lnTo>
-                  <a:lnTo>
-                    <a:pt x="350583" y="1516117"/>
-                  </a:lnTo>
-                  <a:lnTo>
-                    <a:pt x="340117" y="1533561"/>
-                  </a:lnTo>
-                  <a:lnTo>
-                    <a:pt x="322673" y="1544027"/>
-                  </a:lnTo>
-                  <a:lnTo>
-                    <a:pt x="298251" y="1547516"/>
-                  </a:lnTo>
-                  <a:lnTo>
-                    <a:pt x="242431" y="1547516"/>
-                  </a:lnTo>
-                  <a:lnTo>
-                    <a:pt x="0" y="1547516"/>
-                  </a:lnTo>
-                  <a:lnTo>
-                    <a:pt x="242431" y="1547516"/>
-                  </a:lnTo>
-                  <a:lnTo>
-                    <a:pt x="298251" y="1547516"/>
-                  </a:lnTo>
-                  <a:lnTo>
-                    <a:pt x="322673" y="1544027"/>
-                  </a:lnTo>
-                  <a:lnTo>
-                    <a:pt x="340117" y="1533561"/>
-                  </a:lnTo>
-                  <a:lnTo>
-                    <a:pt x="350583" y="1516117"/>
-                  </a:lnTo>
-                  <a:lnTo>
-                    <a:pt x="354072" y="1491695"/>
-                  </a:lnTo>
-                  <a:lnTo>
-                    <a:pt x="354072" y="169701"/>
-                  </a:lnTo>
-                  <a:lnTo>
-                    <a:pt x="346496" y="116669"/>
-                  </a:lnTo>
-                  <a:lnTo>
-                    <a:pt x="323768" y="78790"/>
-                  </a:lnTo>
-                  <a:lnTo>
-                    <a:pt x="285888" y="56062"/>
-                  </a:lnTo>
-                  <a:lnTo>
-                    <a:pt x="232856" y="48486"/>
-                  </a:lnTo>
-                  <a:lnTo>
-                    <a:pt x="111641" y="48486"/>
+                    <a:pt x="264548" y="52909"/>
+                  </a:lnTo>
+                  <a:lnTo>
+                    <a:pt x="438468" y="52909"/>
+                  </a:lnTo>
+                  <a:lnTo>
+                    <a:pt x="486087" y="58200"/>
+                  </a:lnTo>
+                  <a:lnTo>
+                    <a:pt x="523123" y="74073"/>
+                  </a:lnTo>
+                  <a:lnTo>
+                    <a:pt x="549578" y="100528"/>
+                  </a:lnTo>
+                  <a:lnTo>
+                    <a:pt x="565451" y="137565"/>
+                  </a:lnTo>
+                  <a:lnTo>
+                    <a:pt x="570742" y="185184"/>
+                  </a:lnTo>
+                  <a:lnTo>
+                    <a:pt x="570742" y="5771391"/>
+                  </a:lnTo>
+                  <a:lnTo>
+                    <a:pt x="565451" y="5819010"/>
+                  </a:lnTo>
+                  <a:lnTo>
+                    <a:pt x="549578" y="5856046"/>
+                  </a:lnTo>
+                  <a:lnTo>
+                    <a:pt x="486087" y="5898374"/>
+                  </a:lnTo>
+                  <a:lnTo>
+                    <a:pt x="438468" y="5903665"/>
+                  </a:lnTo>
+                  <a:lnTo>
+                    <a:pt x="306193" y="5903665"/>
+                  </a:lnTo>
+                  <a:lnTo>
+                    <a:pt x="438468" y="5903665"/>
+                  </a:lnTo>
+                  <a:lnTo>
+                    <a:pt x="486087" y="5898374"/>
+                  </a:lnTo>
+                  <a:lnTo>
+                    <a:pt x="523123" y="5882501"/>
+                  </a:lnTo>
+                  <a:lnTo>
+                    <a:pt x="549578" y="5856046"/>
+                  </a:lnTo>
+                  <a:lnTo>
+                    <a:pt x="565451" y="5819010"/>
+                  </a:lnTo>
+                  <a:lnTo>
+                    <a:pt x="570742" y="5771391"/>
+                  </a:lnTo>
+                  <a:lnTo>
+                    <a:pt x="570742" y="185184"/>
+                  </a:lnTo>
+                  <a:lnTo>
+                    <a:pt x="565451" y="137565"/>
+                  </a:lnTo>
+                  <a:lnTo>
+                    <a:pt x="549578" y="100528"/>
+                  </a:lnTo>
+                  <a:lnTo>
+                    <a:pt x="486087" y="58200"/>
+                  </a:lnTo>
+                  <a:lnTo>
+                    <a:pt x="438468" y="52909"/>
+                  </a:lnTo>
+                  <a:lnTo>
+                    <a:pt x="264548" y="52909"/>
+                  </a:lnTo>
+                  <a:lnTo>
+                    <a:pt x="0" y="52909"/>
                   </a:lnTo>
                   <a:close/>
                 </a:path>
-                <a:path w="354329" h="1596390">
+                <a:path w="570865" h="5956934">
                   <a:moveTo>
-                    <a:pt x="111641" y="0"/>
+                    <a:pt x="0" y="0"/>
                   </a:moveTo>
                   <a:lnTo>
-                    <a:pt x="232856" y="48486"/>
-                  </a:lnTo>
-                  <a:lnTo>
-                    <a:pt x="111641" y="96972"/>
+                    <a:pt x="132274" y="52909"/>
+                  </a:lnTo>
+                  <a:lnTo>
+                    <a:pt x="0" y="105819"/>
                   </a:lnTo>
                 </a:path>
-                <a:path w="354329" h="1596390">
+                <a:path w="570865" h="5956934">
                   <a:moveTo>
-                    <a:pt x="121215" y="1499030"/>
+                    <a:pt x="438468" y="5850755"/>
                   </a:moveTo>
                   <a:lnTo>
-                    <a:pt x="121215" y="1596002"/>
+                    <a:pt x="438468" y="5956575"/>
                   </a:lnTo>
                 </a:path>
               </a:pathLst>
             </a:custGeom>
-            <a:ln w="24243">
+            <a:ln w="26454">
               <a:solidFill>
                 <a:srgbClr val="609BCC"/>
               </a:solidFill>
@@ -2385,14 +1928,14 @@
         </p:sp>
         <p:sp>
           <p:nvSpPr>
-            <p:cNvPr id="13" name="object 13"/>
+            <p:cNvPr id="7" name="object 7"/>
             <p:cNvSpPr/>
             <p:nvPr/>
           </p:nvSpPr>
           <p:spPr>
             <a:xfrm>
-              <a:off x="10142007" y="9200352"/>
-              <a:ext cx="354330" cy="1208405"/>
+              <a:off x="14769290" y="3015049"/>
+              <a:ext cx="570865" cy="5533390"/>
             </a:xfrm>
             <a:custGeom>
               <a:avLst/>
@@ -2401,106 +1944,249 @@
               <a:cxnLst/>
               <a:rect l="l" t="t" r="r" b="b"/>
               <a:pathLst>
-                <a:path w="354329" h="1208404">
+                <a:path w="570865" h="5533390">
                   <a:moveTo>
-                    <a:pt x="111641" y="48486"/>
+                    <a:pt x="0" y="52909"/>
                   </a:moveTo>
                   <a:lnTo>
-                    <a:pt x="232856" y="48486"/>
-                  </a:lnTo>
-                  <a:lnTo>
-                    <a:pt x="285888" y="56062"/>
-                  </a:lnTo>
-                  <a:lnTo>
-                    <a:pt x="323768" y="78790"/>
-                  </a:lnTo>
-                  <a:lnTo>
-                    <a:pt x="346496" y="116669"/>
-                  </a:lnTo>
-                  <a:lnTo>
-                    <a:pt x="354072" y="169701"/>
-                  </a:lnTo>
-                  <a:lnTo>
-                    <a:pt x="354072" y="1103805"/>
-                  </a:lnTo>
-                  <a:lnTo>
-                    <a:pt x="350583" y="1128227"/>
-                  </a:lnTo>
-                  <a:lnTo>
-                    <a:pt x="340117" y="1145671"/>
-                  </a:lnTo>
-                  <a:lnTo>
-                    <a:pt x="322673" y="1156137"/>
-                  </a:lnTo>
-                  <a:lnTo>
-                    <a:pt x="298251" y="1159626"/>
-                  </a:lnTo>
-                  <a:lnTo>
-                    <a:pt x="242431" y="1159626"/>
-                  </a:lnTo>
-                  <a:lnTo>
-                    <a:pt x="0" y="1159626"/>
-                  </a:lnTo>
-                  <a:lnTo>
-                    <a:pt x="242431" y="1159626"/>
-                  </a:lnTo>
-                  <a:lnTo>
-                    <a:pt x="298251" y="1159626"/>
-                  </a:lnTo>
-                  <a:lnTo>
-                    <a:pt x="322673" y="1156137"/>
-                  </a:lnTo>
-                  <a:lnTo>
-                    <a:pt x="340117" y="1145671"/>
-                  </a:lnTo>
-                  <a:lnTo>
-                    <a:pt x="350583" y="1128227"/>
-                  </a:lnTo>
-                  <a:lnTo>
-                    <a:pt x="354072" y="1103805"/>
-                  </a:lnTo>
-                  <a:lnTo>
-                    <a:pt x="354072" y="169701"/>
-                  </a:lnTo>
-                  <a:lnTo>
-                    <a:pt x="346496" y="116669"/>
-                  </a:lnTo>
-                  <a:lnTo>
-                    <a:pt x="323768" y="78790"/>
-                  </a:lnTo>
-                  <a:lnTo>
-                    <a:pt x="285888" y="56062"/>
-                  </a:lnTo>
-                  <a:lnTo>
-                    <a:pt x="232856" y="48486"/>
-                  </a:lnTo>
-                  <a:lnTo>
-                    <a:pt x="111641" y="48486"/>
+                    <a:pt x="264548" y="52909"/>
+                  </a:lnTo>
+                  <a:lnTo>
+                    <a:pt x="438468" y="52909"/>
+                  </a:lnTo>
+                  <a:lnTo>
+                    <a:pt x="486087" y="58200"/>
+                  </a:lnTo>
+                  <a:lnTo>
+                    <a:pt x="523123" y="74073"/>
+                  </a:lnTo>
+                  <a:lnTo>
+                    <a:pt x="549578" y="100528"/>
+                  </a:lnTo>
+                  <a:lnTo>
+                    <a:pt x="565451" y="137565"/>
+                  </a:lnTo>
+                  <a:lnTo>
+                    <a:pt x="570742" y="185184"/>
+                  </a:lnTo>
+                  <a:lnTo>
+                    <a:pt x="570742" y="5348113"/>
+                  </a:lnTo>
+                  <a:lnTo>
+                    <a:pt x="565451" y="5395732"/>
+                  </a:lnTo>
+                  <a:lnTo>
+                    <a:pt x="549578" y="5432768"/>
+                  </a:lnTo>
+                  <a:lnTo>
+                    <a:pt x="486087" y="5475096"/>
+                  </a:lnTo>
+                  <a:lnTo>
+                    <a:pt x="438468" y="5480387"/>
+                  </a:lnTo>
+                  <a:lnTo>
+                    <a:pt x="306193" y="5480387"/>
+                  </a:lnTo>
+                  <a:lnTo>
+                    <a:pt x="438468" y="5480387"/>
+                  </a:lnTo>
+                  <a:lnTo>
+                    <a:pt x="486087" y="5475096"/>
+                  </a:lnTo>
+                  <a:lnTo>
+                    <a:pt x="523123" y="5459223"/>
+                  </a:lnTo>
+                  <a:lnTo>
+                    <a:pt x="549578" y="5432768"/>
+                  </a:lnTo>
+                  <a:lnTo>
+                    <a:pt x="565451" y="5395732"/>
+                  </a:lnTo>
+                  <a:lnTo>
+                    <a:pt x="570742" y="5348113"/>
+                  </a:lnTo>
+                  <a:lnTo>
+                    <a:pt x="570742" y="185184"/>
+                  </a:lnTo>
+                  <a:lnTo>
+                    <a:pt x="565451" y="137565"/>
+                  </a:lnTo>
+                  <a:lnTo>
+                    <a:pt x="549578" y="100528"/>
+                  </a:lnTo>
+                  <a:lnTo>
+                    <a:pt x="486087" y="58200"/>
+                  </a:lnTo>
+                  <a:lnTo>
+                    <a:pt x="438468" y="52909"/>
+                  </a:lnTo>
+                  <a:lnTo>
+                    <a:pt x="264548" y="52909"/>
+                  </a:lnTo>
+                  <a:lnTo>
+                    <a:pt x="0" y="52909"/>
                   </a:lnTo>
                   <a:close/>
                 </a:path>
-                <a:path w="354329" h="1208404">
+                <a:path w="570865" h="5533390">
                   <a:moveTo>
-                    <a:pt x="111641" y="0"/>
+                    <a:pt x="0" y="0"/>
                   </a:moveTo>
                   <a:lnTo>
-                    <a:pt x="232856" y="48486"/>
-                  </a:lnTo>
-                  <a:lnTo>
-                    <a:pt x="111641" y="96972"/>
+                    <a:pt x="132274" y="52909"/>
+                  </a:lnTo>
+                  <a:lnTo>
+                    <a:pt x="0" y="105819"/>
                   </a:lnTo>
                 </a:path>
-                <a:path w="354329" h="1208404">
+                <a:path w="570865" h="5533390">
                   <a:moveTo>
-                    <a:pt x="121215" y="1111140"/>
+                    <a:pt x="438468" y="5427477"/>
                   </a:moveTo>
                   <a:lnTo>
-                    <a:pt x="121215" y="1208112"/>
+                    <a:pt x="438468" y="5533297"/>
                   </a:lnTo>
                 </a:path>
               </a:pathLst>
             </a:custGeom>
-            <a:ln w="24243">
+            <a:ln w="26454">
+              <a:solidFill>
+                <a:srgbClr val="609BCC"/>
+              </a:solidFill>
+            </a:ln>
+          </p:spPr>
+          <p:txBody>
+            <a:bodyPr wrap="square" lIns="0" tIns="0" rIns="0" bIns="0" rtlCol="0"/>
+            <a:lstStyle/>
+            <a:p>
+              <a:endParaRPr/>
+            </a:p>
+          </p:txBody>
+        </p:sp>
+        <p:sp>
+          <p:nvSpPr>
+            <p:cNvPr id="8" name="object 8"/>
+            <p:cNvSpPr/>
+            <p:nvPr/>
+          </p:nvSpPr>
+          <p:spPr>
+            <a:xfrm>
+              <a:off x="14769290" y="3438328"/>
+              <a:ext cx="570865" cy="5110480"/>
+            </a:xfrm>
+            <a:custGeom>
+              <a:avLst/>
+              <a:gdLst/>
+              <a:ahLst/>
+              <a:cxnLst/>
+              <a:rect l="l" t="t" r="r" b="b"/>
+              <a:pathLst>
+                <a:path w="570865" h="5110480">
+                  <a:moveTo>
+                    <a:pt x="0" y="52909"/>
+                  </a:moveTo>
+                  <a:lnTo>
+                    <a:pt x="264548" y="52909"/>
+                  </a:lnTo>
+                  <a:lnTo>
+                    <a:pt x="438468" y="52909"/>
+                  </a:lnTo>
+                  <a:lnTo>
+                    <a:pt x="486087" y="58200"/>
+                  </a:lnTo>
+                  <a:lnTo>
+                    <a:pt x="523123" y="74073"/>
+                  </a:lnTo>
+                  <a:lnTo>
+                    <a:pt x="549578" y="100528"/>
+                  </a:lnTo>
+                  <a:lnTo>
+                    <a:pt x="565451" y="137565"/>
+                  </a:lnTo>
+                  <a:lnTo>
+                    <a:pt x="570742" y="185184"/>
+                  </a:lnTo>
+                  <a:lnTo>
+                    <a:pt x="570742" y="4924835"/>
+                  </a:lnTo>
+                  <a:lnTo>
+                    <a:pt x="565451" y="4972453"/>
+                  </a:lnTo>
+                  <a:lnTo>
+                    <a:pt x="549578" y="5009490"/>
+                  </a:lnTo>
+                  <a:lnTo>
+                    <a:pt x="486087" y="5051818"/>
+                  </a:lnTo>
+                  <a:lnTo>
+                    <a:pt x="438468" y="5057109"/>
+                  </a:lnTo>
+                  <a:lnTo>
+                    <a:pt x="306193" y="5057109"/>
+                  </a:lnTo>
+                  <a:lnTo>
+                    <a:pt x="438468" y="5057109"/>
+                  </a:lnTo>
+                  <a:lnTo>
+                    <a:pt x="486087" y="5051818"/>
+                  </a:lnTo>
+                  <a:lnTo>
+                    <a:pt x="523123" y="5035945"/>
+                  </a:lnTo>
+                  <a:lnTo>
+                    <a:pt x="549578" y="5009490"/>
+                  </a:lnTo>
+                  <a:lnTo>
+                    <a:pt x="565451" y="4972453"/>
+                  </a:lnTo>
+                  <a:lnTo>
+                    <a:pt x="570742" y="4924835"/>
+                  </a:lnTo>
+                  <a:lnTo>
+                    <a:pt x="570742" y="185184"/>
+                  </a:lnTo>
+                  <a:lnTo>
+                    <a:pt x="565451" y="137565"/>
+                  </a:lnTo>
+                  <a:lnTo>
+                    <a:pt x="549578" y="100528"/>
+                  </a:lnTo>
+                  <a:lnTo>
+                    <a:pt x="486087" y="58200"/>
+                  </a:lnTo>
+                  <a:lnTo>
+                    <a:pt x="438468" y="52909"/>
+                  </a:lnTo>
+                  <a:lnTo>
+                    <a:pt x="264548" y="52909"/>
+                  </a:lnTo>
+                  <a:lnTo>
+                    <a:pt x="0" y="52909"/>
+                  </a:lnTo>
+                  <a:close/>
+                </a:path>
+                <a:path w="570865" h="5110480">
+                  <a:moveTo>
+                    <a:pt x="0" y="0"/>
+                  </a:moveTo>
+                  <a:lnTo>
+                    <a:pt x="132274" y="52909"/>
+                  </a:lnTo>
+                  <a:lnTo>
+                    <a:pt x="0" y="105819"/>
+                  </a:lnTo>
+                </a:path>
+                <a:path w="570865" h="5110480">
+                  <a:moveTo>
+                    <a:pt x="438468" y="5004199"/>
+                  </a:moveTo>
+                  <a:lnTo>
+                    <a:pt x="438468" y="5110019"/>
+                  </a:lnTo>
+                </a:path>
+              </a:pathLst>
+            </a:custGeom>
+            <a:ln w="26454">
               <a:solidFill>
                 <a:srgbClr val="609BCC"/>
               </a:solidFill>
@@ -2517,21 +2203,21 @@
       </p:grpSp>
       <p:sp>
         <p:nvSpPr>
-          <p:cNvPr id="14" name="object 14"/>
+          <p:cNvPr id="9" name="object 9"/>
           <p:cNvSpPr txBox="1"/>
           <p:nvPr/>
         </p:nvSpPr>
         <p:spPr>
           <a:xfrm>
-            <a:off x="10277313" y="8642182"/>
-            <a:ext cx="119380" cy="617220"/>
+            <a:off x="14796272" y="2407114"/>
+            <a:ext cx="127635" cy="1094740"/>
           </a:xfrm>
           <a:prstGeom prst="rect">
             <a:avLst/>
           </a:prstGeom>
         </p:spPr>
         <p:txBody>
-          <a:bodyPr vert="horz" wrap="square" lIns="0" tIns="17145" rIns="0" bIns="0" rtlCol="0">
+          <a:bodyPr vert="horz" wrap="square" lIns="0" tIns="13335" rIns="0" bIns="0" rtlCol="0">
             <a:spAutoFit/>
           </a:bodyPr>
           <a:lstStyle/>
@@ -2541,17 +2227,17 @@
                 <a:spcPct val="100000"/>
               </a:lnSpc>
               <a:spcBef>
-                <a:spcPts val="135"/>
+                <a:spcPts val="105"/>
               </a:spcBef>
             </a:pPr>
             <a:r>
-              <a:rPr sz="1300" spc="55" dirty="0">
+              <a:rPr sz="1450" spc="45" dirty="0">
                 <a:latin typeface="Lucida Sans Unicode"/>
                 <a:cs typeface="Lucida Sans Unicode"/>
               </a:rPr>
               <a:t>*</a:t>
             </a:r>
-            <a:endParaRPr sz="1300">
+            <a:endParaRPr sz="1450">
               <a:latin typeface="Lucida Sans Unicode"/>
               <a:cs typeface="Lucida Sans Unicode"/>
             </a:endParaRPr>
@@ -2562,60 +2248,38 @@
                 <a:spcPct val="100000"/>
               </a:lnSpc>
               <a:spcBef>
-                <a:spcPts val="1495"/>
+                <a:spcPts val="1595"/>
               </a:spcBef>
             </a:pPr>
             <a:r>
-              <a:rPr sz="1300" spc="55" dirty="0">
+              <a:rPr sz="1450" spc="45" dirty="0">
                 <a:latin typeface="Lucida Sans Unicode"/>
                 <a:cs typeface="Lucida Sans Unicode"/>
               </a:rPr>
               <a:t>*</a:t>
             </a:r>
-            <a:endParaRPr sz="1300">
+            <a:endParaRPr sz="1450">
               <a:latin typeface="Lucida Sans Unicode"/>
               <a:cs typeface="Lucida Sans Unicode"/>
             </a:endParaRPr>
           </a:p>
-        </p:txBody>
-      </p:sp>
-      <p:sp>
-        <p:nvSpPr>
-          <p:cNvPr id="15" name="object 15"/>
-          <p:cNvSpPr txBox="1"/>
-          <p:nvPr/>
-        </p:nvSpPr>
-        <p:spPr>
-          <a:xfrm>
-            <a:off x="10165672" y="10141212"/>
-            <a:ext cx="122555" cy="229235"/>
-          </a:xfrm>
-          <a:prstGeom prst="rect">
-            <a:avLst/>
-          </a:prstGeom>
-        </p:spPr>
-        <p:txBody>
-          <a:bodyPr vert="horz" wrap="square" lIns="0" tIns="17145" rIns="0" bIns="0" rtlCol="0">
-            <a:spAutoFit/>
-          </a:bodyPr>
-          <a:lstStyle/>
           <a:p>
             <a:pPr marL="12700">
               <a:lnSpc>
                 <a:spcPct val="100000"/>
               </a:lnSpc>
               <a:spcBef>
-                <a:spcPts val="135"/>
+                <a:spcPts val="1590"/>
               </a:spcBef>
             </a:pPr>
             <a:r>
-              <a:rPr sz="1300" spc="-50" dirty="0">
+              <a:rPr sz="1450" spc="45" dirty="0">
                 <a:latin typeface="Lucida Sans Unicode"/>
                 <a:cs typeface="Lucida Sans Unicode"/>
               </a:rPr>
-              <a:t>1</a:t>
-            </a:r>
-            <a:endParaRPr sz="1300">
+              <a:t>*</a:t>
+            </a:r>
+            <a:endParaRPr sz="1450">
               <a:latin typeface="Lucida Sans Unicode"/>
               <a:cs typeface="Lucida Sans Unicode"/>
             </a:endParaRPr>
@@ -2624,14 +2288,14 @@
       </p:sp>
       <p:sp>
         <p:nvSpPr>
-          <p:cNvPr id="16" name="object 16"/>
+          <p:cNvPr id="10" name="object 10"/>
           <p:cNvSpPr/>
           <p:nvPr/>
         </p:nvSpPr>
         <p:spPr>
           <a:xfrm>
-            <a:off x="3956891" y="9643633"/>
-            <a:ext cx="988694" cy="5139055"/>
+            <a:off x="14769289" y="4708162"/>
+            <a:ext cx="570865" cy="3840479"/>
           </a:xfrm>
           <a:custGeom>
             <a:avLst/>
@@ -2640,112 +2304,112 @@
             <a:cxnLst/>
             <a:rect l="l" t="t" r="r" b="b"/>
             <a:pathLst>
-              <a:path w="988695" h="5139055">
+              <a:path w="570865" h="3840479">
                 <a:moveTo>
-                  <a:pt x="0" y="48486"/>
+                  <a:pt x="0" y="52909"/>
                 </a:moveTo>
                 <a:lnTo>
-                  <a:pt x="242431" y="48486"/>
-                </a:lnTo>
-                <a:lnTo>
-                  <a:pt x="372881" y="48486"/>
-                </a:lnTo>
-                <a:lnTo>
-                  <a:pt x="425913" y="56062"/>
-                </a:lnTo>
-                <a:lnTo>
-                  <a:pt x="463793" y="78790"/>
-                </a:lnTo>
-                <a:lnTo>
-                  <a:pt x="486521" y="116669"/>
-                </a:lnTo>
-                <a:lnTo>
-                  <a:pt x="494097" y="169701"/>
-                </a:lnTo>
-                <a:lnTo>
-                  <a:pt x="494097" y="4969308"/>
-                </a:lnTo>
-                <a:lnTo>
-                  <a:pt x="501672" y="5022339"/>
-                </a:lnTo>
-                <a:lnTo>
-                  <a:pt x="524400" y="5060219"/>
-                </a:lnTo>
-                <a:lnTo>
-                  <a:pt x="562280" y="5082947"/>
-                </a:lnTo>
-                <a:lnTo>
-                  <a:pt x="615312" y="5090523"/>
-                </a:lnTo>
-                <a:lnTo>
-                  <a:pt x="745762" y="5090523"/>
-                </a:lnTo>
-                <a:lnTo>
-                  <a:pt x="988194" y="5090523"/>
-                </a:lnTo>
-                <a:lnTo>
-                  <a:pt x="745762" y="5090523"/>
-                </a:lnTo>
-                <a:lnTo>
-                  <a:pt x="615312" y="5090523"/>
-                </a:lnTo>
-                <a:lnTo>
-                  <a:pt x="562280" y="5082947"/>
-                </a:lnTo>
-                <a:lnTo>
-                  <a:pt x="524400" y="5060219"/>
-                </a:lnTo>
-                <a:lnTo>
-                  <a:pt x="501672" y="5022339"/>
-                </a:lnTo>
-                <a:lnTo>
-                  <a:pt x="494097" y="4969308"/>
-                </a:lnTo>
-                <a:lnTo>
-                  <a:pt x="494097" y="169701"/>
-                </a:lnTo>
-                <a:lnTo>
-                  <a:pt x="486521" y="116669"/>
-                </a:lnTo>
-                <a:lnTo>
-                  <a:pt x="463793" y="78790"/>
-                </a:lnTo>
-                <a:lnTo>
-                  <a:pt x="425913" y="56062"/>
-                </a:lnTo>
-                <a:lnTo>
-                  <a:pt x="372881" y="48486"/>
-                </a:lnTo>
-                <a:lnTo>
-                  <a:pt x="242431" y="48486"/>
-                </a:lnTo>
-                <a:lnTo>
-                  <a:pt x="0" y="48486"/>
+                  <a:pt x="264548" y="52909"/>
+                </a:lnTo>
+                <a:lnTo>
+                  <a:pt x="438468" y="52909"/>
+                </a:lnTo>
+                <a:lnTo>
+                  <a:pt x="486087" y="58200"/>
+                </a:lnTo>
+                <a:lnTo>
+                  <a:pt x="523123" y="74073"/>
+                </a:lnTo>
+                <a:lnTo>
+                  <a:pt x="549578" y="100528"/>
+                </a:lnTo>
+                <a:lnTo>
+                  <a:pt x="565451" y="137565"/>
+                </a:lnTo>
+                <a:lnTo>
+                  <a:pt x="570742" y="185184"/>
+                </a:lnTo>
+                <a:lnTo>
+                  <a:pt x="570742" y="3655000"/>
+                </a:lnTo>
+                <a:lnTo>
+                  <a:pt x="565451" y="3702619"/>
+                </a:lnTo>
+                <a:lnTo>
+                  <a:pt x="549578" y="3739656"/>
+                </a:lnTo>
+                <a:lnTo>
+                  <a:pt x="486087" y="3781984"/>
+                </a:lnTo>
+                <a:lnTo>
+                  <a:pt x="438468" y="3787275"/>
+                </a:lnTo>
+                <a:lnTo>
+                  <a:pt x="306193" y="3787275"/>
+                </a:lnTo>
+                <a:lnTo>
+                  <a:pt x="438468" y="3787275"/>
+                </a:lnTo>
+                <a:lnTo>
+                  <a:pt x="486087" y="3781984"/>
+                </a:lnTo>
+                <a:lnTo>
+                  <a:pt x="523123" y="3766111"/>
+                </a:lnTo>
+                <a:lnTo>
+                  <a:pt x="549578" y="3739656"/>
+                </a:lnTo>
+                <a:lnTo>
+                  <a:pt x="565451" y="3702619"/>
+                </a:lnTo>
+                <a:lnTo>
+                  <a:pt x="570742" y="3655000"/>
+                </a:lnTo>
+                <a:lnTo>
+                  <a:pt x="570742" y="185184"/>
+                </a:lnTo>
+                <a:lnTo>
+                  <a:pt x="565451" y="137565"/>
+                </a:lnTo>
+                <a:lnTo>
+                  <a:pt x="549578" y="100528"/>
+                </a:lnTo>
+                <a:lnTo>
+                  <a:pt x="486087" y="58200"/>
+                </a:lnTo>
+                <a:lnTo>
+                  <a:pt x="438468" y="52909"/>
+                </a:lnTo>
+                <a:lnTo>
+                  <a:pt x="264548" y="52909"/>
+                </a:lnTo>
+                <a:lnTo>
+                  <a:pt x="0" y="52909"/>
                 </a:lnTo>
                 <a:close/>
               </a:path>
-              <a:path w="988695" h="5139055">
+              <a:path w="570865" h="3840479">
                 <a:moveTo>
                   <a:pt x="0" y="0"/>
                 </a:moveTo>
                 <a:lnTo>
-                  <a:pt x="121215" y="48486"/>
-                </a:lnTo>
-                <a:lnTo>
-                  <a:pt x="0" y="96972"/>
+                  <a:pt x="132274" y="52909"/>
+                </a:lnTo>
+                <a:lnTo>
+                  <a:pt x="0" y="105819"/>
                 </a:lnTo>
               </a:path>
-              <a:path w="988695" h="5139055">
+              <a:path w="570865" h="3840479">
                 <a:moveTo>
-                  <a:pt x="866978" y="5042037"/>
+                  <a:pt x="438468" y="3734365"/>
                 </a:moveTo>
                 <a:lnTo>
-                  <a:pt x="866978" y="5139009"/>
+                  <a:pt x="438468" y="3840185"/>
                 </a:lnTo>
               </a:path>
             </a:pathLst>
           </a:custGeom>
-          <a:ln w="24243">
+          <a:ln w="26454">
             <a:solidFill>
               <a:srgbClr val="609BCC"/>
             </a:solidFill>
@@ -2761,21 +2425,21 @@
       </p:sp>
       <p:sp>
         <p:nvSpPr>
-          <p:cNvPr id="17" name="object 17"/>
+          <p:cNvPr id="11" name="object 11"/>
           <p:cNvSpPr txBox="1"/>
           <p:nvPr/>
         </p:nvSpPr>
         <p:spPr>
           <a:xfrm>
-            <a:off x="3980555" y="9473353"/>
-            <a:ext cx="119380" cy="229235"/>
+            <a:off x="15102465" y="8257871"/>
+            <a:ext cx="131445" cy="247650"/>
           </a:xfrm>
           <a:prstGeom prst="rect">
             <a:avLst/>
           </a:prstGeom>
         </p:spPr>
         <p:txBody>
-          <a:bodyPr vert="horz" wrap="square" lIns="0" tIns="17145" rIns="0" bIns="0" rtlCol="0">
+          <a:bodyPr vert="horz" wrap="square" lIns="0" tIns="13335" rIns="0" bIns="0" rtlCol="0">
             <a:spAutoFit/>
           </a:bodyPr>
           <a:lstStyle/>
@@ -2785,304 +2449,47 @@
                 <a:spcPct val="100000"/>
               </a:lnSpc>
               <a:spcBef>
-                <a:spcPts val="135"/>
+                <a:spcPts val="105"/>
               </a:spcBef>
             </a:pPr>
             <a:r>
-              <a:rPr sz="1300" spc="55" dirty="0">
+              <a:rPr sz="1450" spc="-50" dirty="0">
                 <a:latin typeface="Lucida Sans Unicode"/>
                 <a:cs typeface="Lucida Sans Unicode"/>
               </a:rPr>
-              <a:t>*</a:t>
-            </a:r>
-            <a:endParaRPr sz="1300">
+              <a:t>1</a:t>
+            </a:r>
+            <a:endParaRPr sz="1450">
               <a:latin typeface="Lucida Sans Unicode"/>
               <a:cs typeface="Lucida Sans Unicode"/>
             </a:endParaRPr>
           </a:p>
         </p:txBody>
       </p:sp>
-      <p:sp>
-        <p:nvSpPr>
-          <p:cNvPr id="18" name="object 18"/>
-          <p:cNvSpPr txBox="1"/>
-          <p:nvPr/>
-        </p:nvSpPr>
-        <p:spPr>
-          <a:xfrm>
-            <a:off x="4798989" y="14515391"/>
-            <a:ext cx="122555" cy="229235"/>
-          </a:xfrm>
-          <a:prstGeom prst="rect">
-            <a:avLst/>
-          </a:prstGeom>
-        </p:spPr>
-        <p:txBody>
-          <a:bodyPr vert="horz" wrap="square" lIns="0" tIns="17145" rIns="0" bIns="0" rtlCol="0">
-            <a:spAutoFit/>
-          </a:bodyPr>
-          <a:lstStyle/>
-          <a:p>
-            <a:pPr marL="12700">
-              <a:lnSpc>
-                <a:spcPct val="100000"/>
-              </a:lnSpc>
-              <a:spcBef>
-                <a:spcPts val="135"/>
-              </a:spcBef>
-            </a:pPr>
-            <a:r>
-              <a:rPr sz="1300" spc="-50" dirty="0">
-                <a:latin typeface="Lucida Sans Unicode"/>
-                <a:cs typeface="Lucida Sans Unicode"/>
-              </a:rPr>
-              <a:t>1</a:t>
-            </a:r>
-            <a:endParaRPr sz="1300">
-              <a:latin typeface="Lucida Sans Unicode"/>
-              <a:cs typeface="Lucida Sans Unicode"/>
-            </a:endParaRPr>
-          </a:p>
-        </p:txBody>
-      </p:sp>
-      <p:sp>
-        <p:nvSpPr>
-          <p:cNvPr id="19" name="object 19"/>
-          <p:cNvSpPr/>
-          <p:nvPr/>
-        </p:nvSpPr>
-        <p:spPr>
-          <a:xfrm>
-            <a:off x="4945085" y="14152323"/>
-            <a:ext cx="2958465" cy="387985"/>
-          </a:xfrm>
-          <a:custGeom>
-            <a:avLst/>
-            <a:gdLst/>
-            <a:ahLst/>
-            <a:cxnLst/>
-            <a:rect l="l" t="t" r="r" b="b"/>
-            <a:pathLst>
-              <a:path w="2958465" h="387984">
-                <a:moveTo>
-                  <a:pt x="2958244" y="387889"/>
-                </a:moveTo>
-                <a:lnTo>
-                  <a:pt x="0" y="387889"/>
-                </a:lnTo>
-                <a:lnTo>
-                  <a:pt x="0" y="0"/>
-                </a:lnTo>
-                <a:lnTo>
-                  <a:pt x="2958244" y="0"/>
-                </a:lnTo>
-                <a:lnTo>
-                  <a:pt x="2958244" y="387889"/>
-                </a:lnTo>
-                <a:close/>
-              </a:path>
-            </a:pathLst>
-          </a:custGeom>
-          <a:solidFill>
-            <a:srgbClr val="306896"/>
-          </a:solidFill>
-        </p:spPr>
-        <p:txBody>
-          <a:bodyPr wrap="square" lIns="0" tIns="0" rIns="0" bIns="0" rtlCol="0"/>
-          <a:lstStyle/>
-          <a:p>
-            <a:endParaRPr/>
-          </a:p>
-        </p:txBody>
-      </p:sp>
-      <p:sp>
-        <p:nvSpPr>
-          <p:cNvPr id="20" name="object 20"/>
-          <p:cNvSpPr txBox="1"/>
-          <p:nvPr/>
-        </p:nvSpPr>
-        <p:spPr>
-          <a:xfrm>
-            <a:off x="5053600" y="14215383"/>
-            <a:ext cx="1302385" cy="214629"/>
-          </a:xfrm>
-          <a:prstGeom prst="rect">
-            <a:avLst/>
-          </a:prstGeom>
-        </p:spPr>
-        <p:txBody>
-          <a:bodyPr vert="horz" wrap="square" lIns="0" tIns="11430" rIns="0" bIns="0" rtlCol="0">
-            <a:spAutoFit/>
-          </a:bodyPr>
-          <a:lstStyle/>
-          <a:p>
-            <a:pPr marL="12700">
-              <a:lnSpc>
-                <a:spcPct val="100000"/>
-              </a:lnSpc>
-              <a:spcBef>
-                <a:spcPts val="90"/>
-              </a:spcBef>
-            </a:pPr>
-            <a:r>
-              <a:rPr sz="1250" spc="-90" dirty="0">
-                <a:solidFill>
-                  <a:srgbClr val="FFFFFF"/>
-                </a:solidFill>
-                <a:latin typeface="Arial Black"/>
-                <a:cs typeface="Arial Black"/>
-              </a:rPr>
-              <a:t>EducationLevels</a:t>
-            </a:r>
-            <a:endParaRPr sz="1250">
-              <a:latin typeface="Arial Black"/>
-              <a:cs typeface="Arial Black"/>
-            </a:endParaRPr>
-          </a:p>
-        </p:txBody>
-      </p:sp>
-      <p:sp>
-        <p:nvSpPr>
-          <p:cNvPr id="21" name="object 21"/>
-          <p:cNvSpPr/>
-          <p:nvPr/>
-        </p:nvSpPr>
-        <p:spPr>
-          <a:xfrm>
-            <a:off x="4945085" y="14540213"/>
-            <a:ext cx="2958465" cy="387985"/>
-          </a:xfrm>
-          <a:custGeom>
-            <a:avLst/>
-            <a:gdLst/>
-            <a:ahLst/>
-            <a:cxnLst/>
-            <a:rect l="l" t="t" r="r" b="b"/>
-            <a:pathLst>
-              <a:path w="2958465" h="387984">
-                <a:moveTo>
-                  <a:pt x="2958244" y="387889"/>
-                </a:moveTo>
-                <a:lnTo>
-                  <a:pt x="0" y="387889"/>
-                </a:lnTo>
-                <a:lnTo>
-                  <a:pt x="0" y="0"/>
-                </a:lnTo>
-                <a:lnTo>
-                  <a:pt x="2958244" y="0"/>
-                </a:lnTo>
-                <a:lnTo>
-                  <a:pt x="2958244" y="387889"/>
-                </a:lnTo>
-                <a:close/>
-              </a:path>
-            </a:pathLst>
-          </a:custGeom>
-          <a:solidFill>
-            <a:srgbClr val="DDEDF2"/>
-          </a:solidFill>
-        </p:spPr>
-        <p:txBody>
-          <a:bodyPr wrap="square" lIns="0" tIns="0" rIns="0" bIns="0" rtlCol="0"/>
-          <a:lstStyle/>
-          <a:p>
-            <a:endParaRPr/>
-          </a:p>
-        </p:txBody>
-      </p:sp>
-      <p:sp>
-        <p:nvSpPr>
-          <p:cNvPr id="22" name="object 22"/>
-          <p:cNvSpPr txBox="1"/>
-          <p:nvPr/>
-        </p:nvSpPr>
-        <p:spPr>
-          <a:xfrm>
-            <a:off x="5053600" y="14603272"/>
-            <a:ext cx="1392555" cy="214629"/>
-          </a:xfrm>
-          <a:prstGeom prst="rect">
-            <a:avLst/>
-          </a:prstGeom>
-        </p:spPr>
-        <p:txBody>
-          <a:bodyPr vert="horz" wrap="square" lIns="0" tIns="11430" rIns="0" bIns="0" rtlCol="0">
-            <a:spAutoFit/>
-          </a:bodyPr>
-          <a:lstStyle/>
-          <a:p>
-            <a:pPr marL="12700">
-              <a:lnSpc>
-                <a:spcPct val="100000"/>
-              </a:lnSpc>
-              <a:spcBef>
-                <a:spcPts val="90"/>
-              </a:spcBef>
-            </a:pPr>
-            <a:r>
-              <a:rPr sz="1250" spc="-85" dirty="0">
-                <a:solidFill>
-                  <a:srgbClr val="6E6E6E"/>
-                </a:solidFill>
-                <a:latin typeface="Arial Black"/>
-                <a:cs typeface="Arial Black"/>
-              </a:rPr>
-              <a:t>EducationLevelID</a:t>
-            </a:r>
-            <a:endParaRPr sz="1250">
-              <a:latin typeface="Arial Black"/>
-              <a:cs typeface="Arial Black"/>
-            </a:endParaRPr>
-          </a:p>
-        </p:txBody>
-      </p:sp>
       <p:grpSp>
         <p:nvGrpSpPr>
-          <p:cNvPr id="23" name="object 23"/>
+          <p:cNvPr id="12" name="object 12"/>
           <p:cNvGrpSpPr/>
           <p:nvPr/>
         </p:nvGrpSpPr>
         <p:grpSpPr>
           <a:xfrm>
-            <a:off x="4945085" y="14652336"/>
-            <a:ext cx="2958465" cy="664210"/>
-            <a:chOff x="4945085" y="14652336"/>
-            <a:chExt cx="2958465" cy="664210"/>
+            <a:off x="12966749" y="5118105"/>
+            <a:ext cx="2080895" cy="1746250"/>
+            <a:chOff x="12966749" y="5118105"/>
+            <a:chExt cx="2080895" cy="1746250"/>
           </a:xfrm>
         </p:grpSpPr>
-        <p:pic>
-          <p:nvPicPr>
-            <p:cNvPr id="24" name="object 24"/>
-            <p:cNvPicPr/>
-            <p:nvPr/>
-          </p:nvPicPr>
-          <p:blipFill>
-            <a:blip r:embed="rId2" cstate="print"/>
-            <a:stretch>
-              <a:fillRect/>
-            </a:stretch>
-          </p:blipFill>
-          <p:spPr>
-            <a:xfrm>
-              <a:off x="6481918" y="14652336"/>
-              <a:ext cx="127276" cy="127276"/>
-            </a:xfrm>
-            <a:prstGeom prst="rect">
-              <a:avLst/>
-            </a:prstGeom>
-          </p:spPr>
-        </p:pic>
         <p:sp>
           <p:nvSpPr>
-            <p:cNvPr id="25" name="object 25"/>
+            <p:cNvPr id="13" name="object 13"/>
             <p:cNvSpPr/>
             <p:nvPr/>
           </p:nvSpPr>
           <p:spPr>
             <a:xfrm>
-              <a:off x="4945085" y="14928101"/>
-              <a:ext cx="2958465" cy="387985"/>
+              <a:off x="12980084" y="5131440"/>
+              <a:ext cx="2054225" cy="1719580"/>
             </a:xfrm>
             <a:custGeom>
               <a:avLst/>
@@ -3091,29 +2498,253 @@
               <a:cxnLst/>
               <a:rect l="l" t="t" r="r" b="b"/>
               <a:pathLst>
-                <a:path w="2958465" h="387984">
+                <a:path w="2054225" h="1719579">
                   <a:moveTo>
-                    <a:pt x="2958244" y="387889"/>
+                    <a:pt x="1789205" y="52909"/>
                   </a:moveTo>
                   <a:lnTo>
-                    <a:pt x="0" y="387889"/>
-                  </a:lnTo>
-                  <a:lnTo>
-                    <a:pt x="0" y="0"/>
-                  </a:lnTo>
-                  <a:lnTo>
-                    <a:pt x="2958244" y="0"/>
-                  </a:lnTo>
-                  <a:lnTo>
-                    <a:pt x="2958244" y="387889"/>
+                    <a:pt x="1921479" y="52909"/>
+                  </a:lnTo>
+                  <a:lnTo>
+                    <a:pt x="1969098" y="58200"/>
+                  </a:lnTo>
+                  <a:lnTo>
+                    <a:pt x="2006135" y="74073"/>
+                  </a:lnTo>
+                  <a:lnTo>
+                    <a:pt x="2032589" y="100528"/>
+                  </a:lnTo>
+                  <a:lnTo>
+                    <a:pt x="2048462" y="137565"/>
+                  </a:lnTo>
+                  <a:lnTo>
+                    <a:pt x="2053753" y="185184"/>
+                  </a:lnTo>
+                  <a:lnTo>
+                    <a:pt x="2053753" y="1534381"/>
+                  </a:lnTo>
+                  <a:lnTo>
+                    <a:pt x="2048462" y="1581999"/>
+                  </a:lnTo>
+                  <a:lnTo>
+                    <a:pt x="2032589" y="1619036"/>
+                  </a:lnTo>
+                  <a:lnTo>
+                    <a:pt x="1969098" y="1661364"/>
+                  </a:lnTo>
+                  <a:lnTo>
+                    <a:pt x="1921479" y="1666655"/>
+                  </a:lnTo>
+                  <a:lnTo>
+                    <a:pt x="264548" y="1666655"/>
+                  </a:lnTo>
+                  <a:lnTo>
+                    <a:pt x="0" y="1666655"/>
+                  </a:lnTo>
+                  <a:lnTo>
+                    <a:pt x="264548" y="1666655"/>
+                  </a:lnTo>
+                  <a:lnTo>
+                    <a:pt x="1921479" y="1666655"/>
+                  </a:lnTo>
+                  <a:lnTo>
+                    <a:pt x="1969098" y="1661364"/>
+                  </a:lnTo>
+                  <a:lnTo>
+                    <a:pt x="2006135" y="1645491"/>
+                  </a:lnTo>
+                  <a:lnTo>
+                    <a:pt x="2032589" y="1619036"/>
+                  </a:lnTo>
+                  <a:lnTo>
+                    <a:pt x="2048462" y="1581999"/>
+                  </a:lnTo>
+                  <a:lnTo>
+                    <a:pt x="2053753" y="1534381"/>
+                  </a:lnTo>
+                  <a:lnTo>
+                    <a:pt x="2053753" y="185184"/>
+                  </a:lnTo>
+                  <a:lnTo>
+                    <a:pt x="2048462" y="137565"/>
+                  </a:lnTo>
+                  <a:lnTo>
+                    <a:pt x="2032589" y="100528"/>
+                  </a:lnTo>
+                  <a:lnTo>
+                    <a:pt x="1969098" y="58200"/>
+                  </a:lnTo>
+                  <a:lnTo>
+                    <a:pt x="1921479" y="52909"/>
+                  </a:lnTo>
+                  <a:lnTo>
+                    <a:pt x="1789205" y="52909"/>
                   </a:lnTo>
                   <a:close/>
+                </a:path>
+                <a:path w="2054225" h="1719579">
+                  <a:moveTo>
+                    <a:pt x="1789205" y="0"/>
+                  </a:moveTo>
+                  <a:lnTo>
+                    <a:pt x="1921479" y="52909"/>
+                  </a:lnTo>
+                  <a:lnTo>
+                    <a:pt x="1789205" y="105819"/>
+                  </a:lnTo>
+                </a:path>
+                <a:path w="2054225" h="1719579">
+                  <a:moveTo>
+                    <a:pt x="132274" y="1613745"/>
+                  </a:moveTo>
+                  <a:lnTo>
+                    <a:pt x="132274" y="1719565"/>
+                  </a:lnTo>
                 </a:path>
               </a:pathLst>
             </a:custGeom>
-            <a:solidFill>
-              <a:srgbClr val="F2F2F2"/>
-            </a:solidFill>
+            <a:ln w="26454">
+              <a:solidFill>
+                <a:srgbClr val="609BCC"/>
+              </a:solidFill>
+            </a:ln>
+          </p:spPr>
+          <p:txBody>
+            <a:bodyPr wrap="square" lIns="0" tIns="0" rIns="0" bIns="0" rtlCol="0"/>
+            <a:lstStyle/>
+            <a:p>
+              <a:endParaRPr/>
+            </a:p>
+          </p:txBody>
+        </p:sp>
+        <p:sp>
+          <p:nvSpPr>
+            <p:cNvPr id="14" name="object 14"/>
+            <p:cNvSpPr/>
+            <p:nvPr/>
+          </p:nvSpPr>
+          <p:spPr>
+            <a:xfrm>
+              <a:off x="12980084" y="5554718"/>
+              <a:ext cx="2054225" cy="1296670"/>
+            </a:xfrm>
+            <a:custGeom>
+              <a:avLst/>
+              <a:gdLst/>
+              <a:ahLst/>
+              <a:cxnLst/>
+              <a:rect l="l" t="t" r="r" b="b"/>
+              <a:pathLst>
+                <a:path w="2054225" h="1296670">
+                  <a:moveTo>
+                    <a:pt x="1789205" y="52909"/>
+                  </a:moveTo>
+                  <a:lnTo>
+                    <a:pt x="1921479" y="52909"/>
+                  </a:lnTo>
+                  <a:lnTo>
+                    <a:pt x="1969098" y="58200"/>
+                  </a:lnTo>
+                  <a:lnTo>
+                    <a:pt x="2006135" y="74073"/>
+                  </a:lnTo>
+                  <a:lnTo>
+                    <a:pt x="2032589" y="100528"/>
+                  </a:lnTo>
+                  <a:lnTo>
+                    <a:pt x="2048462" y="137565"/>
+                  </a:lnTo>
+                  <a:lnTo>
+                    <a:pt x="2053753" y="185184"/>
+                  </a:lnTo>
+                  <a:lnTo>
+                    <a:pt x="2053753" y="1111103"/>
+                  </a:lnTo>
+                  <a:lnTo>
+                    <a:pt x="2048462" y="1158721"/>
+                  </a:lnTo>
+                  <a:lnTo>
+                    <a:pt x="2032589" y="1195758"/>
+                  </a:lnTo>
+                  <a:lnTo>
+                    <a:pt x="1969098" y="1238086"/>
+                  </a:lnTo>
+                  <a:lnTo>
+                    <a:pt x="1921479" y="1243377"/>
+                  </a:lnTo>
+                  <a:lnTo>
+                    <a:pt x="264548" y="1243377"/>
+                  </a:lnTo>
+                  <a:lnTo>
+                    <a:pt x="0" y="1243377"/>
+                  </a:lnTo>
+                  <a:lnTo>
+                    <a:pt x="264548" y="1243377"/>
+                  </a:lnTo>
+                  <a:lnTo>
+                    <a:pt x="1921479" y="1243377"/>
+                  </a:lnTo>
+                  <a:lnTo>
+                    <a:pt x="1969098" y="1238086"/>
+                  </a:lnTo>
+                  <a:lnTo>
+                    <a:pt x="2006135" y="1222213"/>
+                  </a:lnTo>
+                  <a:lnTo>
+                    <a:pt x="2032589" y="1195758"/>
+                  </a:lnTo>
+                  <a:lnTo>
+                    <a:pt x="2048462" y="1158721"/>
+                  </a:lnTo>
+                  <a:lnTo>
+                    <a:pt x="2053753" y="1111103"/>
+                  </a:lnTo>
+                  <a:lnTo>
+                    <a:pt x="2053753" y="185184"/>
+                  </a:lnTo>
+                  <a:lnTo>
+                    <a:pt x="2048462" y="137565"/>
+                  </a:lnTo>
+                  <a:lnTo>
+                    <a:pt x="2032589" y="100528"/>
+                  </a:lnTo>
+                  <a:lnTo>
+                    <a:pt x="1969098" y="58200"/>
+                  </a:lnTo>
+                  <a:lnTo>
+                    <a:pt x="1921479" y="52909"/>
+                  </a:lnTo>
+                  <a:lnTo>
+                    <a:pt x="1789205" y="52909"/>
+                  </a:lnTo>
+                  <a:close/>
+                </a:path>
+                <a:path w="2054225" h="1296670">
+                  <a:moveTo>
+                    <a:pt x="1789205" y="0"/>
+                  </a:moveTo>
+                  <a:lnTo>
+                    <a:pt x="1921479" y="52909"/>
+                  </a:lnTo>
+                  <a:lnTo>
+                    <a:pt x="1789205" y="105819"/>
+                  </a:lnTo>
+                </a:path>
+                <a:path w="2054225" h="1296670">
+                  <a:moveTo>
+                    <a:pt x="132274" y="1190467"/>
+                  </a:moveTo>
+                  <a:lnTo>
+                    <a:pt x="132274" y="1296287"/>
+                  </a:lnTo>
+                </a:path>
+              </a:pathLst>
+            </a:custGeom>
+            <a:ln w="26454">
+              <a:solidFill>
+                <a:srgbClr val="609BCC"/>
+              </a:solidFill>
+            </a:ln>
           </p:spPr>
           <p:txBody>
             <a:bodyPr wrap="square" lIns="0" tIns="0" rIns="0" bIns="0" rtlCol="0"/>
@@ -3126,21 +2757,21 @@
       </p:grpSp>
       <p:sp>
         <p:nvSpPr>
-          <p:cNvPr id="26" name="object 26"/>
+          <p:cNvPr id="15" name="object 15"/>
           <p:cNvSpPr txBox="1"/>
           <p:nvPr/>
         </p:nvSpPr>
         <p:spPr>
           <a:xfrm>
-            <a:off x="7202571" y="14603272"/>
-            <a:ext cx="592455" cy="214629"/>
+            <a:off x="14796272" y="4523506"/>
+            <a:ext cx="127635" cy="1094740"/>
           </a:xfrm>
           <a:prstGeom prst="rect">
             <a:avLst/>
           </a:prstGeom>
         </p:spPr>
         <p:txBody>
-          <a:bodyPr vert="horz" wrap="square" lIns="0" tIns="11430" rIns="0" bIns="0" rtlCol="0">
+          <a:bodyPr vert="horz" wrap="square" lIns="0" tIns="13335" rIns="0" bIns="0" rtlCol="0">
             <a:spAutoFit/>
           </a:bodyPr>
           <a:lstStyle/>
@@ -3150,43 +2781,82 @@
                 <a:spcPct val="100000"/>
               </a:lnSpc>
               <a:spcBef>
-                <a:spcPts val="90"/>
+                <a:spcPts val="105"/>
               </a:spcBef>
             </a:pPr>
             <a:r>
-              <a:rPr sz="1250" spc="-55" dirty="0">
-                <a:solidFill>
-                  <a:srgbClr val="999999"/>
-                </a:solidFill>
-                <a:latin typeface="Arial Black"/>
-                <a:cs typeface="Arial Black"/>
-              </a:rPr>
-              <a:t>integer</a:t>
-            </a:r>
-            <a:endParaRPr sz="1250">
-              <a:latin typeface="Arial Black"/>
-              <a:cs typeface="Arial Black"/>
+              <a:rPr sz="1450" spc="45" dirty="0">
+                <a:latin typeface="Lucida Sans Unicode"/>
+                <a:cs typeface="Lucida Sans Unicode"/>
+              </a:rPr>
+              <a:t>*</a:t>
+            </a:r>
+            <a:endParaRPr sz="1450">
+              <a:latin typeface="Lucida Sans Unicode"/>
+              <a:cs typeface="Lucida Sans Unicode"/>
             </a:endParaRPr>
           </a:p>
-        </p:txBody>
-      </p:sp>
-      <p:sp>
-        <p:nvSpPr>
-          <p:cNvPr id="27" name="object 27"/>
+          <a:p>
+            <a:pPr marL="12700">
+              <a:lnSpc>
+                <a:spcPct val="100000"/>
+              </a:lnSpc>
+              <a:spcBef>
+                <a:spcPts val="1595"/>
+              </a:spcBef>
+            </a:pPr>
+            <a:r>
+              <a:rPr sz="1450" spc="45" dirty="0">
+                <a:latin typeface="Lucida Sans Unicode"/>
+                <a:cs typeface="Lucida Sans Unicode"/>
+              </a:rPr>
+              <a:t>*</a:t>
+            </a:r>
+            <a:endParaRPr sz="1450">
+              <a:latin typeface="Lucida Sans Unicode"/>
+              <a:cs typeface="Lucida Sans Unicode"/>
+            </a:endParaRPr>
+          </a:p>
+          <a:p>
+            <a:pPr marL="12700">
+              <a:lnSpc>
+                <a:spcPct val="100000"/>
+              </a:lnSpc>
+              <a:spcBef>
+                <a:spcPts val="1590"/>
+              </a:spcBef>
+            </a:pPr>
+            <a:r>
+              <a:rPr sz="1450" spc="45" dirty="0">
+                <a:latin typeface="Lucida Sans Unicode"/>
+                <a:cs typeface="Lucida Sans Unicode"/>
+              </a:rPr>
+              <a:t>*</a:t>
+            </a:r>
+            <a:endParaRPr sz="1450">
+              <a:latin typeface="Lucida Sans Unicode"/>
+              <a:cs typeface="Lucida Sans Unicode"/>
+            </a:endParaRPr>
+          </a:p>
+        </p:txBody>
+      </p:sp>
+      <p:sp>
+        <p:nvSpPr>
+          <p:cNvPr id="16" name="object 16"/>
           <p:cNvSpPr txBox="1"/>
           <p:nvPr/>
         </p:nvSpPr>
         <p:spPr>
           <a:xfrm>
-            <a:off x="5053600" y="14991162"/>
-            <a:ext cx="1133475" cy="214629"/>
+            <a:off x="13007066" y="6560529"/>
+            <a:ext cx="131445" cy="247650"/>
           </a:xfrm>
           <a:prstGeom prst="rect">
             <a:avLst/>
           </a:prstGeom>
         </p:spPr>
         <p:txBody>
-          <a:bodyPr vert="horz" wrap="square" lIns="0" tIns="11430" rIns="0" bIns="0" rtlCol="0">
+          <a:bodyPr vert="horz" wrap="square" lIns="0" tIns="13335" rIns="0" bIns="0" rtlCol="0">
             <a:spAutoFit/>
           </a:bodyPr>
           <a:lstStyle/>
@@ -3196,20 +2866,17 @@
                 <a:spcPct val="100000"/>
               </a:lnSpc>
               <a:spcBef>
-                <a:spcPts val="90"/>
+                <a:spcPts val="105"/>
               </a:spcBef>
             </a:pPr>
             <a:r>
-              <a:rPr sz="1250" spc="-25" dirty="0">
-                <a:solidFill>
-                  <a:srgbClr val="6E6E6E"/>
-                </a:solidFill>
+              <a:rPr sz="1450" spc="-50" dirty="0">
                 <a:latin typeface="Lucida Sans Unicode"/>
                 <a:cs typeface="Lucida Sans Unicode"/>
               </a:rPr>
-              <a:t>EducationLevel</a:t>
-            </a:r>
-            <a:endParaRPr sz="1250">
+              <a:t>1</a:t>
+            </a:r>
+            <a:endParaRPr sz="1450">
               <a:latin typeface="Lucida Sans Unicode"/>
               <a:cs typeface="Lucida Sans Unicode"/>
             </a:endParaRPr>
@@ -3218,21 +2885,170 @@
       </p:sp>
       <p:sp>
         <p:nvSpPr>
-          <p:cNvPr id="28" name="object 28"/>
+          <p:cNvPr id="17" name="object 17"/>
+          <p:cNvSpPr/>
+          <p:nvPr/>
+        </p:nvSpPr>
+        <p:spPr>
+          <a:xfrm>
+            <a:off x="8470967" y="5370178"/>
+            <a:ext cx="2322195" cy="4801235"/>
+          </a:xfrm>
+          <a:custGeom>
+            <a:avLst/>
+            <a:gdLst/>
+            <a:ahLst/>
+            <a:cxnLst/>
+            <a:rect l="l" t="t" r="r" b="b"/>
+            <a:pathLst>
+              <a:path w="2322195" h="4801234">
+                <a:moveTo>
+                  <a:pt x="0" y="52909"/>
+                </a:moveTo>
+                <a:lnTo>
+                  <a:pt x="264548" y="52909"/>
+                </a:lnTo>
+                <a:lnTo>
+                  <a:pt x="1028590" y="52909"/>
+                </a:lnTo>
+                <a:lnTo>
+                  <a:pt x="1076209" y="58200"/>
+                </a:lnTo>
+                <a:lnTo>
+                  <a:pt x="1113245" y="74073"/>
+                </a:lnTo>
+                <a:lnTo>
+                  <a:pt x="1139700" y="100528"/>
+                </a:lnTo>
+                <a:lnTo>
+                  <a:pt x="1155573" y="137565"/>
+                </a:lnTo>
+                <a:lnTo>
+                  <a:pt x="1160864" y="185184"/>
+                </a:lnTo>
+                <a:lnTo>
+                  <a:pt x="1160864" y="4615795"/>
+                </a:lnTo>
+                <a:lnTo>
+                  <a:pt x="1166155" y="4663413"/>
+                </a:lnTo>
+                <a:lnTo>
+                  <a:pt x="1182028" y="4700450"/>
+                </a:lnTo>
+                <a:lnTo>
+                  <a:pt x="1208483" y="4726905"/>
+                </a:lnTo>
+                <a:lnTo>
+                  <a:pt x="1245520" y="4742778"/>
+                </a:lnTo>
+                <a:lnTo>
+                  <a:pt x="1293139" y="4748069"/>
+                </a:lnTo>
+                <a:lnTo>
+                  <a:pt x="2057180" y="4748069"/>
+                </a:lnTo>
+                <a:lnTo>
+                  <a:pt x="2321729" y="4748069"/>
+                </a:lnTo>
+                <a:lnTo>
+                  <a:pt x="2057180" y="4748069"/>
+                </a:lnTo>
+                <a:lnTo>
+                  <a:pt x="1293139" y="4748069"/>
+                </a:lnTo>
+                <a:lnTo>
+                  <a:pt x="1245520" y="4742778"/>
+                </a:lnTo>
+                <a:lnTo>
+                  <a:pt x="1208483" y="4726905"/>
+                </a:lnTo>
+                <a:lnTo>
+                  <a:pt x="1182028" y="4700450"/>
+                </a:lnTo>
+                <a:lnTo>
+                  <a:pt x="1166155" y="4663413"/>
+                </a:lnTo>
+                <a:lnTo>
+                  <a:pt x="1160864" y="4615795"/>
+                </a:lnTo>
+                <a:lnTo>
+                  <a:pt x="1160864" y="185184"/>
+                </a:lnTo>
+                <a:lnTo>
+                  <a:pt x="1155573" y="137565"/>
+                </a:lnTo>
+                <a:lnTo>
+                  <a:pt x="1139700" y="100528"/>
+                </a:lnTo>
+                <a:lnTo>
+                  <a:pt x="1113245" y="74073"/>
+                </a:lnTo>
+                <a:lnTo>
+                  <a:pt x="1076209" y="58200"/>
+                </a:lnTo>
+                <a:lnTo>
+                  <a:pt x="1028590" y="52909"/>
+                </a:lnTo>
+                <a:lnTo>
+                  <a:pt x="264548" y="52909"/>
+                </a:lnTo>
+                <a:lnTo>
+                  <a:pt x="0" y="52909"/>
+                </a:lnTo>
+                <a:close/>
+              </a:path>
+              <a:path w="2322195" h="4801234">
+                <a:moveTo>
+                  <a:pt x="0" y="0"/>
+                </a:moveTo>
+                <a:lnTo>
+                  <a:pt x="132274" y="52909"/>
+                </a:lnTo>
+                <a:lnTo>
+                  <a:pt x="0" y="105819"/>
+                </a:lnTo>
+              </a:path>
+              <a:path w="2322195" h="4801234">
+                <a:moveTo>
+                  <a:pt x="2189454" y="4695159"/>
+                </a:moveTo>
+                <a:lnTo>
+                  <a:pt x="2189454" y="4800979"/>
+                </a:lnTo>
+              </a:path>
+            </a:pathLst>
+          </a:custGeom>
+          <a:ln w="26454">
+            <a:solidFill>
+              <a:srgbClr val="609BCC"/>
+            </a:solidFill>
+          </a:ln>
+        </p:spPr>
+        <p:txBody>
+          <a:bodyPr wrap="square" lIns="0" tIns="0" rIns="0" bIns="0" rtlCol="0"/>
+          <a:lstStyle/>
+          <a:p>
+            <a:endParaRPr/>
+          </a:p>
+        </p:txBody>
+      </p:sp>
+      <p:sp>
+        <p:nvSpPr>
+          <p:cNvPr id="18" name="object 18"/>
           <p:cNvSpPr txBox="1"/>
           <p:nvPr/>
         </p:nvSpPr>
         <p:spPr>
           <a:xfrm>
-            <a:off x="7214652" y="14991162"/>
-            <a:ext cx="579755" cy="214629"/>
+            <a:off x="8497950" y="5185522"/>
+            <a:ext cx="127635" cy="247650"/>
           </a:xfrm>
           <a:prstGeom prst="rect">
             <a:avLst/>
           </a:prstGeom>
         </p:spPr>
         <p:txBody>
-          <a:bodyPr vert="horz" wrap="square" lIns="0" tIns="11430" rIns="0" bIns="0" rtlCol="0">
+          <a:bodyPr vert="horz" wrap="square" lIns="0" tIns="13335" rIns="0" bIns="0" rtlCol="0">
             <a:spAutoFit/>
           </a:bodyPr>
           <a:lstStyle/>
@@ -3242,20 +3058,17 @@
                 <a:spcPct val="100000"/>
               </a:lnSpc>
               <a:spcBef>
-                <a:spcPts val="90"/>
+                <a:spcPts val="105"/>
               </a:spcBef>
             </a:pPr>
             <a:r>
-              <a:rPr sz="1250" spc="-10" dirty="0">
-                <a:solidFill>
-                  <a:srgbClr val="999999"/>
-                </a:solidFill>
+              <a:rPr sz="1450" spc="45" dirty="0">
                 <a:latin typeface="Lucida Sans Unicode"/>
                 <a:cs typeface="Lucida Sans Unicode"/>
               </a:rPr>
-              <a:t>varchar</a:t>
-            </a:r>
-            <a:endParaRPr sz="1250">
+              <a:t>*</a:t>
+            </a:r>
+            <a:endParaRPr sz="1450">
               <a:latin typeface="Lucida Sans Unicode"/>
               <a:cs typeface="Lucida Sans Unicode"/>
             </a:endParaRPr>
@@ -3264,14 +3077,57 @@
       </p:sp>
       <p:sp>
         <p:nvSpPr>
-          <p:cNvPr id="29" name="object 29"/>
+          <p:cNvPr id="19" name="object 19"/>
           <p:cNvSpPr txBox="1"/>
           <p:nvPr/>
         </p:nvSpPr>
         <p:spPr>
           <a:xfrm>
-            <a:off x="7705421" y="11950012"/>
-            <a:ext cx="2800985" cy="387985"/>
+            <a:off x="10634430" y="9880682"/>
+            <a:ext cx="131445" cy="247650"/>
+          </a:xfrm>
+          <a:prstGeom prst="rect">
+            <a:avLst/>
+          </a:prstGeom>
+        </p:spPr>
+        <p:txBody>
+          <a:bodyPr vert="horz" wrap="square" lIns="0" tIns="13335" rIns="0" bIns="0" rtlCol="0">
+            <a:spAutoFit/>
+          </a:bodyPr>
+          <a:lstStyle/>
+          <a:p>
+            <a:pPr marL="12700">
+              <a:lnSpc>
+                <a:spcPct val="100000"/>
+              </a:lnSpc>
+              <a:spcBef>
+                <a:spcPts val="105"/>
+              </a:spcBef>
+            </a:pPr>
+            <a:r>
+              <a:rPr sz="1450" spc="-50" dirty="0">
+                <a:latin typeface="Lucida Sans Unicode"/>
+                <a:cs typeface="Lucida Sans Unicode"/>
+              </a:rPr>
+              <a:t>1</a:t>
+            </a:r>
+            <a:endParaRPr sz="1450">
+              <a:latin typeface="Lucida Sans Unicode"/>
+              <a:cs typeface="Lucida Sans Unicode"/>
+            </a:endParaRPr>
+          </a:p>
+        </p:txBody>
+      </p:sp>
+      <p:sp>
+        <p:nvSpPr>
+          <p:cNvPr id="20" name="object 20"/>
+          <p:cNvSpPr txBox="1"/>
+          <p:nvPr/>
+        </p:nvSpPr>
+        <p:spPr>
+          <a:xfrm>
+            <a:off x="10792697" y="9483331"/>
+            <a:ext cx="3228340" cy="423545"/>
           </a:xfrm>
           <a:prstGeom prst="rect">
             <a:avLst/>
@@ -3281,30 +3137,30 @@
           </a:solidFill>
         </p:spPr>
         <p:txBody>
-          <a:bodyPr vert="horz" wrap="square" lIns="0" tIns="74295" rIns="0" bIns="0" rtlCol="0">
+          <a:bodyPr vert="horz" wrap="square" lIns="0" tIns="83185" rIns="0" bIns="0" rtlCol="0">
             <a:spAutoFit/>
           </a:bodyPr>
           <a:lstStyle/>
           <a:p>
-            <a:pPr marL="120650">
+            <a:pPr marL="132080">
               <a:lnSpc>
                 <a:spcPct val="100000"/>
               </a:lnSpc>
               <a:spcBef>
-                <a:spcPts val="585"/>
+                <a:spcPts val="655"/>
               </a:spcBef>
             </a:pPr>
             <a:r>
-              <a:rPr sz="1250" spc="-45" dirty="0">
+              <a:rPr sz="1350" spc="-35" dirty="0">
                 <a:solidFill>
                   <a:srgbClr val="FFFFFF"/>
                 </a:solidFill>
                 <a:latin typeface="Arial Black"/>
                 <a:cs typeface="Arial Black"/>
               </a:rPr>
-              <a:t>SatisfactionLevels</a:t>
-            </a:r>
-            <a:endParaRPr sz="1250">
+              <a:t>EducationLevels</a:t>
+            </a:r>
+            <a:endParaRPr sz="1350">
               <a:latin typeface="Arial Black"/>
               <a:cs typeface="Arial Black"/>
             </a:endParaRPr>
@@ -3313,28 +3169,28 @@
       </p:sp>
       <p:grpSp>
         <p:nvGrpSpPr>
-          <p:cNvPr id="30" name="object 30"/>
+          <p:cNvPr id="21" name="object 21"/>
           <p:cNvGrpSpPr/>
           <p:nvPr/>
         </p:nvGrpSpPr>
         <p:grpSpPr>
           <a:xfrm>
-            <a:off x="7705421" y="12337901"/>
-            <a:ext cx="2800985" cy="775970"/>
-            <a:chOff x="7705421" y="12337901"/>
-            <a:chExt cx="2800985" cy="775970"/>
+            <a:off x="10792697" y="9906609"/>
+            <a:ext cx="3228340" cy="847090"/>
+            <a:chOff x="10792697" y="9906609"/>
+            <a:chExt cx="3228340" cy="847090"/>
           </a:xfrm>
         </p:grpSpPr>
         <p:sp>
           <p:nvSpPr>
-            <p:cNvPr id="31" name="object 31"/>
+            <p:cNvPr id="22" name="object 22"/>
             <p:cNvSpPr/>
             <p:nvPr/>
           </p:nvSpPr>
           <p:spPr>
             <a:xfrm>
-              <a:off x="7705421" y="12337901"/>
-              <a:ext cx="2800985" cy="387985"/>
+              <a:off x="10792697" y="9906609"/>
+              <a:ext cx="3228340" cy="423545"/>
             </a:xfrm>
             <a:custGeom>
               <a:avLst/>
@@ -3343,21 +3199,21 @@
               <a:cxnLst/>
               <a:rect l="l" t="t" r="r" b="b"/>
               <a:pathLst>
-                <a:path w="2800984" h="387984">
+                <a:path w="3228340" h="423545">
                   <a:moveTo>
-                    <a:pt x="2800794" y="387889"/>
+                    <a:pt x="3228134" y="423278"/>
                   </a:moveTo>
                   <a:lnTo>
-                    <a:pt x="0" y="387889"/>
+                    <a:pt x="0" y="423278"/>
                   </a:lnTo>
                   <a:lnTo>
                     <a:pt x="0" y="0"/>
                   </a:lnTo>
                   <a:lnTo>
-                    <a:pt x="2800794" y="0"/>
-                  </a:lnTo>
-                  <a:lnTo>
-                    <a:pt x="2800794" y="387889"/>
+                    <a:pt x="3228134" y="0"/>
+                  </a:lnTo>
+                  <a:lnTo>
+                    <a:pt x="3228134" y="423278"/>
                   </a:lnTo>
                   <a:close/>
                 </a:path>
@@ -3377,20 +3233,20 @@
         </p:sp>
         <p:pic>
           <p:nvPicPr>
-            <p:cNvPr id="32" name="object 32"/>
+            <p:cNvPr id="23" name="object 23"/>
             <p:cNvPicPr/>
             <p:nvPr/>
           </p:nvPicPr>
           <p:blipFill>
-            <a:blip r:embed="rId3" cstate="print"/>
+            <a:blip r:embed="rId2" cstate="print"/>
             <a:stretch>
               <a:fillRect/>
             </a:stretch>
           </p:blipFill>
           <p:spPr>
             <a:xfrm>
-              <a:off x="8975568" y="12450026"/>
-              <a:ext cx="127276" cy="127276"/>
+              <a:off x="12469740" y="10028963"/>
+              <a:ext cx="138888" cy="138888"/>
             </a:xfrm>
             <a:prstGeom prst="rect">
               <a:avLst/>
@@ -3399,14 +3255,14 @@
         </p:pic>
         <p:sp>
           <p:nvSpPr>
-            <p:cNvPr id="33" name="object 33"/>
+            <p:cNvPr id="24" name="object 24"/>
             <p:cNvSpPr/>
             <p:nvPr/>
           </p:nvSpPr>
           <p:spPr>
             <a:xfrm>
-              <a:off x="7705421" y="12725791"/>
-              <a:ext cx="2800985" cy="387985"/>
+              <a:off x="10792697" y="10329887"/>
+              <a:ext cx="3228340" cy="423545"/>
             </a:xfrm>
             <a:custGeom>
               <a:avLst/>
@@ -3415,21 +3271,21 @@
               <a:cxnLst/>
               <a:rect l="l" t="t" r="r" b="b"/>
               <a:pathLst>
-                <a:path w="2800984" h="387984">
+                <a:path w="3228340" h="423545">
                   <a:moveTo>
-                    <a:pt x="2800794" y="387889"/>
+                    <a:pt x="3228134" y="423278"/>
                   </a:moveTo>
                   <a:lnTo>
-                    <a:pt x="0" y="387889"/>
+                    <a:pt x="0" y="423278"/>
                   </a:lnTo>
                   <a:lnTo>
                     <a:pt x="0" y="0"/>
                   </a:lnTo>
                   <a:lnTo>
-                    <a:pt x="2800794" y="0"/>
-                  </a:lnTo>
-                  <a:lnTo>
-                    <a:pt x="2800794" y="387889"/>
+                    <a:pt x="3228134" y="0"/>
+                  </a:lnTo>
+                  <a:lnTo>
+                    <a:pt x="3228134" y="423278"/>
                   </a:lnTo>
                   <a:close/>
                 </a:path>
@@ -3450,21 +3306,21 @@
       </p:grpSp>
       <p:sp>
         <p:nvSpPr>
-          <p:cNvPr id="34" name="object 34"/>
+          <p:cNvPr id="25" name="object 25"/>
           <p:cNvSpPr txBox="1"/>
           <p:nvPr/>
         </p:nvSpPr>
         <p:spPr>
           <a:xfrm>
-            <a:off x="7826636" y="12400961"/>
-            <a:ext cx="2571115" cy="602615"/>
+            <a:off x="10924971" y="9976580"/>
+            <a:ext cx="2976245" cy="655320"/>
           </a:xfrm>
           <a:prstGeom prst="rect">
             <a:avLst/>
           </a:prstGeom>
         </p:spPr>
         <p:txBody>
-          <a:bodyPr vert="horz" wrap="square" lIns="0" tIns="11430" rIns="0" bIns="0" rtlCol="0">
+          <a:bodyPr vert="horz" wrap="square" lIns="0" tIns="12700" rIns="0" bIns="0" rtlCol="0">
             <a:spAutoFit/>
           </a:bodyPr>
           <a:lstStyle/>
@@ -3474,24 +3330,24 @@
                 <a:spcPct val="100000"/>
               </a:lnSpc>
               <a:spcBef>
-                <a:spcPts val="90"/>
+                <a:spcPts val="100"/>
               </a:spcBef>
               <a:tabLst>
-                <a:tab pos="1991360" algn="l"/>
+                <a:tab pos="2344420" algn="l"/>
               </a:tabLst>
             </a:pPr>
             <a:r>
-              <a:rPr sz="1250" spc="-10" dirty="0">
+              <a:rPr sz="1350" spc="-10" dirty="0">
                 <a:solidFill>
                   <a:srgbClr val="6E6E6E"/>
                 </a:solidFill>
                 <a:latin typeface="Arial Black"/>
                 <a:cs typeface="Arial Black"/>
               </a:rPr>
-              <a:t>SatisfactionID</a:t>
-            </a:r>
-            <a:r>
-              <a:rPr sz="1250" dirty="0">
+              <a:t>EducationLevelID</a:t>
+            </a:r>
+            <a:r>
+              <a:rPr sz="1350" dirty="0">
                 <a:solidFill>
                   <a:srgbClr val="6E6E6E"/>
                 </a:solidFill>
@@ -3501,7 +3357,7 @@
               <a:t>	</a:t>
             </a:r>
             <a:r>
-              <a:rPr sz="1250" spc="-55" dirty="0">
+              <a:rPr sz="1350" spc="-55" dirty="0">
                 <a:solidFill>
                   <a:srgbClr val="999999"/>
                 </a:solidFill>
@@ -3510,7 +3366,7 @@
               </a:rPr>
               <a:t>integer</a:t>
             </a:r>
-            <a:endParaRPr sz="1250">
+            <a:endParaRPr sz="1350">
               <a:latin typeface="Arial Black"/>
               <a:cs typeface="Arial Black"/>
             </a:endParaRPr>
@@ -3521,24 +3377,24 @@
                 <a:spcPct val="100000"/>
               </a:lnSpc>
               <a:spcBef>
-                <a:spcPts val="1555"/>
+                <a:spcPts val="1714"/>
               </a:spcBef>
               <a:tabLst>
-                <a:tab pos="2003425" algn="l"/>
+                <a:tab pos="2357755" algn="l"/>
               </a:tabLst>
             </a:pPr>
             <a:r>
-              <a:rPr sz="1250" spc="-10" dirty="0">
+              <a:rPr sz="1350" spc="-10" dirty="0">
                 <a:solidFill>
                   <a:srgbClr val="6E6E6E"/>
                 </a:solidFill>
                 <a:latin typeface="Lucida Sans Unicode"/>
                 <a:cs typeface="Lucida Sans Unicode"/>
               </a:rPr>
-              <a:t>SatisfactionLevel</a:t>
-            </a:r>
-            <a:r>
-              <a:rPr sz="1250" dirty="0">
+              <a:t>EducationLevel</a:t>
+            </a:r>
+            <a:r>
+              <a:rPr sz="1350" dirty="0">
                 <a:solidFill>
                   <a:srgbClr val="6E6E6E"/>
                 </a:solidFill>
@@ -3548,7 +3404,7 @@
               <a:t>	</a:t>
             </a:r>
             <a:r>
-              <a:rPr sz="1250" spc="-10" dirty="0">
+              <a:rPr sz="1350" spc="-10" dirty="0">
                 <a:solidFill>
                   <a:srgbClr val="999999"/>
                 </a:solidFill>
@@ -3557,7 +3413,7 @@
               </a:rPr>
               <a:t>varchar</a:t>
             </a:r>
-            <a:endParaRPr sz="1250">
+            <a:endParaRPr sz="1350">
               <a:latin typeface="Lucida Sans Unicode"/>
               <a:cs typeface="Lucida Sans Unicode"/>
             </a:endParaRPr>
@@ -3566,14 +3422,14 @@
       </p:sp>
       <p:sp>
         <p:nvSpPr>
-          <p:cNvPr id="35" name="object 35"/>
+          <p:cNvPr id="26" name="object 26"/>
           <p:cNvSpPr txBox="1"/>
           <p:nvPr/>
         </p:nvSpPr>
         <p:spPr>
           <a:xfrm>
-            <a:off x="7764555" y="9778145"/>
-            <a:ext cx="2378075" cy="387985"/>
+            <a:off x="12019163" y="7860520"/>
+            <a:ext cx="3056890" cy="423545"/>
           </a:xfrm>
           <a:prstGeom prst="rect">
             <a:avLst/>
@@ -3583,30 +3439,30 @@
           </a:solidFill>
         </p:spPr>
         <p:txBody>
-          <a:bodyPr vert="horz" wrap="square" lIns="0" tIns="74295" rIns="0" bIns="0" rtlCol="0">
+          <a:bodyPr vert="horz" wrap="square" lIns="0" tIns="83185" rIns="0" bIns="0" rtlCol="0">
             <a:spAutoFit/>
           </a:bodyPr>
           <a:lstStyle/>
           <a:p>
-            <a:pPr marL="120650">
+            <a:pPr marL="132080">
               <a:lnSpc>
                 <a:spcPct val="100000"/>
               </a:lnSpc>
               <a:spcBef>
-                <a:spcPts val="585"/>
+                <a:spcPts val="655"/>
               </a:spcBef>
             </a:pPr>
             <a:r>
-              <a:rPr sz="1250" spc="-10" dirty="0">
+              <a:rPr sz="1350" spc="-45" dirty="0">
                 <a:solidFill>
                   <a:srgbClr val="FFFFFF"/>
                 </a:solidFill>
                 <a:latin typeface="Arial Black"/>
                 <a:cs typeface="Arial Black"/>
               </a:rPr>
-              <a:t>Ratings</a:t>
-            </a:r>
-            <a:endParaRPr sz="1250">
+              <a:t>SatisfactionLevels</a:t>
+            </a:r>
+            <a:endParaRPr sz="1350">
               <a:latin typeface="Arial Black"/>
               <a:cs typeface="Arial Black"/>
             </a:endParaRPr>
@@ -3615,28 +3471,28 @@
       </p:sp>
       <p:grpSp>
         <p:nvGrpSpPr>
-          <p:cNvPr id="36" name="object 36"/>
+          <p:cNvPr id="27" name="object 27"/>
           <p:cNvGrpSpPr/>
           <p:nvPr/>
         </p:nvGrpSpPr>
         <p:grpSpPr>
           <a:xfrm>
-            <a:off x="7764555" y="10166034"/>
-            <a:ext cx="2378075" cy="775970"/>
-            <a:chOff x="7764555" y="10166034"/>
-            <a:chExt cx="2378075" cy="775970"/>
+            <a:off x="12019163" y="8283799"/>
+            <a:ext cx="3056890" cy="847090"/>
+            <a:chOff x="12019163" y="8283799"/>
+            <a:chExt cx="3056890" cy="847090"/>
           </a:xfrm>
         </p:grpSpPr>
         <p:sp>
           <p:nvSpPr>
-            <p:cNvPr id="37" name="object 37"/>
+            <p:cNvPr id="28" name="object 28"/>
             <p:cNvSpPr/>
             <p:nvPr/>
           </p:nvSpPr>
           <p:spPr>
             <a:xfrm>
-              <a:off x="7764555" y="10166034"/>
-              <a:ext cx="2378075" cy="387985"/>
+              <a:off x="12019163" y="8283799"/>
+              <a:ext cx="3056890" cy="423545"/>
             </a:xfrm>
             <a:custGeom>
               <a:avLst/>
@@ -3645,21 +3501,21 @@
               <a:cxnLst/>
               <a:rect l="l" t="t" r="r" b="b"/>
               <a:pathLst>
-                <a:path w="2378075" h="387984">
+                <a:path w="3056890" h="423545">
                   <a:moveTo>
-                    <a:pt x="2377452" y="387889"/>
+                    <a:pt x="3056320" y="423278"/>
                   </a:moveTo>
                   <a:lnTo>
-                    <a:pt x="0" y="387889"/>
+                    <a:pt x="0" y="423278"/>
                   </a:lnTo>
                   <a:lnTo>
                     <a:pt x="0" y="0"/>
                   </a:lnTo>
                   <a:lnTo>
-                    <a:pt x="2377452" y="0"/>
-                  </a:lnTo>
-                  <a:lnTo>
-                    <a:pt x="2377452" y="387889"/>
+                    <a:pt x="3056320" y="0"/>
+                  </a:lnTo>
+                  <a:lnTo>
+                    <a:pt x="3056320" y="423278"/>
                   </a:lnTo>
                   <a:close/>
                 </a:path>
@@ -3679,20 +3535,20 @@
         </p:sp>
         <p:pic>
           <p:nvPicPr>
-            <p:cNvPr id="38" name="object 38"/>
+            <p:cNvPr id="29" name="object 29"/>
             <p:cNvPicPr/>
             <p:nvPr/>
           </p:nvPicPr>
           <p:blipFill>
-            <a:blip r:embed="rId4" cstate="print"/>
+            <a:blip r:embed="rId2" cstate="print"/>
             <a:stretch>
               <a:fillRect/>
             </a:stretch>
           </p:blipFill>
           <p:spPr>
             <a:xfrm>
-              <a:off x="8611359" y="10278158"/>
-              <a:ext cx="127276" cy="127276"/>
+              <a:off x="13405189" y="8406152"/>
+              <a:ext cx="138888" cy="138888"/>
             </a:xfrm>
             <a:prstGeom prst="rect">
               <a:avLst/>
@@ -3701,14 +3557,14 @@
         </p:pic>
         <p:sp>
           <p:nvSpPr>
-            <p:cNvPr id="39" name="object 39"/>
+            <p:cNvPr id="30" name="object 30"/>
             <p:cNvSpPr/>
             <p:nvPr/>
           </p:nvSpPr>
           <p:spPr>
             <a:xfrm>
-              <a:off x="7764555" y="10553924"/>
-              <a:ext cx="2378075" cy="387985"/>
+              <a:off x="12019163" y="8707077"/>
+              <a:ext cx="3056890" cy="423545"/>
             </a:xfrm>
             <a:custGeom>
               <a:avLst/>
@@ -3717,21 +3573,21 @@
               <a:cxnLst/>
               <a:rect l="l" t="t" r="r" b="b"/>
               <a:pathLst>
-                <a:path w="2378075" h="387984">
+                <a:path w="3056890" h="423545">
                   <a:moveTo>
-                    <a:pt x="2377452" y="387889"/>
+                    <a:pt x="3056320" y="423278"/>
                   </a:moveTo>
                   <a:lnTo>
-                    <a:pt x="0" y="387889"/>
+                    <a:pt x="0" y="423278"/>
                   </a:lnTo>
                   <a:lnTo>
                     <a:pt x="0" y="0"/>
                   </a:lnTo>
                   <a:lnTo>
-                    <a:pt x="2377452" y="0"/>
-                  </a:lnTo>
-                  <a:lnTo>
-                    <a:pt x="2377452" y="387889"/>
+                    <a:pt x="3056320" y="0"/>
+                  </a:lnTo>
+                  <a:lnTo>
+                    <a:pt x="3056320" y="423278"/>
                   </a:lnTo>
                   <a:close/>
                 </a:path>
@@ -3752,21 +3608,21 @@
       </p:grpSp>
       <p:sp>
         <p:nvSpPr>
-          <p:cNvPr id="40" name="object 40"/>
+          <p:cNvPr id="31" name="object 31"/>
           <p:cNvSpPr txBox="1"/>
           <p:nvPr/>
         </p:nvSpPr>
         <p:spPr>
           <a:xfrm>
-            <a:off x="7885771" y="10229094"/>
-            <a:ext cx="2148205" cy="602615"/>
+            <a:off x="12151437" y="8353769"/>
+            <a:ext cx="2804795" cy="655320"/>
           </a:xfrm>
           <a:prstGeom prst="rect">
             <a:avLst/>
           </a:prstGeom>
         </p:spPr>
         <p:txBody>
-          <a:bodyPr vert="horz" wrap="square" lIns="0" tIns="11430" rIns="0" bIns="0" rtlCol="0">
+          <a:bodyPr vert="horz" wrap="square" lIns="0" tIns="12700" rIns="0" bIns="0" rtlCol="0">
             <a:spAutoFit/>
           </a:bodyPr>
           <a:lstStyle/>
@@ -3776,24 +3632,24 @@
                 <a:spcPct val="100000"/>
               </a:lnSpc>
               <a:spcBef>
-                <a:spcPts val="90"/>
+                <a:spcPts val="100"/>
               </a:spcBef>
               <a:tabLst>
-                <a:tab pos="1567815" algn="l"/>
+                <a:tab pos="2172970" algn="l"/>
               </a:tabLst>
             </a:pPr>
             <a:r>
-              <a:rPr sz="1250" spc="-10" dirty="0">
+              <a:rPr sz="1350" spc="-10" dirty="0">
                 <a:solidFill>
                   <a:srgbClr val="6E6E6E"/>
                 </a:solidFill>
                 <a:latin typeface="Arial Black"/>
                 <a:cs typeface="Arial Black"/>
               </a:rPr>
-              <a:t>RatingID</a:t>
-            </a:r>
-            <a:r>
-              <a:rPr sz="1250" dirty="0">
+              <a:t>SatisfactionID</a:t>
+            </a:r>
+            <a:r>
+              <a:rPr sz="1350" dirty="0">
                 <a:solidFill>
                   <a:srgbClr val="6E6E6E"/>
                 </a:solidFill>
@@ -3803,7 +3659,7 @@
               <a:t>	</a:t>
             </a:r>
             <a:r>
-              <a:rPr sz="1250" spc="-55" dirty="0">
+              <a:rPr sz="1350" spc="-55" dirty="0">
                 <a:solidFill>
                   <a:srgbClr val="999999"/>
                 </a:solidFill>
@@ -3812,7 +3668,7 @@
               </a:rPr>
               <a:t>integer</a:t>
             </a:r>
-            <a:endParaRPr sz="1250">
+            <a:endParaRPr sz="1350">
               <a:latin typeface="Arial Black"/>
               <a:cs typeface="Arial Black"/>
             </a:endParaRPr>
@@ -3823,24 +3679,24 @@
                 <a:spcPct val="100000"/>
               </a:lnSpc>
               <a:spcBef>
-                <a:spcPts val="1555"/>
+                <a:spcPts val="1714"/>
               </a:spcBef>
               <a:tabLst>
-                <a:tab pos="1579880" algn="l"/>
+                <a:tab pos="2186305" algn="l"/>
               </a:tabLst>
             </a:pPr>
             <a:r>
-              <a:rPr sz="1250" spc="-10" dirty="0">
+              <a:rPr sz="1350" spc="-10" dirty="0">
                 <a:solidFill>
                   <a:srgbClr val="6E6E6E"/>
                 </a:solidFill>
                 <a:latin typeface="Lucida Sans Unicode"/>
                 <a:cs typeface="Lucida Sans Unicode"/>
               </a:rPr>
-              <a:t>RatingLevel</a:t>
-            </a:r>
-            <a:r>
-              <a:rPr sz="1250" dirty="0">
+              <a:t>SatisfactionLevel</a:t>
+            </a:r>
+            <a:r>
+              <a:rPr sz="1350" dirty="0">
                 <a:solidFill>
                   <a:srgbClr val="6E6E6E"/>
                 </a:solidFill>
@@ -3850,7 +3706,7 @@
               <a:t>	</a:t>
             </a:r>
             <a:r>
-              <a:rPr sz="1250" spc="-10" dirty="0">
+              <a:rPr sz="1350" spc="-10" dirty="0">
                 <a:solidFill>
                   <a:srgbClr val="999999"/>
                 </a:solidFill>
@@ -3859,7 +3715,7 @@
               </a:rPr>
               <a:t>varchar</a:t>
             </a:r>
-            <a:endParaRPr sz="1250">
+            <a:endParaRPr sz="1350">
               <a:latin typeface="Lucida Sans Unicode"/>
               <a:cs typeface="Lucida Sans Unicode"/>
             </a:endParaRPr>
@@ -3868,14 +3724,14 @@
       </p:sp>
       <p:sp>
         <p:nvSpPr>
-          <p:cNvPr id="41" name="object 41"/>
+          <p:cNvPr id="32" name="object 32"/>
           <p:cNvSpPr txBox="1"/>
           <p:nvPr/>
         </p:nvSpPr>
         <p:spPr>
           <a:xfrm>
-            <a:off x="6200214" y="4788107"/>
-            <a:ext cx="4053840" cy="387985"/>
+            <a:off x="10385729" y="6163178"/>
+            <a:ext cx="2594610" cy="423545"/>
           </a:xfrm>
           <a:prstGeom prst="rect">
             <a:avLst/>
@@ -3885,30 +3741,30 @@
           </a:solidFill>
         </p:spPr>
         <p:txBody>
-          <a:bodyPr vert="horz" wrap="square" lIns="0" tIns="74295" rIns="0" bIns="0" rtlCol="0">
+          <a:bodyPr vert="horz" wrap="square" lIns="0" tIns="83185" rIns="0" bIns="0" rtlCol="0">
             <a:spAutoFit/>
           </a:bodyPr>
           <a:lstStyle/>
           <a:p>
-            <a:pPr marL="120650">
+            <a:pPr marL="132080">
               <a:lnSpc>
                 <a:spcPct val="100000"/>
               </a:lnSpc>
               <a:spcBef>
-                <a:spcPts val="585"/>
+                <a:spcPts val="655"/>
               </a:spcBef>
             </a:pPr>
             <a:r>
-              <a:rPr sz="1250" spc="-40" dirty="0">
+              <a:rPr sz="1350" spc="-20" dirty="0">
                 <a:solidFill>
                   <a:srgbClr val="FFFFFF"/>
                 </a:solidFill>
                 <a:latin typeface="Arial Black"/>
                 <a:cs typeface="Arial Black"/>
               </a:rPr>
-              <a:t>PerformanceReviews</a:t>
-            </a:r>
-            <a:endParaRPr sz="1250">
+              <a:t>RatingLevels</a:t>
+            </a:r>
+            <a:endParaRPr sz="1350">
               <a:latin typeface="Arial Black"/>
               <a:cs typeface="Arial Black"/>
             </a:endParaRPr>
@@ -3917,28 +3773,28 @@
       </p:sp>
       <p:grpSp>
         <p:nvGrpSpPr>
-          <p:cNvPr id="42" name="object 42"/>
+          <p:cNvPr id="33" name="object 33"/>
           <p:cNvGrpSpPr/>
           <p:nvPr/>
         </p:nvGrpSpPr>
         <p:grpSpPr>
           <a:xfrm>
-            <a:off x="6200214" y="5175997"/>
-            <a:ext cx="4053840" cy="1163955"/>
-            <a:chOff x="6200214" y="5175997"/>
-            <a:chExt cx="4053840" cy="1163955"/>
+            <a:off x="10385729" y="6586456"/>
+            <a:ext cx="2594610" cy="847090"/>
+            <a:chOff x="10385729" y="6586456"/>
+            <a:chExt cx="2594610" cy="847090"/>
           </a:xfrm>
         </p:grpSpPr>
         <p:sp>
           <p:nvSpPr>
-            <p:cNvPr id="43" name="object 43"/>
+            <p:cNvPr id="34" name="object 34"/>
             <p:cNvSpPr/>
             <p:nvPr/>
           </p:nvSpPr>
           <p:spPr>
             <a:xfrm>
-              <a:off x="6200214" y="5175997"/>
-              <a:ext cx="4053840" cy="387985"/>
+              <a:off x="10385729" y="6586456"/>
+              <a:ext cx="2594610" cy="423545"/>
             </a:xfrm>
             <a:custGeom>
               <a:avLst/>
@@ -3947,21 +3803,323 @@
               <a:cxnLst/>
               <a:rect l="l" t="t" r="r" b="b"/>
               <a:pathLst>
-                <a:path w="4053840" h="387985">
+                <a:path w="2594609" h="423545">
                   <a:moveTo>
-                    <a:pt x="4053434" y="387889"/>
+                    <a:pt x="2594354" y="423278"/>
                   </a:moveTo>
                   <a:lnTo>
-                    <a:pt x="0" y="387889"/>
+                    <a:pt x="0" y="423278"/>
                   </a:lnTo>
                   <a:lnTo>
                     <a:pt x="0" y="0"/>
                   </a:lnTo>
                   <a:lnTo>
-                    <a:pt x="4053434" y="0"/>
-                  </a:lnTo>
-                  <a:lnTo>
-                    <a:pt x="4053434" y="387889"/>
+                    <a:pt x="2594354" y="0"/>
+                  </a:lnTo>
+                  <a:lnTo>
+                    <a:pt x="2594354" y="423278"/>
+                  </a:lnTo>
+                  <a:close/>
+                </a:path>
+              </a:pathLst>
+            </a:custGeom>
+            <a:solidFill>
+              <a:srgbClr val="DDEDF2"/>
+            </a:solidFill>
+          </p:spPr>
+          <p:txBody>
+            <a:bodyPr wrap="square" lIns="0" tIns="0" rIns="0" bIns="0" rtlCol="0"/>
+            <a:lstStyle/>
+            <a:p>
+              <a:endParaRPr/>
+            </a:p>
+          </p:txBody>
+        </p:sp>
+        <p:pic>
+          <p:nvPicPr>
+            <p:cNvPr id="35" name="object 35"/>
+            <p:cNvPicPr/>
+            <p:nvPr/>
+          </p:nvPicPr>
+          <p:blipFill>
+            <a:blip r:embed="rId3" cstate="print"/>
+            <a:stretch>
+              <a:fillRect/>
+            </a:stretch>
+          </p:blipFill>
+          <p:spPr>
+            <a:xfrm>
+              <a:off x="11309790" y="6708810"/>
+              <a:ext cx="138888" cy="138888"/>
+            </a:xfrm>
+            <a:prstGeom prst="rect">
+              <a:avLst/>
+            </a:prstGeom>
+          </p:spPr>
+        </p:pic>
+        <p:sp>
+          <p:nvSpPr>
+            <p:cNvPr id="36" name="object 36"/>
+            <p:cNvSpPr/>
+            <p:nvPr/>
+          </p:nvSpPr>
+          <p:spPr>
+            <a:xfrm>
+              <a:off x="10385729" y="7009734"/>
+              <a:ext cx="2594610" cy="423545"/>
+            </a:xfrm>
+            <a:custGeom>
+              <a:avLst/>
+              <a:gdLst/>
+              <a:ahLst/>
+              <a:cxnLst/>
+              <a:rect l="l" t="t" r="r" b="b"/>
+              <a:pathLst>
+                <a:path w="2594609" h="423545">
+                  <a:moveTo>
+                    <a:pt x="2594354" y="423278"/>
+                  </a:moveTo>
+                  <a:lnTo>
+                    <a:pt x="0" y="423278"/>
+                  </a:lnTo>
+                  <a:lnTo>
+                    <a:pt x="0" y="0"/>
+                  </a:lnTo>
+                  <a:lnTo>
+                    <a:pt x="2594354" y="0"/>
+                  </a:lnTo>
+                  <a:lnTo>
+                    <a:pt x="2594354" y="423278"/>
+                  </a:lnTo>
+                  <a:close/>
+                </a:path>
+              </a:pathLst>
+            </a:custGeom>
+            <a:solidFill>
+              <a:srgbClr val="F2F2F2"/>
+            </a:solidFill>
+          </p:spPr>
+          <p:txBody>
+            <a:bodyPr wrap="square" lIns="0" tIns="0" rIns="0" bIns="0" rtlCol="0"/>
+            <a:lstStyle/>
+            <a:p>
+              <a:endParaRPr/>
+            </a:p>
+          </p:txBody>
+        </p:sp>
+      </p:grpSp>
+      <p:sp>
+        <p:nvSpPr>
+          <p:cNvPr id="37" name="object 37"/>
+          <p:cNvSpPr txBox="1"/>
+          <p:nvPr/>
+        </p:nvSpPr>
+        <p:spPr>
+          <a:xfrm>
+            <a:off x="10518004" y="6656428"/>
+            <a:ext cx="2342515" cy="655320"/>
+          </a:xfrm>
+          <a:prstGeom prst="rect">
+            <a:avLst/>
+          </a:prstGeom>
+        </p:spPr>
+        <p:txBody>
+          <a:bodyPr vert="horz" wrap="square" lIns="0" tIns="12700" rIns="0" bIns="0" rtlCol="0">
+            <a:spAutoFit/>
+          </a:bodyPr>
+          <a:lstStyle/>
+          <a:p>
+            <a:pPr>
+              <a:lnSpc>
+                <a:spcPct val="100000"/>
+              </a:lnSpc>
+              <a:spcBef>
+                <a:spcPts val="100"/>
+              </a:spcBef>
+              <a:tabLst>
+                <a:tab pos="1710689" algn="l"/>
+              </a:tabLst>
+            </a:pPr>
+            <a:r>
+              <a:rPr sz="1350" spc="-10" dirty="0">
+                <a:solidFill>
+                  <a:srgbClr val="6E6E6E"/>
+                </a:solidFill>
+                <a:latin typeface="Arial Black"/>
+                <a:cs typeface="Arial Black"/>
+              </a:rPr>
+              <a:t>RatingID</a:t>
+            </a:r>
+            <a:r>
+              <a:rPr sz="1350" dirty="0">
+                <a:solidFill>
+                  <a:srgbClr val="6E6E6E"/>
+                </a:solidFill>
+                <a:latin typeface="Arial Black"/>
+                <a:cs typeface="Arial Black"/>
+              </a:rPr>
+              <a:t>	</a:t>
+            </a:r>
+            <a:r>
+              <a:rPr sz="1350" spc="-55" dirty="0">
+                <a:solidFill>
+                  <a:srgbClr val="999999"/>
+                </a:solidFill>
+                <a:latin typeface="Arial Black"/>
+                <a:cs typeface="Arial Black"/>
+              </a:rPr>
+              <a:t>integer</a:t>
+            </a:r>
+            <a:endParaRPr sz="1350">
+              <a:latin typeface="Arial Black"/>
+              <a:cs typeface="Arial Black"/>
+            </a:endParaRPr>
+          </a:p>
+          <a:p>
+            <a:pPr>
+              <a:lnSpc>
+                <a:spcPct val="100000"/>
+              </a:lnSpc>
+              <a:spcBef>
+                <a:spcPts val="1714"/>
+              </a:spcBef>
+              <a:tabLst>
+                <a:tab pos="1724025" algn="l"/>
+              </a:tabLst>
+            </a:pPr>
+            <a:r>
+              <a:rPr sz="1350" spc="-10" dirty="0">
+                <a:solidFill>
+                  <a:srgbClr val="6E6E6E"/>
+                </a:solidFill>
+                <a:latin typeface="Lucida Sans Unicode"/>
+                <a:cs typeface="Lucida Sans Unicode"/>
+              </a:rPr>
+              <a:t>RatingLevel</a:t>
+            </a:r>
+            <a:r>
+              <a:rPr sz="1350" dirty="0">
+                <a:solidFill>
+                  <a:srgbClr val="6E6E6E"/>
+                </a:solidFill>
+                <a:latin typeface="Lucida Sans Unicode"/>
+                <a:cs typeface="Lucida Sans Unicode"/>
+              </a:rPr>
+              <a:t>	</a:t>
+            </a:r>
+            <a:r>
+              <a:rPr sz="1350" spc="-10" dirty="0">
+                <a:solidFill>
+                  <a:srgbClr val="999999"/>
+                </a:solidFill>
+                <a:latin typeface="Lucida Sans Unicode"/>
+                <a:cs typeface="Lucida Sans Unicode"/>
+              </a:rPr>
+              <a:t>varchar</a:t>
+            </a:r>
+            <a:endParaRPr sz="1350">
+              <a:latin typeface="Lucida Sans Unicode"/>
+              <a:cs typeface="Lucida Sans Unicode"/>
+            </a:endParaRPr>
+          </a:p>
+        </p:txBody>
+      </p:sp>
+      <p:sp>
+        <p:nvSpPr>
+          <p:cNvPr id="38" name="object 38"/>
+          <p:cNvSpPr txBox="1"/>
+          <p:nvPr/>
+        </p:nvSpPr>
+        <p:spPr>
+          <a:xfrm>
+            <a:off x="10346047" y="739930"/>
+            <a:ext cx="4423410" cy="423545"/>
+          </a:xfrm>
+          <a:prstGeom prst="rect">
+            <a:avLst/>
+          </a:prstGeom>
+          <a:solidFill>
+            <a:srgbClr val="306896"/>
+          </a:solidFill>
+        </p:spPr>
+        <p:txBody>
+          <a:bodyPr vert="horz" wrap="square" lIns="0" tIns="83185" rIns="0" bIns="0" rtlCol="0">
+            <a:spAutoFit/>
+          </a:bodyPr>
+          <a:lstStyle/>
+          <a:p>
+            <a:pPr marL="132080">
+              <a:lnSpc>
+                <a:spcPct val="100000"/>
+              </a:lnSpc>
+              <a:spcBef>
+                <a:spcPts val="655"/>
+              </a:spcBef>
+            </a:pPr>
+            <a:r>
+              <a:rPr sz="1350" spc="-20" dirty="0">
+                <a:solidFill>
+                  <a:srgbClr val="FFFFFF"/>
+                </a:solidFill>
+                <a:latin typeface="Arial Black"/>
+                <a:cs typeface="Arial Black"/>
+              </a:rPr>
+              <a:t>PerformanceRating</a:t>
+            </a:r>
+            <a:endParaRPr sz="1350">
+              <a:latin typeface="Arial Black"/>
+              <a:cs typeface="Arial Black"/>
+            </a:endParaRPr>
+          </a:p>
+        </p:txBody>
+      </p:sp>
+      <p:grpSp>
+        <p:nvGrpSpPr>
+          <p:cNvPr id="39" name="object 39"/>
+          <p:cNvGrpSpPr/>
+          <p:nvPr/>
+        </p:nvGrpSpPr>
+        <p:grpSpPr>
+          <a:xfrm>
+            <a:off x="10346047" y="1163208"/>
+            <a:ext cx="4423410" cy="1270000"/>
+            <a:chOff x="10346047" y="1163208"/>
+            <a:chExt cx="4423410" cy="1270000"/>
+          </a:xfrm>
+        </p:grpSpPr>
+        <p:sp>
+          <p:nvSpPr>
+            <p:cNvPr id="40" name="object 40"/>
+            <p:cNvSpPr/>
+            <p:nvPr/>
+          </p:nvSpPr>
+          <p:spPr>
+            <a:xfrm>
+              <a:off x="10346047" y="1163208"/>
+              <a:ext cx="4423410" cy="423545"/>
+            </a:xfrm>
+            <a:custGeom>
+              <a:avLst/>
+              <a:gdLst/>
+              <a:ahLst/>
+              <a:cxnLst/>
+              <a:rect l="l" t="t" r="r" b="b"/>
+              <a:pathLst>
+                <a:path w="4423409" h="423544">
+                  <a:moveTo>
+                    <a:pt x="4423241" y="423278"/>
+                  </a:moveTo>
+                  <a:lnTo>
+                    <a:pt x="0" y="423278"/>
+                  </a:lnTo>
+                  <a:lnTo>
+                    <a:pt x="0" y="0"/>
+                  </a:lnTo>
+                  <a:lnTo>
+                    <a:pt x="4423241" y="0"/>
+                  </a:lnTo>
+                  <a:lnTo>
+                    <a:pt x="4423241" y="423278"/>
                   </a:lnTo>
                   <a:close/>
                 </a:path>
@@ -3981,7 +4139,7 @@
         </p:sp>
         <p:pic>
           <p:nvPicPr>
-            <p:cNvPr id="44" name="object 44"/>
+            <p:cNvPr id="41" name="object 41"/>
             <p:cNvPicPr/>
             <p:nvPr/>
           </p:nvPicPr>
@@ -3993,8 +4151,8 @@
           </p:blipFill>
           <p:spPr>
             <a:xfrm>
-              <a:off x="7560077" y="5288121"/>
-              <a:ext cx="127276" cy="127276"/>
+              <a:off x="11829975" y="1285562"/>
+              <a:ext cx="138888" cy="138888"/>
             </a:xfrm>
             <a:prstGeom prst="rect">
               <a:avLst/>
@@ -4003,14 +4161,14 @@
         </p:pic>
         <p:sp>
           <p:nvSpPr>
-            <p:cNvPr id="45" name="object 45"/>
+            <p:cNvPr id="42" name="object 42"/>
             <p:cNvSpPr/>
             <p:nvPr/>
           </p:nvSpPr>
           <p:spPr>
             <a:xfrm>
-              <a:off x="6200214" y="5563886"/>
-              <a:ext cx="4053840" cy="387985"/>
+              <a:off x="10346047" y="1586486"/>
+              <a:ext cx="4423410" cy="423545"/>
             </a:xfrm>
             <a:custGeom>
               <a:avLst/>
@@ -4019,21 +4177,21 @@
               <a:cxnLst/>
               <a:rect l="l" t="t" r="r" b="b"/>
               <a:pathLst>
-                <a:path w="4053840" h="387985">
+                <a:path w="4423409" h="423544">
                   <a:moveTo>
-                    <a:pt x="4053434" y="387889"/>
+                    <a:pt x="4423241" y="423278"/>
                   </a:moveTo>
                   <a:lnTo>
-                    <a:pt x="0" y="387889"/>
+                    <a:pt x="0" y="423278"/>
                   </a:lnTo>
                   <a:lnTo>
                     <a:pt x="0" y="0"/>
                   </a:lnTo>
                   <a:lnTo>
-                    <a:pt x="4053434" y="0"/>
-                  </a:lnTo>
-                  <a:lnTo>
-                    <a:pt x="4053434" y="387889"/>
+                    <a:pt x="4423241" y="0"/>
+                  </a:lnTo>
+                  <a:lnTo>
+                    <a:pt x="4423241" y="423278"/>
                   </a:lnTo>
                   <a:close/>
                 </a:path>
@@ -4053,14 +4211,14 @@
         </p:sp>
         <p:sp>
           <p:nvSpPr>
-            <p:cNvPr id="46" name="object 46"/>
+            <p:cNvPr id="43" name="object 43"/>
             <p:cNvSpPr/>
             <p:nvPr/>
           </p:nvSpPr>
           <p:spPr>
             <a:xfrm>
-              <a:off x="6200214" y="5951776"/>
-              <a:ext cx="4053840" cy="387985"/>
+              <a:off x="10346047" y="2009764"/>
+              <a:ext cx="4423410" cy="423545"/>
             </a:xfrm>
             <a:custGeom>
               <a:avLst/>
@@ -4069,21 +4227,21 @@
               <a:cxnLst/>
               <a:rect l="l" t="t" r="r" b="b"/>
               <a:pathLst>
-                <a:path w="4053840" h="387985">
+                <a:path w="4423409" h="423544">
                   <a:moveTo>
-                    <a:pt x="4053434" y="387889"/>
+                    <a:pt x="4423241" y="423278"/>
                   </a:moveTo>
                   <a:lnTo>
-                    <a:pt x="0" y="387889"/>
+                    <a:pt x="0" y="423278"/>
                   </a:lnTo>
                   <a:lnTo>
                     <a:pt x="0" y="0"/>
                   </a:lnTo>
                   <a:lnTo>
-                    <a:pt x="4053434" y="0"/>
-                  </a:lnTo>
-                  <a:lnTo>
-                    <a:pt x="4053434" y="387889"/>
+                    <a:pt x="4423241" y="0"/>
+                  </a:lnTo>
+                  <a:lnTo>
+                    <a:pt x="4423241" y="423278"/>
                   </a:lnTo>
                   <a:close/>
                 </a:path>
@@ -4104,21 +4262,21 @@
       </p:grpSp>
       <p:sp>
         <p:nvSpPr>
-          <p:cNvPr id="47" name="object 47"/>
+          <p:cNvPr id="44" name="object 44"/>
           <p:cNvSpPr txBox="1"/>
           <p:nvPr/>
         </p:nvSpPr>
         <p:spPr>
           <a:xfrm>
-            <a:off x="6321430" y="5239056"/>
-            <a:ext cx="3823970" cy="990600"/>
+            <a:off x="10478321" y="1233179"/>
+            <a:ext cx="4171315" cy="1078865"/>
           </a:xfrm>
           <a:prstGeom prst="rect">
             <a:avLst/>
           </a:prstGeom>
         </p:spPr>
         <p:txBody>
-          <a:bodyPr vert="horz" wrap="square" lIns="0" tIns="11430" rIns="0" bIns="0" rtlCol="0">
+          <a:bodyPr vert="horz" wrap="square" lIns="0" tIns="12700" rIns="0" bIns="0" rtlCol="0">
             <a:spAutoFit/>
           </a:bodyPr>
           <a:lstStyle/>
@@ -4128,14 +4286,14 @@
                 <a:spcPct val="100000"/>
               </a:lnSpc>
               <a:spcBef>
-                <a:spcPts val="90"/>
+                <a:spcPts val="100"/>
               </a:spcBef>
               <a:tabLst>
-                <a:tab pos="3202940" algn="l"/>
+                <a:tab pos="3495040" algn="l"/>
               </a:tabLst>
             </a:pPr>
             <a:r>
-              <a:rPr sz="1250" spc="-10" dirty="0">
+              <a:rPr sz="1350" spc="-10" dirty="0">
                 <a:solidFill>
                   <a:srgbClr val="6E6E6E"/>
                 </a:solidFill>
@@ -4145,7 +4303,7 @@
               <a:t>PerformanceID</a:t>
             </a:r>
             <a:r>
-              <a:rPr sz="1250" dirty="0">
+              <a:rPr sz="1350" dirty="0">
                 <a:solidFill>
                   <a:srgbClr val="6E6E6E"/>
                 </a:solidFill>
@@ -4155,7 +4313,7 @@
               <a:t>	</a:t>
             </a:r>
             <a:r>
-              <a:rPr sz="1250" spc="-60" dirty="0">
+              <a:rPr sz="1350" spc="-50" dirty="0">
                 <a:solidFill>
                   <a:srgbClr val="999999"/>
                 </a:solidFill>
@@ -4164,7 +4322,7 @@
               </a:rPr>
               <a:t>varchar</a:t>
             </a:r>
-            <a:endParaRPr sz="1250">
+            <a:endParaRPr sz="1350">
               <a:latin typeface="Arial Black"/>
               <a:cs typeface="Arial Black"/>
             </a:endParaRPr>
@@ -4175,14 +4333,14 @@
                 <a:spcPct val="100000"/>
               </a:lnSpc>
               <a:spcBef>
-                <a:spcPts val="1555"/>
+                <a:spcPts val="1714"/>
               </a:spcBef>
               <a:tabLst>
-                <a:tab pos="3255645" algn="l"/>
+                <a:tab pos="3552825" algn="l"/>
               </a:tabLst>
             </a:pPr>
             <a:r>
-              <a:rPr sz="1250" spc="-10" dirty="0">
+              <a:rPr sz="1350" spc="-10" dirty="0">
                 <a:solidFill>
                   <a:srgbClr val="6E6E6E"/>
                 </a:solidFill>
@@ -4192,7 +4350,7 @@
               <a:t>EmployeeID</a:t>
             </a:r>
             <a:r>
-              <a:rPr sz="1250" dirty="0">
+              <a:rPr sz="1350" dirty="0">
                 <a:solidFill>
                   <a:srgbClr val="6E6E6E"/>
                 </a:solidFill>
@@ -4202,7 +4360,7 @@
               <a:t>	</a:t>
             </a:r>
             <a:r>
-              <a:rPr sz="1250" spc="-10" dirty="0">
+              <a:rPr sz="1350" spc="-10" dirty="0">
                 <a:solidFill>
                   <a:srgbClr val="999999"/>
                 </a:solidFill>
@@ -4211,7 +4369,7 @@
               </a:rPr>
               <a:t>varchar</a:t>
             </a:r>
-            <a:endParaRPr sz="1250">
+            <a:endParaRPr sz="1350">
               <a:latin typeface="Lucida Sans Unicode"/>
               <a:cs typeface="Lucida Sans Unicode"/>
             </a:endParaRPr>
@@ -4222,14 +4380,14 @@
                 <a:spcPct val="100000"/>
               </a:lnSpc>
               <a:spcBef>
-                <a:spcPts val="1555"/>
+                <a:spcPts val="1715"/>
               </a:spcBef>
               <a:tabLst>
-                <a:tab pos="3481704" algn="l"/>
+                <a:tab pos="3439160" algn="l"/>
               </a:tabLst>
             </a:pPr>
             <a:r>
-              <a:rPr sz="1250" spc="-10" dirty="0">
+              <a:rPr sz="1350" spc="-10" dirty="0">
                 <a:solidFill>
                   <a:srgbClr val="6E6E6E"/>
                 </a:solidFill>
@@ -4239,7 +4397,7 @@
               <a:t>ReviewDate</a:t>
             </a:r>
             <a:r>
-              <a:rPr sz="1250" dirty="0">
+              <a:rPr sz="1350" dirty="0">
                 <a:solidFill>
                   <a:srgbClr val="6E6E6E"/>
                 </a:solidFill>
@@ -4249,16 +4407,16 @@
               <a:t>	</a:t>
             </a:r>
             <a:r>
-              <a:rPr sz="1250" spc="-20" dirty="0">
+              <a:rPr sz="1350" spc="-10" dirty="0">
                 <a:solidFill>
                   <a:srgbClr val="999999"/>
                 </a:solidFill>
                 <a:latin typeface="Lucida Sans Unicode"/>
                 <a:cs typeface="Lucida Sans Unicode"/>
               </a:rPr>
-              <a:t>date</a:t>
-            </a:r>
-            <a:endParaRPr sz="1250">
+              <a:t>datetime</a:t>
+            </a:r>
+            <a:endParaRPr sz="1350">
               <a:latin typeface="Lucida Sans Unicode"/>
               <a:cs typeface="Lucida Sans Unicode"/>
             </a:endParaRPr>
@@ -4267,14 +4425,14 @@
       </p:sp>
       <p:sp>
         <p:nvSpPr>
-          <p:cNvPr id="48" name="object 48"/>
+          <p:cNvPr id="45" name="object 45"/>
           <p:cNvSpPr/>
           <p:nvPr/>
         </p:nvSpPr>
         <p:spPr>
           <a:xfrm>
-            <a:off x="6200203" y="6339674"/>
-            <a:ext cx="4053840" cy="1163955"/>
+            <a:off x="10346042" y="2433046"/>
+            <a:ext cx="4423410" cy="1270000"/>
           </a:xfrm>
           <a:custGeom>
             <a:avLst/>
@@ -4283,33 +4441,33 @@
             <a:cxnLst/>
             <a:rect l="l" t="t" r="r" b="b"/>
             <a:pathLst>
-              <a:path w="4053840" h="1163954">
+              <a:path w="4423409" h="1270000">
                 <a:moveTo>
-                  <a:pt x="4053433" y="0"/>
+                  <a:pt x="4423245" y="0"/>
                 </a:moveTo>
                 <a:lnTo>
                   <a:pt x="0" y="0"/>
                 </a:lnTo>
                 <a:lnTo>
-                  <a:pt x="0" y="387883"/>
-                </a:lnTo>
-                <a:lnTo>
-                  <a:pt x="0" y="775779"/>
-                </a:lnTo>
-                <a:lnTo>
-                  <a:pt x="0" y="1163662"/>
-                </a:lnTo>
-                <a:lnTo>
-                  <a:pt x="4053433" y="1163662"/>
-                </a:lnTo>
-                <a:lnTo>
-                  <a:pt x="4053433" y="775779"/>
-                </a:lnTo>
-                <a:lnTo>
-                  <a:pt x="4053433" y="387883"/>
-                </a:lnTo>
-                <a:lnTo>
-                  <a:pt x="4053433" y="0"/>
+                  <a:pt x="0" y="423278"/>
+                </a:lnTo>
+                <a:lnTo>
+                  <a:pt x="0" y="846556"/>
+                </a:lnTo>
+                <a:lnTo>
+                  <a:pt x="0" y="1269834"/>
+                </a:lnTo>
+                <a:lnTo>
+                  <a:pt x="4423245" y="1269834"/>
+                </a:lnTo>
+                <a:lnTo>
+                  <a:pt x="4423245" y="846556"/>
+                </a:lnTo>
+                <a:lnTo>
+                  <a:pt x="4423245" y="423278"/>
+                </a:lnTo>
+                <a:lnTo>
+                  <a:pt x="4423245" y="0"/>
                 </a:lnTo>
                 <a:close/>
               </a:path>
@@ -4329,21 +4487,21 @@
       </p:sp>
       <p:sp>
         <p:nvSpPr>
-          <p:cNvPr id="49" name="object 49"/>
+          <p:cNvPr id="46" name="object 46"/>
           <p:cNvSpPr txBox="1"/>
           <p:nvPr/>
         </p:nvSpPr>
         <p:spPr>
           <a:xfrm>
-            <a:off x="6321430" y="6402726"/>
-            <a:ext cx="1805939" cy="990600"/>
+            <a:off x="10478321" y="2503014"/>
+            <a:ext cx="1969770" cy="1078865"/>
           </a:xfrm>
           <a:prstGeom prst="rect">
             <a:avLst/>
           </a:prstGeom>
         </p:spPr>
         <p:txBody>
-          <a:bodyPr vert="horz" wrap="square" lIns="0" tIns="11430" rIns="0" bIns="0" rtlCol="0">
+          <a:bodyPr vert="horz" wrap="square" lIns="0" tIns="12700" rIns="0" bIns="0" rtlCol="0">
             <a:spAutoFit/>
           </a:bodyPr>
           <a:lstStyle/>
@@ -4353,11 +4511,11 @@
                 <a:spcPct val="100000"/>
               </a:lnSpc>
               <a:spcBef>
-                <a:spcPts val="90"/>
+                <a:spcPts val="100"/>
               </a:spcBef>
             </a:pPr>
             <a:r>
-              <a:rPr sz="1250" spc="-25" dirty="0">
+              <a:rPr sz="1350" spc="-20" dirty="0">
                 <a:solidFill>
                   <a:srgbClr val="6E6E6E"/>
                 </a:solidFill>
@@ -4366,19 +4524,22 @@
               </a:rPr>
               <a:t>EnvironmentSatisfaction</a:t>
             </a:r>
-            <a:endParaRPr sz="1250">
+            <a:endParaRPr sz="1350">
               <a:latin typeface="Lucida Sans Unicode"/>
               <a:cs typeface="Lucida Sans Unicode"/>
             </a:endParaRPr>
           </a:p>
           <a:p>
-            <a:pPr marR="41910">
+            <a:pPr marR="45720">
               <a:lnSpc>
-                <a:spcPct val="203600"/>
+                <a:spcPct val="205700"/>
               </a:lnSpc>
+              <a:spcBef>
+                <a:spcPts val="5"/>
+              </a:spcBef>
             </a:pPr>
             <a:r>
-              <a:rPr sz="1250" spc="-10" dirty="0">
+              <a:rPr sz="1350" spc="-10" dirty="0">
                 <a:solidFill>
                   <a:srgbClr val="6E6E6E"/>
                 </a:solidFill>
@@ -4388,7 +4549,7 @@
               <a:t>JobSatisfaction </a:t>
             </a:r>
             <a:r>
-              <a:rPr sz="1250" spc="-35" dirty="0">
+              <a:rPr sz="1350" spc="-30" dirty="0">
                 <a:solidFill>
                   <a:srgbClr val="6E6E6E"/>
                 </a:solidFill>
@@ -4397,7 +4558,7 @@
               </a:rPr>
               <a:t>RelationshipSatisfaction</a:t>
             </a:r>
-            <a:endParaRPr sz="1250">
+            <a:endParaRPr sz="1350">
               <a:latin typeface="Lucida Sans Unicode"/>
               <a:cs typeface="Lucida Sans Unicode"/>
             </a:endParaRPr>
@@ -4406,21 +4567,21 @@
       </p:sp>
       <p:sp>
         <p:nvSpPr>
-          <p:cNvPr id="50" name="object 50"/>
+          <p:cNvPr id="47" name="object 47"/>
           <p:cNvSpPr txBox="1"/>
           <p:nvPr/>
         </p:nvSpPr>
         <p:spPr>
           <a:xfrm>
-            <a:off x="9612910" y="6402726"/>
-            <a:ext cx="531495" cy="990600"/>
+            <a:off x="14070094" y="2503014"/>
+            <a:ext cx="579120" cy="1078865"/>
           </a:xfrm>
           <a:prstGeom prst="rect">
             <a:avLst/>
           </a:prstGeom>
         </p:spPr>
         <p:txBody>
-          <a:bodyPr vert="horz" wrap="square" lIns="0" tIns="11430" rIns="0" bIns="0" rtlCol="0">
+          <a:bodyPr vert="horz" wrap="square" lIns="0" tIns="12700" rIns="0" bIns="0" rtlCol="0">
             <a:spAutoFit/>
           </a:bodyPr>
           <a:lstStyle/>
@@ -4430,11 +4591,11 @@
                 <a:spcPct val="100000"/>
               </a:lnSpc>
               <a:spcBef>
-                <a:spcPts val="90"/>
+                <a:spcPts val="100"/>
               </a:spcBef>
             </a:pPr>
             <a:r>
-              <a:rPr sz="1250" spc="-30" dirty="0">
+              <a:rPr sz="1350" spc="-20" dirty="0">
                 <a:solidFill>
                   <a:srgbClr val="999999"/>
                 </a:solidFill>
@@ -4443,7 +4604,7 @@
               </a:rPr>
               <a:t>integer</a:t>
             </a:r>
-            <a:endParaRPr sz="1250">
+            <a:endParaRPr sz="1350">
               <a:latin typeface="Lucida Sans Unicode"/>
               <a:cs typeface="Lucida Sans Unicode"/>
             </a:endParaRPr>
@@ -4451,11 +4612,14 @@
           <a:p>
             <a:pPr marR="5080">
               <a:lnSpc>
-                <a:spcPct val="203600"/>
+                <a:spcPct val="205700"/>
               </a:lnSpc>
+              <a:spcBef>
+                <a:spcPts val="5"/>
+              </a:spcBef>
             </a:pPr>
             <a:r>
-              <a:rPr sz="1250" spc="-40" dirty="0">
+              <a:rPr sz="1350" spc="-35" dirty="0">
                 <a:solidFill>
                   <a:srgbClr val="999999"/>
                 </a:solidFill>
@@ -4464,7 +4628,7 @@
               </a:rPr>
               <a:t>integer integer</a:t>
             </a:r>
-            <a:endParaRPr sz="1250">
+            <a:endParaRPr sz="1350">
               <a:latin typeface="Lucida Sans Unicode"/>
               <a:cs typeface="Lucida Sans Unicode"/>
             </a:endParaRPr>
@@ -4473,14 +4637,14 @@
       </p:sp>
       <p:sp>
         <p:nvSpPr>
-          <p:cNvPr id="51" name="object 51"/>
+          <p:cNvPr id="48" name="object 48"/>
           <p:cNvSpPr/>
           <p:nvPr/>
         </p:nvSpPr>
         <p:spPr>
           <a:xfrm>
-            <a:off x="6200203" y="7503337"/>
-            <a:ext cx="4053840" cy="1163955"/>
+            <a:off x="10346042" y="3702881"/>
+            <a:ext cx="4423410" cy="847090"/>
           </a:xfrm>
           <a:custGeom>
             <a:avLst/>
@@ -4489,33 +4653,27 @@
             <a:cxnLst/>
             <a:rect l="l" t="t" r="r" b="b"/>
             <a:pathLst>
-              <a:path w="4053840" h="1163954">
+              <a:path w="4423409" h="847089">
                 <a:moveTo>
-                  <a:pt x="4053433" y="0"/>
+                  <a:pt x="4423245" y="0"/>
                 </a:moveTo>
                 <a:lnTo>
                   <a:pt x="0" y="0"/>
                 </a:lnTo>
                 <a:lnTo>
-                  <a:pt x="0" y="387896"/>
-                </a:lnTo>
-                <a:lnTo>
-                  <a:pt x="0" y="775779"/>
-                </a:lnTo>
-                <a:lnTo>
-                  <a:pt x="0" y="1163675"/>
-                </a:lnTo>
-                <a:lnTo>
-                  <a:pt x="4053433" y="1163675"/>
-                </a:lnTo>
-                <a:lnTo>
-                  <a:pt x="4053433" y="775779"/>
-                </a:lnTo>
-                <a:lnTo>
-                  <a:pt x="4053433" y="387896"/>
-                </a:lnTo>
-                <a:lnTo>
-                  <a:pt x="4053433" y="0"/>
+                  <a:pt x="0" y="423278"/>
+                </a:lnTo>
+                <a:lnTo>
+                  <a:pt x="0" y="846556"/>
+                </a:lnTo>
+                <a:lnTo>
+                  <a:pt x="4423245" y="846556"/>
+                </a:lnTo>
+                <a:lnTo>
+                  <a:pt x="4423245" y="423278"/>
+                </a:lnTo>
+                <a:lnTo>
+                  <a:pt x="4423245" y="0"/>
                 </a:lnTo>
                 <a:close/>
               </a:path>
@@ -4535,21 +4693,21 @@
       </p:sp>
       <p:sp>
         <p:nvSpPr>
-          <p:cNvPr id="52" name="object 52"/>
+          <p:cNvPr id="49" name="object 49"/>
           <p:cNvSpPr txBox="1"/>
           <p:nvPr/>
         </p:nvSpPr>
         <p:spPr>
           <a:xfrm>
-            <a:off x="6321430" y="7566394"/>
-            <a:ext cx="2433320" cy="990600"/>
+            <a:off x="10478321" y="3772848"/>
+            <a:ext cx="2654300" cy="655320"/>
           </a:xfrm>
           <a:prstGeom prst="rect">
             <a:avLst/>
           </a:prstGeom>
         </p:spPr>
         <p:txBody>
-          <a:bodyPr vert="horz" wrap="square" lIns="0" tIns="11430" rIns="0" bIns="0" rtlCol="0">
+          <a:bodyPr vert="horz" wrap="square" lIns="0" tIns="12700" rIns="0" bIns="0" rtlCol="0">
             <a:spAutoFit/>
           </a:bodyPr>
           <a:lstStyle/>
@@ -4559,11 +4717,11 @@
                 <a:spcPct val="100000"/>
               </a:lnSpc>
               <a:spcBef>
-                <a:spcPts val="90"/>
+                <a:spcPts val="100"/>
               </a:spcBef>
             </a:pPr>
             <a:r>
-              <a:rPr sz="1250" spc="-35" dirty="0">
+              <a:rPr sz="1350" spc="-25" dirty="0">
                 <a:solidFill>
                   <a:srgbClr val="6E6E6E"/>
                 </a:solidFill>
@@ -4572,38 +4730,31 @@
               </a:rPr>
               <a:t>TrainingOpportunitiesWithinYear</a:t>
             </a:r>
-            <a:endParaRPr sz="1250">
+            <a:endParaRPr sz="1350">
               <a:latin typeface="Lucida Sans Unicode"/>
               <a:cs typeface="Lucida Sans Unicode"/>
             </a:endParaRPr>
           </a:p>
           <a:p>
-            <a:pPr marR="363220">
+            <a:pPr>
               <a:lnSpc>
-                <a:spcPct val="203600"/>
+                <a:spcPct val="100000"/>
               </a:lnSpc>
+              <a:spcBef>
+                <a:spcPts val="1714"/>
+              </a:spcBef>
             </a:pPr>
             <a:r>
-              <a:rPr sz="1250" spc="-40" dirty="0">
+              <a:rPr sz="1350" spc="-10" dirty="0">
                 <a:solidFill>
                   <a:srgbClr val="6E6E6E"/>
                 </a:solidFill>
                 <a:latin typeface="Lucida Sans Unicode"/>
                 <a:cs typeface="Lucida Sans Unicode"/>
               </a:rPr>
-              <a:t>TrainingOpportunitiesTaken </a:t>
-            </a:r>
-            <a:r>
-              <a:rPr sz="1250" spc="-10" dirty="0">
-                <a:solidFill>
-                  <a:srgbClr val="6E6E6E"/>
-                </a:solidFill>
-                <a:latin typeface="Lucida Sans Unicode"/>
-                <a:cs typeface="Lucida Sans Unicode"/>
-              </a:rPr>
-              <a:t>WorkLifeBalance</a:t>
-            </a:r>
-            <a:endParaRPr sz="1250">
+              <a:t>TrainingOpportunitiesTaken</a:t>
+            </a:r>
+            <a:endParaRPr sz="1350">
               <a:latin typeface="Lucida Sans Unicode"/>
               <a:cs typeface="Lucida Sans Unicode"/>
             </a:endParaRPr>
@@ -4612,21 +4763,21 @@
       </p:sp>
       <p:sp>
         <p:nvSpPr>
-          <p:cNvPr id="53" name="object 53"/>
+          <p:cNvPr id="50" name="object 50"/>
           <p:cNvSpPr txBox="1"/>
           <p:nvPr/>
         </p:nvSpPr>
         <p:spPr>
           <a:xfrm>
-            <a:off x="9612910" y="7566394"/>
-            <a:ext cx="531495" cy="990600"/>
+            <a:off x="14070094" y="3772848"/>
+            <a:ext cx="579120" cy="655320"/>
           </a:xfrm>
           <a:prstGeom prst="rect">
             <a:avLst/>
           </a:prstGeom>
         </p:spPr>
         <p:txBody>
-          <a:bodyPr vert="horz" wrap="square" lIns="0" tIns="11430" rIns="0" bIns="0" rtlCol="0">
+          <a:bodyPr vert="horz" wrap="square" lIns="0" tIns="12700" rIns="0" bIns="0" rtlCol="0">
             <a:spAutoFit/>
           </a:bodyPr>
           <a:lstStyle/>
@@ -4636,11 +4787,11 @@
                 <a:spcPct val="100000"/>
               </a:lnSpc>
               <a:spcBef>
-                <a:spcPts val="90"/>
+                <a:spcPts val="100"/>
               </a:spcBef>
             </a:pPr>
             <a:r>
-              <a:rPr sz="1250" spc="-30" dirty="0">
+              <a:rPr sz="1350" spc="-20" dirty="0">
                 <a:solidFill>
                   <a:srgbClr val="999999"/>
                 </a:solidFill>
@@ -4649,28 +4800,31 @@
               </a:rPr>
               <a:t>integer</a:t>
             </a:r>
-            <a:endParaRPr sz="1250">
+            <a:endParaRPr sz="1350">
               <a:latin typeface="Lucida Sans Unicode"/>
               <a:cs typeface="Lucida Sans Unicode"/>
             </a:endParaRPr>
           </a:p>
           <a:p>
-            <a:pPr marR="5080">
+            <a:pPr>
               <a:lnSpc>
-                <a:spcPct val="203600"/>
+                <a:spcPct val="100000"/>
               </a:lnSpc>
+              <a:spcBef>
+                <a:spcPts val="1714"/>
+              </a:spcBef>
             </a:pPr>
             <a:r>
-              <a:rPr sz="1250" spc="-40" dirty="0">
+              <a:rPr sz="1350" spc="-20" dirty="0">
                 <a:solidFill>
                   <a:srgbClr val="999999"/>
                 </a:solidFill>
                 <a:latin typeface="Lucida Sans Unicode"/>
                 <a:cs typeface="Lucida Sans Unicode"/>
               </a:rPr>
-              <a:t>integer integer</a:t>
-            </a:r>
-            <a:endParaRPr sz="1250">
+              <a:t>integer</a:t>
+            </a:r>
+            <a:endParaRPr sz="1350">
               <a:latin typeface="Lucida Sans Unicode"/>
               <a:cs typeface="Lucida Sans Unicode"/>
             </a:endParaRPr>
@@ -4679,14 +4833,14 @@
       </p:sp>
       <p:sp>
         <p:nvSpPr>
-          <p:cNvPr id="54" name="object 54"/>
+          <p:cNvPr id="51" name="object 51"/>
           <p:cNvSpPr/>
           <p:nvPr/>
         </p:nvSpPr>
         <p:spPr>
           <a:xfrm>
-            <a:off x="6200203" y="8667012"/>
-            <a:ext cx="4053840" cy="775970"/>
+            <a:off x="10346042" y="4549438"/>
+            <a:ext cx="4423410" cy="1270000"/>
           </a:xfrm>
           <a:custGeom>
             <a:avLst/>
@@ -4695,27 +4849,33 @@
             <a:cxnLst/>
             <a:rect l="l" t="t" r="r" b="b"/>
             <a:pathLst>
-              <a:path w="4053840" h="775970">
+              <a:path w="4423409" h="1270000">
                 <a:moveTo>
-                  <a:pt x="4053433" y="0"/>
+                  <a:pt x="4423245" y="0"/>
                 </a:moveTo>
                 <a:lnTo>
                   <a:pt x="0" y="0"/>
                 </a:lnTo>
                 <a:lnTo>
-                  <a:pt x="0" y="387883"/>
-                </a:lnTo>
-                <a:lnTo>
-                  <a:pt x="0" y="775779"/>
-                </a:lnTo>
-                <a:lnTo>
-                  <a:pt x="4053433" y="775779"/>
-                </a:lnTo>
-                <a:lnTo>
-                  <a:pt x="4053433" y="387883"/>
-                </a:lnTo>
-                <a:lnTo>
-                  <a:pt x="4053433" y="0"/>
+                  <a:pt x="0" y="423278"/>
+                </a:lnTo>
+                <a:lnTo>
+                  <a:pt x="0" y="846556"/>
+                </a:lnTo>
+                <a:lnTo>
+                  <a:pt x="0" y="1269834"/>
+                </a:lnTo>
+                <a:lnTo>
+                  <a:pt x="4423245" y="1269834"/>
+                </a:lnTo>
+                <a:lnTo>
+                  <a:pt x="4423245" y="846556"/>
+                </a:lnTo>
+                <a:lnTo>
+                  <a:pt x="4423245" y="423278"/>
+                </a:lnTo>
+                <a:lnTo>
+                  <a:pt x="4423245" y="0"/>
                 </a:lnTo>
                 <a:close/>
               </a:path>
@@ -4735,21 +4895,21 @@
       </p:sp>
       <p:sp>
         <p:nvSpPr>
-          <p:cNvPr id="55" name="object 55"/>
+          <p:cNvPr id="52" name="object 52"/>
           <p:cNvSpPr txBox="1"/>
           <p:nvPr/>
         </p:nvSpPr>
         <p:spPr>
           <a:xfrm>
-            <a:off x="6321430" y="8730064"/>
-            <a:ext cx="1125855" cy="602615"/>
+            <a:off x="10478321" y="4619404"/>
+            <a:ext cx="1351915" cy="1078865"/>
           </a:xfrm>
           <a:prstGeom prst="rect">
             <a:avLst/>
           </a:prstGeom>
         </p:spPr>
         <p:txBody>
-          <a:bodyPr vert="horz" wrap="square" lIns="0" tIns="11430" rIns="0" bIns="0" rtlCol="0">
+          <a:bodyPr vert="horz" wrap="square" lIns="0" tIns="12700" rIns="0" bIns="0" rtlCol="0">
             <a:spAutoFit/>
           </a:bodyPr>
           <a:lstStyle/>
@@ -4759,130 +4919,140 @@
                 <a:spcPct val="100000"/>
               </a:lnSpc>
               <a:spcBef>
-                <a:spcPts val="90"/>
+                <a:spcPts val="100"/>
               </a:spcBef>
             </a:pPr>
             <a:r>
-              <a:rPr sz="1250" spc="-10" dirty="0">
+              <a:rPr sz="1350" spc="-10" dirty="0">
                 <a:solidFill>
                   <a:srgbClr val="6E6E6E"/>
                 </a:solidFill>
                 <a:latin typeface="Lucida Sans Unicode"/>
                 <a:cs typeface="Lucida Sans Unicode"/>
               </a:rPr>
-              <a:t>SelfRating</a:t>
-            </a:r>
-            <a:endParaRPr sz="1250">
+              <a:t>WorkLifeBalance</a:t>
+            </a:r>
+            <a:endParaRPr sz="1350">
               <a:latin typeface="Lucida Sans Unicode"/>
               <a:cs typeface="Lucida Sans Unicode"/>
             </a:endParaRPr>
           </a:p>
+          <a:p>
+            <a:pPr marR="129539">
+              <a:lnSpc>
+                <a:spcPct val="205700"/>
+              </a:lnSpc>
+              <a:spcBef>
+                <a:spcPts val="5"/>
+              </a:spcBef>
+            </a:pPr>
+            <a:r>
+              <a:rPr sz="1350" spc="-10" dirty="0">
+                <a:solidFill>
+                  <a:srgbClr val="6E6E6E"/>
+                </a:solidFill>
+                <a:latin typeface="Lucida Sans Unicode"/>
+                <a:cs typeface="Lucida Sans Unicode"/>
+              </a:rPr>
+              <a:t>SelfRating </a:t>
+            </a:r>
+            <a:r>
+              <a:rPr sz="1350" spc="-30" dirty="0">
+                <a:solidFill>
+                  <a:srgbClr val="6E6E6E"/>
+                </a:solidFill>
+                <a:latin typeface="Lucida Sans Unicode"/>
+                <a:cs typeface="Lucida Sans Unicode"/>
+              </a:rPr>
+              <a:t>ManagerRating</a:t>
+            </a:r>
+            <a:endParaRPr sz="1350">
+              <a:latin typeface="Lucida Sans Unicode"/>
+              <a:cs typeface="Lucida Sans Unicode"/>
+            </a:endParaRPr>
+          </a:p>
+        </p:txBody>
+      </p:sp>
+      <p:sp>
+        <p:nvSpPr>
+          <p:cNvPr id="53" name="object 53"/>
+          <p:cNvSpPr txBox="1"/>
+          <p:nvPr/>
+        </p:nvSpPr>
+        <p:spPr>
+          <a:xfrm>
+            <a:off x="14070094" y="4619404"/>
+            <a:ext cx="579120" cy="1078865"/>
+          </a:xfrm>
+          <a:prstGeom prst="rect">
+            <a:avLst/>
+          </a:prstGeom>
+        </p:spPr>
+        <p:txBody>
+          <a:bodyPr vert="horz" wrap="square" lIns="0" tIns="12700" rIns="0" bIns="0" rtlCol="0">
+            <a:spAutoFit/>
+          </a:bodyPr>
+          <a:lstStyle/>
           <a:p>
             <a:pPr>
               <a:lnSpc>
                 <a:spcPct val="100000"/>
               </a:lnSpc>
               <a:spcBef>
-                <a:spcPts val="1555"/>
+                <a:spcPts val="100"/>
               </a:spcBef>
             </a:pPr>
             <a:r>
-              <a:rPr sz="1250" spc="-25" dirty="0">
-                <a:solidFill>
-                  <a:srgbClr val="6E6E6E"/>
+              <a:rPr sz="1350" spc="-20" dirty="0">
+                <a:solidFill>
+                  <a:srgbClr val="999999"/>
                 </a:solidFill>
                 <a:latin typeface="Lucida Sans Unicode"/>
                 <a:cs typeface="Lucida Sans Unicode"/>
               </a:rPr>
-              <a:t>ManagerRating</a:t>
-            </a:r>
-            <a:endParaRPr sz="1250">
+              <a:t>integer</a:t>
+            </a:r>
+            <a:endParaRPr sz="1350">
               <a:latin typeface="Lucida Sans Unicode"/>
               <a:cs typeface="Lucida Sans Unicode"/>
             </a:endParaRPr>
           </a:p>
-        </p:txBody>
-      </p:sp>
-      <p:sp>
-        <p:nvSpPr>
-          <p:cNvPr id="56" name="object 56"/>
-          <p:cNvSpPr txBox="1"/>
-          <p:nvPr/>
-        </p:nvSpPr>
-        <p:spPr>
-          <a:xfrm>
-            <a:off x="9612910" y="8730064"/>
-            <a:ext cx="531495" cy="602615"/>
-          </a:xfrm>
-          <a:prstGeom prst="rect">
-            <a:avLst/>
-          </a:prstGeom>
-        </p:spPr>
-        <p:txBody>
-          <a:bodyPr vert="horz" wrap="square" lIns="0" tIns="11430" rIns="0" bIns="0" rtlCol="0">
-            <a:spAutoFit/>
-          </a:bodyPr>
-          <a:lstStyle/>
-          <a:p>
-            <a:pPr>
+          <a:p>
+            <a:pPr marR="5080">
               <a:lnSpc>
-                <a:spcPct val="100000"/>
+                <a:spcPct val="205700"/>
               </a:lnSpc>
               <a:spcBef>
-                <a:spcPts val="90"/>
+                <a:spcPts val="5"/>
               </a:spcBef>
             </a:pPr>
             <a:r>
-              <a:rPr sz="1250" spc="-30" dirty="0">
+              <a:rPr sz="1350" spc="-35" dirty="0">
                 <a:solidFill>
                   <a:srgbClr val="999999"/>
                 </a:solidFill>
                 <a:latin typeface="Lucida Sans Unicode"/>
                 <a:cs typeface="Lucida Sans Unicode"/>
               </a:rPr>
-              <a:t>integer</a:t>
-            </a:r>
-            <a:endParaRPr sz="1250">
+              <a:t>integer integer</a:t>
+            </a:r>
+            <a:endParaRPr sz="1350">
               <a:latin typeface="Lucida Sans Unicode"/>
               <a:cs typeface="Lucida Sans Unicode"/>
             </a:endParaRPr>
           </a:p>
-          <a:p>
-            <a:pPr>
-              <a:lnSpc>
-                <a:spcPct val="100000"/>
-              </a:lnSpc>
-              <a:spcBef>
-                <a:spcPts val="1555"/>
-              </a:spcBef>
-            </a:pPr>
-            <a:r>
-              <a:rPr sz="1250" spc="-30" dirty="0">
-                <a:solidFill>
-                  <a:srgbClr val="999999"/>
-                </a:solidFill>
-                <a:latin typeface="Lucida Sans Unicode"/>
-                <a:cs typeface="Lucida Sans Unicode"/>
-              </a:rPr>
-              <a:t>integer</a:t>
-            </a:r>
-            <a:endParaRPr sz="1250">
-              <a:latin typeface="Lucida Sans Unicode"/>
-              <a:cs typeface="Lucida Sans Unicode"/>
-            </a:endParaRPr>
-          </a:p>
-        </p:txBody>
-      </p:sp>
-      <p:sp>
-        <p:nvSpPr>
-          <p:cNvPr id="57" name="object 57"/>
+        </p:txBody>
+      </p:sp>
+      <p:sp>
+        <p:nvSpPr>
+          <p:cNvPr id="54" name="object 54"/>
           <p:cNvSpPr txBox="1"/>
           <p:nvPr/>
         </p:nvSpPr>
         <p:spPr>
           <a:xfrm>
-            <a:off x="523544" y="5231388"/>
-            <a:ext cx="3433445" cy="387985"/>
+            <a:off x="4724385" y="555390"/>
+            <a:ext cx="3747135" cy="423545"/>
           </a:xfrm>
           <a:prstGeom prst="rect">
             <a:avLst/>
@@ -4892,21 +5062,21 @@
           </a:solidFill>
         </p:spPr>
         <p:txBody>
-          <a:bodyPr vert="horz" wrap="square" lIns="0" tIns="74295" rIns="0" bIns="0" rtlCol="0">
+          <a:bodyPr vert="horz" wrap="square" lIns="0" tIns="83185" rIns="0" bIns="0" rtlCol="0">
             <a:spAutoFit/>
           </a:bodyPr>
           <a:lstStyle/>
           <a:p>
-            <a:pPr marL="120650">
+            <a:pPr marL="132080">
               <a:lnSpc>
                 <a:spcPct val="100000"/>
               </a:lnSpc>
               <a:spcBef>
-                <a:spcPts val="585"/>
+                <a:spcPts val="655"/>
               </a:spcBef>
             </a:pPr>
             <a:r>
-              <a:rPr sz="1250" spc="-10" dirty="0">
+              <a:rPr sz="1350" spc="-10" dirty="0">
                 <a:solidFill>
                   <a:srgbClr val="FFFFFF"/>
                 </a:solidFill>
@@ -4915,7 +5085,7 @@
               </a:rPr>
               <a:t>Employees</a:t>
             </a:r>
-            <a:endParaRPr sz="1250">
+            <a:endParaRPr sz="1350">
               <a:latin typeface="Arial Black"/>
               <a:cs typeface="Arial Black"/>
             </a:endParaRPr>
@@ -4924,28 +5094,28 @@
       </p:sp>
       <p:grpSp>
         <p:nvGrpSpPr>
-          <p:cNvPr id="58" name="object 58"/>
+          <p:cNvPr id="55" name="object 55"/>
           <p:cNvGrpSpPr/>
           <p:nvPr/>
         </p:nvGrpSpPr>
         <p:grpSpPr>
           <a:xfrm>
-            <a:off x="523544" y="5619278"/>
-            <a:ext cx="3433445" cy="387985"/>
-            <a:chOff x="523544" y="5619278"/>
-            <a:chExt cx="3433445" cy="387985"/>
+            <a:off x="4724385" y="978668"/>
+            <a:ext cx="3747135" cy="423545"/>
+            <a:chOff x="4724385" y="978668"/>
+            <a:chExt cx="3747135" cy="423545"/>
           </a:xfrm>
         </p:grpSpPr>
         <p:sp>
           <p:nvSpPr>
-            <p:cNvPr id="59" name="object 59"/>
+            <p:cNvPr id="56" name="object 56"/>
             <p:cNvSpPr/>
             <p:nvPr/>
           </p:nvSpPr>
           <p:spPr>
             <a:xfrm>
-              <a:off x="523544" y="5619278"/>
-              <a:ext cx="3433445" cy="387985"/>
+              <a:off x="4724385" y="978668"/>
+              <a:ext cx="3747135" cy="423545"/>
             </a:xfrm>
             <a:custGeom>
               <a:avLst/>
@@ -4954,21 +5124,21 @@
               <a:cxnLst/>
               <a:rect l="l" t="t" r="r" b="b"/>
               <a:pathLst>
-                <a:path w="3433445" h="387985">
+                <a:path w="3747134" h="423544">
                   <a:moveTo>
-                    <a:pt x="3433347" y="387889"/>
+                    <a:pt x="3746582" y="423278"/>
                   </a:moveTo>
                   <a:lnTo>
-                    <a:pt x="0" y="387889"/>
+                    <a:pt x="0" y="423278"/>
                   </a:lnTo>
                   <a:lnTo>
                     <a:pt x="0" y="0"/>
                   </a:lnTo>
                   <a:lnTo>
-                    <a:pt x="3433347" y="0"/>
-                  </a:lnTo>
-                  <a:lnTo>
-                    <a:pt x="3433347" y="387889"/>
+                    <a:pt x="3746582" y="0"/>
+                  </a:lnTo>
+                  <a:lnTo>
+                    <a:pt x="3746582" y="423278"/>
                   </a:lnTo>
                   <a:close/>
                 </a:path>
@@ -4988,20 +5158,20 @@
         </p:sp>
         <p:pic>
           <p:nvPicPr>
-            <p:cNvPr id="60" name="object 60"/>
+            <p:cNvPr id="57" name="object 57"/>
             <p:cNvPicPr/>
             <p:nvPr/>
           </p:nvPicPr>
           <p:blipFill>
-            <a:blip r:embed="rId2" cstate="print"/>
+            <a:blip r:embed="rId3" cstate="print"/>
             <a:stretch>
               <a:fillRect/>
             </a:stretch>
           </p:blipFill>
           <p:spPr>
             <a:xfrm>
-              <a:off x="1626262" y="5731402"/>
-              <a:ext cx="127276" cy="127276"/>
+              <a:off x="5927708" y="1101022"/>
+              <a:ext cx="138888" cy="138888"/>
             </a:xfrm>
             <a:prstGeom prst="rect">
               <a:avLst/>
@@ -5011,21 +5181,21 @@
       </p:grpSp>
       <p:sp>
         <p:nvSpPr>
-          <p:cNvPr id="61" name="object 61"/>
+          <p:cNvPr id="58" name="object 58"/>
           <p:cNvSpPr txBox="1"/>
           <p:nvPr/>
         </p:nvSpPr>
         <p:spPr>
           <a:xfrm>
-            <a:off x="644759" y="5682337"/>
-            <a:ext cx="3203575" cy="214629"/>
+            <a:off x="4856660" y="1048640"/>
+            <a:ext cx="3495040" cy="231775"/>
           </a:xfrm>
           <a:prstGeom prst="rect">
             <a:avLst/>
           </a:prstGeom>
         </p:spPr>
         <p:txBody>
-          <a:bodyPr vert="horz" wrap="square" lIns="0" tIns="11430" rIns="0" bIns="0" rtlCol="0">
+          <a:bodyPr vert="horz" wrap="square" lIns="0" tIns="12700" rIns="0" bIns="0" rtlCol="0">
             <a:spAutoFit/>
           </a:bodyPr>
           <a:lstStyle/>
@@ -5035,14 +5205,14 @@
                 <a:spcPct val="100000"/>
               </a:lnSpc>
               <a:spcBef>
-                <a:spcPts val="90"/>
+                <a:spcPts val="100"/>
               </a:spcBef>
               <a:tabLst>
-                <a:tab pos="2582545" algn="l"/>
+                <a:tab pos="2818765" algn="l"/>
               </a:tabLst>
             </a:pPr>
             <a:r>
-              <a:rPr sz="1250" spc="-10" dirty="0">
+              <a:rPr sz="1350" spc="-10" dirty="0">
                 <a:solidFill>
                   <a:srgbClr val="6E6E6E"/>
                 </a:solidFill>
@@ -5052,7 +5222,7 @@
               <a:t>EmployeeID</a:t>
             </a:r>
             <a:r>
-              <a:rPr sz="1250" dirty="0">
+              <a:rPr sz="1350" dirty="0">
                 <a:solidFill>
                   <a:srgbClr val="6E6E6E"/>
                 </a:solidFill>
@@ -5062,7 +5232,7 @@
               <a:t>	</a:t>
             </a:r>
             <a:r>
-              <a:rPr sz="1250" spc="-60" dirty="0">
+              <a:rPr sz="1350" spc="-50" dirty="0">
                 <a:solidFill>
                   <a:srgbClr val="999999"/>
                 </a:solidFill>
@@ -5071,7 +5241,7 @@
               </a:rPr>
               <a:t>varchar</a:t>
             </a:r>
-            <a:endParaRPr sz="1250">
+            <a:endParaRPr sz="1350">
               <a:latin typeface="Arial Black"/>
               <a:cs typeface="Arial Black"/>
             </a:endParaRPr>
@@ -5080,21 +5250,21 @@
       </p:sp>
       <p:sp>
         <p:nvSpPr>
-          <p:cNvPr id="62" name="object 62"/>
+          <p:cNvPr id="59" name="object 59"/>
           <p:cNvSpPr txBox="1"/>
           <p:nvPr/>
         </p:nvSpPr>
         <p:spPr>
           <a:xfrm>
-            <a:off x="632059" y="6070227"/>
-            <a:ext cx="1898014" cy="8360409"/>
+            <a:off x="4843960" y="1471918"/>
+            <a:ext cx="2068830" cy="9121140"/>
           </a:xfrm>
           <a:prstGeom prst="rect">
             <a:avLst/>
           </a:prstGeom>
         </p:spPr>
         <p:txBody>
-          <a:bodyPr vert="horz" wrap="square" lIns="0" tIns="11430" rIns="0" bIns="0" rtlCol="0">
+          <a:bodyPr vert="horz" wrap="square" lIns="0" tIns="12700" rIns="0" bIns="0" rtlCol="0">
             <a:spAutoFit/>
           </a:bodyPr>
           <a:lstStyle/>
@@ -5104,11 +5274,11 @@
                 <a:spcPct val="100000"/>
               </a:lnSpc>
               <a:spcBef>
-                <a:spcPts val="90"/>
+                <a:spcPts val="100"/>
               </a:spcBef>
             </a:pPr>
             <a:r>
-              <a:rPr sz="1250" spc="-10" dirty="0">
+              <a:rPr sz="1350" spc="-10" dirty="0">
                 <a:solidFill>
                   <a:srgbClr val="6E6E6E"/>
                 </a:solidFill>
@@ -5117,19 +5287,22 @@
               </a:rPr>
               <a:t>FirstName</a:t>
             </a:r>
-            <a:endParaRPr sz="1250">
+            <a:endParaRPr sz="1350">
               <a:latin typeface="Lucida Sans Unicode"/>
               <a:cs typeface="Lucida Sans Unicode"/>
             </a:endParaRPr>
           </a:p>
           <a:p>
-            <a:pPr marL="12700" marR="1136015">
+            <a:pPr marL="12700" marR="1239520">
               <a:lnSpc>
-                <a:spcPct val="203600"/>
+                <a:spcPct val="205700"/>
               </a:lnSpc>
+              <a:spcBef>
+                <a:spcPts val="5"/>
+              </a:spcBef>
             </a:pPr>
             <a:r>
-              <a:rPr sz="1250" spc="-25" dirty="0">
+              <a:rPr sz="1350" spc="-20" dirty="0">
                 <a:solidFill>
                   <a:srgbClr val="6E6E6E"/>
                 </a:solidFill>
@@ -5139,7 +5312,7 @@
               <a:t>LastName </a:t>
             </a:r>
             <a:r>
-              <a:rPr sz="1250" spc="-10" dirty="0">
+              <a:rPr sz="1350" spc="-10" dirty="0">
                 <a:solidFill>
                   <a:srgbClr val="6E6E6E"/>
                 </a:solidFill>
@@ -5149,7 +5322,7 @@
               <a:t>Gender </a:t>
             </a:r>
             <a:r>
-              <a:rPr sz="1250" spc="-25" dirty="0">
+              <a:rPr sz="1350" spc="-25" dirty="0">
                 <a:solidFill>
                   <a:srgbClr val="6E6E6E"/>
                 </a:solidFill>
@@ -5158,19 +5331,19 @@
               </a:rPr>
               <a:t>Age</a:t>
             </a:r>
-            <a:endParaRPr sz="1250">
+            <a:endParaRPr sz="1350">
               <a:latin typeface="Lucida Sans Unicode"/>
               <a:cs typeface="Lucida Sans Unicode"/>
             </a:endParaRPr>
           </a:p>
           <a:p>
-            <a:pPr marL="12700" marR="413384">
+            <a:pPr marL="12700" marR="450850">
               <a:lnSpc>
-                <a:spcPct val="203600"/>
+                <a:spcPct val="205700"/>
               </a:lnSpc>
             </a:pPr>
             <a:r>
-              <a:rPr sz="1250" spc="-10" dirty="0">
+              <a:rPr sz="1350" spc="-10" dirty="0">
                 <a:solidFill>
                   <a:srgbClr val="6E6E6E"/>
                 </a:solidFill>
@@ -5180,7 +5353,7 @@
               <a:t>BusinessTravel Department </a:t>
             </a:r>
             <a:r>
-              <a:rPr sz="1250" spc="-30" dirty="0">
+              <a:rPr sz="1350" spc="-25" dirty="0">
                 <a:solidFill>
                   <a:srgbClr val="6E6E6E"/>
                 </a:solidFill>
@@ -5190,7 +5363,7 @@
               <a:t>DistanceFromHome </a:t>
             </a:r>
             <a:r>
-              <a:rPr sz="1250" spc="-10" dirty="0">
+              <a:rPr sz="1350" spc="-10" dirty="0">
                 <a:solidFill>
                   <a:srgbClr val="6E6E6E"/>
                 </a:solidFill>
@@ -5199,19 +5372,19 @@
               </a:rPr>
               <a:t>State</a:t>
             </a:r>
-            <a:endParaRPr sz="1250">
+            <a:endParaRPr sz="1350">
               <a:latin typeface="Lucida Sans Unicode"/>
               <a:cs typeface="Lucida Sans Unicode"/>
             </a:endParaRPr>
           </a:p>
           <a:p>
-            <a:pPr marL="12700" marR="598805">
+            <a:pPr marL="12700" marR="652780">
               <a:lnSpc>
-                <a:spcPct val="203600"/>
+                <a:spcPct val="205700"/>
               </a:lnSpc>
             </a:pPr>
             <a:r>
-              <a:rPr sz="1250" spc="-10" dirty="0">
+              <a:rPr sz="1350" spc="-10" dirty="0">
                 <a:solidFill>
                   <a:srgbClr val="6E6E6E"/>
                 </a:solidFill>
@@ -5221,7 +5394,7 @@
               <a:t>Ethnicity Education EducationField JobRole MaritalStatus Salary </a:t>
             </a:r>
             <a:r>
-              <a:rPr sz="1250" spc="-35" dirty="0">
+              <a:rPr sz="1350" spc="-30" dirty="0">
                 <a:solidFill>
                   <a:srgbClr val="6E6E6E"/>
                 </a:solidFill>
@@ -5231,7 +5404,7 @@
               <a:t>StockOptionLevel </a:t>
             </a:r>
             <a:r>
-              <a:rPr sz="1250" spc="-10" dirty="0">
+              <a:rPr sz="1350" spc="-10" dirty="0">
                 <a:solidFill>
                   <a:srgbClr val="6E6E6E"/>
                 </a:solidFill>
@@ -5241,7 +5414,7 @@
               <a:t>OverTime HireDate Attrition </a:t>
             </a:r>
             <a:r>
-              <a:rPr sz="1250" spc="-30" dirty="0">
+              <a:rPr sz="1350" spc="-25" dirty="0">
                 <a:solidFill>
                   <a:srgbClr val="6E6E6E"/>
                 </a:solidFill>
@@ -5250,7 +5423,7 @@
               </a:rPr>
               <a:t>YearsAtCompany</a:t>
             </a:r>
-            <a:endParaRPr sz="1250">
+            <a:endParaRPr sz="1350">
               <a:latin typeface="Lucida Sans Unicode"/>
               <a:cs typeface="Lucida Sans Unicode"/>
             </a:endParaRPr>
@@ -5258,11 +5431,11 @@
           <a:p>
             <a:pPr marL="12700" marR="5080">
               <a:lnSpc>
-                <a:spcPct val="203600"/>
+                <a:spcPct val="205700"/>
               </a:lnSpc>
             </a:pPr>
             <a:r>
-              <a:rPr sz="1250" spc="-10" dirty="0">
+              <a:rPr sz="1350" spc="-10" dirty="0">
                 <a:solidFill>
                   <a:srgbClr val="6E6E6E"/>
                 </a:solidFill>
@@ -5272,7 +5445,7 @@
               <a:t>YearsInMostRecentRole </a:t>
             </a:r>
             <a:r>
-              <a:rPr sz="1250" spc="-25" dirty="0">
+              <a:rPr sz="1350" spc="-20" dirty="0">
                 <a:solidFill>
                   <a:srgbClr val="6E6E6E"/>
                 </a:solidFill>
@@ -5282,7 +5455,7 @@
               <a:t>YearsSinceLastPromotion </a:t>
             </a:r>
             <a:r>
-              <a:rPr sz="1250" spc="-10" dirty="0">
+              <a:rPr sz="1350" spc="-10" dirty="0">
                 <a:solidFill>
                   <a:srgbClr val="6E6E6E"/>
                 </a:solidFill>
@@ -5291,7 +5464,7 @@
               </a:rPr>
               <a:t>YearsWithCurrManager</a:t>
             </a:r>
-            <a:endParaRPr sz="1250">
+            <a:endParaRPr sz="1350">
               <a:latin typeface="Lucida Sans Unicode"/>
               <a:cs typeface="Lucida Sans Unicode"/>
             </a:endParaRPr>
@@ -5300,35 +5473,35 @@
       </p:sp>
       <p:sp>
         <p:nvSpPr>
-          <p:cNvPr id="63" name="object 63"/>
+          <p:cNvPr id="60" name="object 60"/>
           <p:cNvSpPr txBox="1"/>
           <p:nvPr/>
         </p:nvSpPr>
         <p:spPr>
           <a:xfrm>
-            <a:off x="3224509" y="6070227"/>
-            <a:ext cx="623570" cy="8360409"/>
+            <a:off x="7606931" y="1471918"/>
+            <a:ext cx="744220" cy="9121140"/>
           </a:xfrm>
           <a:prstGeom prst="rect">
             <a:avLst/>
           </a:prstGeom>
         </p:spPr>
         <p:txBody>
-          <a:bodyPr vert="horz" wrap="square" lIns="0" tIns="11430" rIns="0" bIns="0" rtlCol="0">
+          <a:bodyPr vert="horz" wrap="square" lIns="0" tIns="12700" rIns="0" bIns="0" rtlCol="0">
             <a:spAutoFit/>
           </a:bodyPr>
           <a:lstStyle/>
           <a:p>
-            <a:pPr marL="55880">
+            <a:pPr marL="126364">
               <a:lnSpc>
                 <a:spcPct val="100000"/>
               </a:lnSpc>
               <a:spcBef>
-                <a:spcPts val="90"/>
+                <a:spcPts val="100"/>
               </a:spcBef>
             </a:pPr>
             <a:r>
-              <a:rPr sz="1250" spc="-10" dirty="0">
+              <a:rPr sz="1350" spc="-10" dirty="0">
                 <a:solidFill>
                   <a:srgbClr val="999999"/>
                 </a:solidFill>
@@ -5337,19 +5510,22 @@
               </a:rPr>
               <a:t>varchar</a:t>
             </a:r>
-            <a:endParaRPr sz="1250">
+            <a:endParaRPr sz="1350">
               <a:latin typeface="Lucida Sans Unicode"/>
               <a:cs typeface="Lucida Sans Unicode"/>
             </a:endParaRPr>
           </a:p>
           <a:p>
-            <a:pPr marL="12700" marR="5080" indent="43180" algn="just">
+            <a:pPr marL="12700" marR="5080" indent="113664" algn="r">
               <a:lnSpc>
-                <a:spcPct val="203600"/>
+                <a:spcPct val="205700"/>
               </a:lnSpc>
+              <a:spcBef>
+                <a:spcPts val="5"/>
+              </a:spcBef>
             </a:pPr>
             <a:r>
-              <a:rPr sz="1250" spc="-25" dirty="0">
+              <a:rPr sz="1350" spc="-20" dirty="0">
                 <a:solidFill>
                   <a:srgbClr val="999999"/>
                 </a:solidFill>
@@ -5359,57 +5535,36 @@
               <a:t>varchar </a:t>
             </a:r>
             <a:r>
-              <a:rPr sz="1250" spc="-10" dirty="0">
+              <a:rPr sz="1350" spc="-10" dirty="0">
                 <a:solidFill>
                   <a:srgbClr val="999999"/>
                 </a:solidFill>
                 <a:latin typeface="Lucida Sans Unicode"/>
                 <a:cs typeface="Lucida Sans Unicode"/>
               </a:rPr>
-              <a:t>varchar integer varchar varchar integer varchar varchar integer varchar varchar varchar decimal integer </a:t>
-            </a:r>
-            <a:r>
-              <a:rPr sz="1250" spc="-30" dirty="0">
+              <a:t>varchar integer varchar varchar integer varchar varchar integer varchar varchar varchar decimal integer nvarchar </a:t>
+            </a:r>
+            <a:r>
+              <a:rPr sz="1350" spc="-25" dirty="0">
                 <a:solidFill>
                   <a:srgbClr val="999999"/>
                 </a:solidFill>
                 <a:latin typeface="Lucida Sans Unicode"/>
                 <a:cs typeface="Lucida Sans Unicode"/>
               </a:rPr>
-              <a:t>boolean</a:t>
-            </a:r>
-            <a:endParaRPr sz="1250">
-              <a:latin typeface="Lucida Sans Unicode"/>
-              <a:cs typeface="Lucida Sans Unicode"/>
-            </a:endParaRPr>
-          </a:p>
-          <a:p>
-            <a:pPr marL="12700" marR="5080" indent="269240" algn="just">
-              <a:lnSpc>
-                <a:spcPct val="203600"/>
-              </a:lnSpc>
-            </a:pPr>
-            <a:r>
-              <a:rPr sz="1250" spc="-30" dirty="0">
+              <a:t>datetime </a:t>
+            </a:r>
+            <a:r>
+              <a:rPr sz="1350" spc="-10" dirty="0">
                 <a:solidFill>
                   <a:srgbClr val="999999"/>
                 </a:solidFill>
                 <a:latin typeface="Lucida Sans Unicode"/>
                 <a:cs typeface="Lucida Sans Unicode"/>
               </a:rPr>
-              <a:t>date boolean </a:t>
-            </a:r>
-            <a:r>
-              <a:rPr sz="1250" spc="-10" dirty="0">
-                <a:solidFill>
-                  <a:srgbClr val="999999"/>
-                </a:solidFill>
-                <a:latin typeface="Lucida Sans Unicode"/>
-                <a:cs typeface="Lucida Sans Unicode"/>
-              </a:rPr>
-              <a:t>integer integer integer integer</a:t>
-            </a:r>
-            <a:endParaRPr sz="1250">
+              <a:t>nvarchar integer integer integer integer</a:t>
+            </a:r>
+            <a:endParaRPr sz="1350">
               <a:latin typeface="Lucida Sans Unicode"/>
               <a:cs typeface="Lucida Sans Unicode"/>
             </a:endParaRPr>
@@ -5420,29 +5575,29 @@
         <mc:Choice xmlns:p14="http://schemas.microsoft.com/office/powerpoint/2010/main" Requires="p14">
           <p:contentPart p14:bwMode="auto" r:id="rId5">
             <p14:nvContentPartPr>
-              <p14:cNvPr id="65" name="Ink 64">
+              <p14:cNvPr id="66" name="Ink 65">
                 <a:extLst>
                   <a:ext uri="{FF2B5EF4-FFF2-40B4-BE49-F238E27FC236}">
-                    <a16:creationId xmlns:a16="http://schemas.microsoft.com/office/drawing/2014/main" id="{E484635E-DC42-9E45-7BEE-5A6569E453D2}"/>
+                    <a16:creationId xmlns:a16="http://schemas.microsoft.com/office/drawing/2014/main" id="{44A5DB64-5179-9A25-3B6A-38E68EB04B0B}"/>
                   </a:ext>
                 </a:extLst>
               </p14:cNvPr>
               <p14:cNvContentPartPr/>
               <p14:nvPr/>
             </p14:nvContentPartPr>
-            <p14:xfrm>
-              <a:off x="9206303" y="19537246"/>
-              <a:ext cx="1791720" cy="316080"/>
+            <p14:xfrm rot="133800">
+              <a:off x="18214268" y="10715472"/>
+              <a:ext cx="351878" cy="369446"/>
             </p14:xfrm>
           </p:contentPart>
         </mc:Choice>
         <mc:Fallback>
           <p:pic>
             <p:nvPicPr>
-              <p:cNvPr id="65" name="Ink 64">
+              <p:cNvPr id="66" name="Ink 65">
                 <a:extLst>
                   <a:ext uri="{FF2B5EF4-FFF2-40B4-BE49-F238E27FC236}">
-                    <a16:creationId xmlns:a16="http://schemas.microsoft.com/office/drawing/2014/main" id="{E484635E-DC42-9E45-7BEE-5A6569E453D2}"/>
+                    <a16:creationId xmlns:a16="http://schemas.microsoft.com/office/drawing/2014/main" id="{44A5DB64-5179-9A25-3B6A-38E68EB04B0B}"/>
                   </a:ext>
                 </a:extLst>
               </p:cNvPr>
@@ -5456,9 +5611,162 @@
               </a:stretch>
             </p:blipFill>
             <p:spPr>
+              <a:xfrm rot="133800">
+                <a:off x="18151304" y="10652519"/>
+                <a:ext cx="477446" cy="494993"/>
+              </a:xfrm>
+              <a:prstGeom prst="rect">
+                <a:avLst/>
+              </a:prstGeom>
+            </p:spPr>
+          </p:pic>
+        </mc:Fallback>
+      </mc:AlternateContent>
+      <mc:AlternateContent xmlns:mc="http://schemas.openxmlformats.org/markup-compatibility/2006">
+        <mc:Choice xmlns:p14="http://schemas.microsoft.com/office/powerpoint/2010/main" Requires="p14">
+          <p:contentPart p14:bwMode="auto" r:id="rId7">
+            <p14:nvContentPartPr>
+              <p14:cNvPr id="67" name="Ink 66">
+                <a:extLst>
+                  <a:ext uri="{FF2B5EF4-FFF2-40B4-BE49-F238E27FC236}">
+                    <a16:creationId xmlns:a16="http://schemas.microsoft.com/office/drawing/2014/main" id="{0BDE9353-BA2C-3EEE-06BB-054CD3871B28}"/>
+                  </a:ext>
+                </a:extLst>
+              </p14:cNvPr>
+              <p14:cNvContentPartPr/>
+              <p14:nvPr/>
+            </p14:nvContentPartPr>
+            <p14:xfrm>
+              <a:off x="17955327" y="10808215"/>
+              <a:ext cx="808200" cy="302760"/>
+            </p14:xfrm>
+          </p:contentPart>
+        </mc:Choice>
+        <mc:Fallback>
+          <p:pic>
+            <p:nvPicPr>
+              <p:cNvPr id="67" name="Ink 66">
+                <a:extLst>
+                  <a:ext uri="{FF2B5EF4-FFF2-40B4-BE49-F238E27FC236}">
+                    <a16:creationId xmlns:a16="http://schemas.microsoft.com/office/drawing/2014/main" id="{0BDE9353-BA2C-3EEE-06BB-054CD3871B28}"/>
+                  </a:ext>
+                </a:extLst>
+              </p:cNvPr>
+              <p:cNvPicPr/>
+              <p:nvPr/>
+            </p:nvPicPr>
+            <p:blipFill>
+              <a:blip r:embed="rId8"/>
+              <a:stretch>
+                <a:fillRect/>
+              </a:stretch>
+            </p:blipFill>
+            <p:spPr>
               <a:xfrm>
-                <a:off x="9143663" y="19474246"/>
-                <a:ext cx="1917360" cy="441720"/>
+                <a:off x="17892327" y="10745215"/>
+                <a:ext cx="933840" cy="428400"/>
+              </a:xfrm>
+              <a:prstGeom prst="rect">
+                <a:avLst/>
+              </a:prstGeom>
+            </p:spPr>
+          </p:pic>
+        </mc:Fallback>
+      </mc:AlternateContent>
+      <mc:AlternateContent xmlns:mc="http://schemas.openxmlformats.org/markup-compatibility/2006">
+        <mc:Choice xmlns:p14="http://schemas.microsoft.com/office/powerpoint/2010/main" Requires="p14">
+          <p:contentPart p14:bwMode="auto" r:id="rId9">
+            <p14:nvContentPartPr>
+              <p14:cNvPr id="68" name="Ink 67">
+                <a:extLst>
+                  <a:ext uri="{FF2B5EF4-FFF2-40B4-BE49-F238E27FC236}">
+                    <a16:creationId xmlns:a16="http://schemas.microsoft.com/office/drawing/2014/main" id="{550ADFBC-BE28-4B7C-85AE-44D88933A809}"/>
+                  </a:ext>
+                </a:extLst>
+              </p14:cNvPr>
+              <p14:cNvContentPartPr/>
+              <p14:nvPr/>
+            </p14:nvContentPartPr>
+            <p14:xfrm>
+              <a:off x="18532047" y="10805335"/>
+              <a:ext cx="601200" cy="184320"/>
+            </p14:xfrm>
+          </p:contentPart>
+        </mc:Choice>
+        <mc:Fallback>
+          <p:pic>
+            <p:nvPicPr>
+              <p:cNvPr id="68" name="Ink 67">
+                <a:extLst>
+                  <a:ext uri="{FF2B5EF4-FFF2-40B4-BE49-F238E27FC236}">
+                    <a16:creationId xmlns:a16="http://schemas.microsoft.com/office/drawing/2014/main" id="{550ADFBC-BE28-4B7C-85AE-44D88933A809}"/>
+                  </a:ext>
+                </a:extLst>
+              </p:cNvPr>
+              <p:cNvPicPr/>
+              <p:nvPr/>
+            </p:nvPicPr>
+            <p:blipFill>
+              <a:blip r:embed="rId10"/>
+              <a:stretch>
+                <a:fillRect/>
+              </a:stretch>
+            </p:blipFill>
+            <p:spPr>
+              <a:xfrm>
+                <a:off x="18469407" y="10742335"/>
+                <a:ext cx="726840" cy="309960"/>
+              </a:xfrm>
+              <a:prstGeom prst="rect">
+                <a:avLst/>
+              </a:prstGeom>
+            </p:spPr>
+          </p:pic>
+        </mc:Fallback>
+      </mc:AlternateContent>
+      <mc:AlternateContent xmlns:mc="http://schemas.openxmlformats.org/markup-compatibility/2006">
+        <mc:Choice xmlns:p14="http://schemas.microsoft.com/office/powerpoint/2010/main" Requires="p14">
+          <p:contentPart p14:bwMode="auto" r:id="rId11">
+            <p14:nvContentPartPr>
+              <p14:cNvPr id="69" name="Ink 68">
+                <a:extLst>
+                  <a:ext uri="{FF2B5EF4-FFF2-40B4-BE49-F238E27FC236}">
+                    <a16:creationId xmlns:a16="http://schemas.microsoft.com/office/drawing/2014/main" id="{DD2E9A1F-1121-B3DE-E76D-24CE53F2E6E1}"/>
+                  </a:ext>
+                </a:extLst>
+              </p14:cNvPr>
+              <p14:cNvContentPartPr/>
+              <p14:nvPr/>
+            </p14:nvContentPartPr>
+            <p14:xfrm>
+              <a:off x="17838327" y="10805695"/>
+              <a:ext cx="1899360" cy="286560"/>
+            </p14:xfrm>
+          </p:contentPart>
+        </mc:Choice>
+        <mc:Fallback>
+          <p:pic>
+            <p:nvPicPr>
+              <p:cNvPr id="69" name="Ink 68">
+                <a:extLst>
+                  <a:ext uri="{FF2B5EF4-FFF2-40B4-BE49-F238E27FC236}">
+                    <a16:creationId xmlns:a16="http://schemas.microsoft.com/office/drawing/2014/main" id="{DD2E9A1F-1121-B3DE-E76D-24CE53F2E6E1}"/>
+                  </a:ext>
+                </a:extLst>
+              </p:cNvPr>
+              <p:cNvPicPr/>
+              <p:nvPr/>
+            </p:nvPicPr>
+            <p:blipFill>
+              <a:blip r:embed="rId12"/>
+              <a:stretch>
+                <a:fillRect/>
+              </a:stretch>
+            </p:blipFill>
+            <p:spPr>
+              <a:xfrm>
+                <a:off x="17775687" y="10742695"/>
+                <a:ext cx="2025000" cy="412200"/>
               </a:xfrm>
               <a:prstGeom prst="rect">
                 <a:avLst/>
